--- a/12-Skymensions-JanzenQuanzJonetzko.pptx
+++ b/12-Skymensions-JanzenQuanzJonetzko.pptx
@@ -249,7 +249,7 @@
           <a:p>
             <a:fld id="{8F30485F-F541-4D7B-BE34-4083882D3278}" type="datetimeFigureOut">
               <a:rPr lang="de-DE" smtClean="0"/>
-              <a:t>24.06.2018</a:t>
+              <a:t>25.06.2018</a:t>
             </a:fld>
             <a:endParaRPr lang="de-DE"/>
           </a:p>
@@ -419,7 +419,7 @@
           <a:p>
             <a:fld id="{8F30485F-F541-4D7B-BE34-4083882D3278}" type="datetimeFigureOut">
               <a:rPr lang="de-DE" smtClean="0"/>
-              <a:t>24.06.2018</a:t>
+              <a:t>25.06.2018</a:t>
             </a:fld>
             <a:endParaRPr lang="de-DE"/>
           </a:p>
@@ -599,7 +599,7 @@
           <a:p>
             <a:fld id="{8F30485F-F541-4D7B-BE34-4083882D3278}" type="datetimeFigureOut">
               <a:rPr lang="de-DE" smtClean="0"/>
-              <a:t>24.06.2018</a:t>
+              <a:t>25.06.2018</a:t>
             </a:fld>
             <a:endParaRPr lang="de-DE"/>
           </a:p>
@@ -769,7 +769,7 @@
           <a:p>
             <a:fld id="{8F30485F-F541-4D7B-BE34-4083882D3278}" type="datetimeFigureOut">
               <a:rPr lang="de-DE" smtClean="0"/>
-              <a:t>24.06.2018</a:t>
+              <a:t>25.06.2018</a:t>
             </a:fld>
             <a:endParaRPr lang="de-DE"/>
           </a:p>
@@ -1015,7 +1015,7 @@
           <a:p>
             <a:fld id="{8F30485F-F541-4D7B-BE34-4083882D3278}" type="datetimeFigureOut">
               <a:rPr lang="de-DE" smtClean="0"/>
-              <a:t>24.06.2018</a:t>
+              <a:t>25.06.2018</a:t>
             </a:fld>
             <a:endParaRPr lang="de-DE"/>
           </a:p>
@@ -1247,7 +1247,7 @@
           <a:p>
             <a:fld id="{8F30485F-F541-4D7B-BE34-4083882D3278}" type="datetimeFigureOut">
               <a:rPr lang="de-DE" smtClean="0"/>
-              <a:t>24.06.2018</a:t>
+              <a:t>25.06.2018</a:t>
             </a:fld>
             <a:endParaRPr lang="de-DE"/>
           </a:p>
@@ -1614,7 +1614,7 @@
           <a:p>
             <a:fld id="{8F30485F-F541-4D7B-BE34-4083882D3278}" type="datetimeFigureOut">
               <a:rPr lang="de-DE" smtClean="0"/>
-              <a:t>24.06.2018</a:t>
+              <a:t>25.06.2018</a:t>
             </a:fld>
             <a:endParaRPr lang="de-DE"/>
           </a:p>
@@ -1732,7 +1732,7 @@
           <a:p>
             <a:fld id="{8F30485F-F541-4D7B-BE34-4083882D3278}" type="datetimeFigureOut">
               <a:rPr lang="de-DE" smtClean="0"/>
-              <a:t>24.06.2018</a:t>
+              <a:t>25.06.2018</a:t>
             </a:fld>
             <a:endParaRPr lang="de-DE"/>
           </a:p>
@@ -1827,7 +1827,7 @@
           <a:p>
             <a:fld id="{8F30485F-F541-4D7B-BE34-4083882D3278}" type="datetimeFigureOut">
               <a:rPr lang="de-DE" smtClean="0"/>
-              <a:t>24.06.2018</a:t>
+              <a:t>25.06.2018</a:t>
             </a:fld>
             <a:endParaRPr lang="de-DE"/>
           </a:p>
@@ -2104,7 +2104,7 @@
           <a:p>
             <a:fld id="{8F30485F-F541-4D7B-BE34-4083882D3278}" type="datetimeFigureOut">
               <a:rPr lang="de-DE" smtClean="0"/>
-              <a:t>24.06.2018</a:t>
+              <a:t>25.06.2018</a:t>
             </a:fld>
             <a:endParaRPr lang="de-DE"/>
           </a:p>
@@ -2357,7 +2357,7 @@
           <a:p>
             <a:fld id="{8F30485F-F541-4D7B-BE34-4083882D3278}" type="datetimeFigureOut">
               <a:rPr lang="de-DE" smtClean="0"/>
-              <a:t>24.06.2018</a:t>
+              <a:t>25.06.2018</a:t>
             </a:fld>
             <a:endParaRPr lang="de-DE"/>
           </a:p>
@@ -2570,7 +2570,7 @@
           <a:p>
             <a:fld id="{8F30485F-F541-4D7B-BE34-4083882D3278}" type="datetimeFigureOut">
               <a:rPr lang="de-DE" smtClean="0"/>
-              <a:t>24.06.2018</a:t>
+              <a:t>25.06.2018</a:t>
             </a:fld>
             <a:endParaRPr lang="de-DE"/>
           </a:p>
@@ -3058,6 +3058,13 @@
   <p:clrMapOvr>
     <a:masterClrMapping/>
   </p:clrMapOvr>
+  <p:timing>
+    <p:tnLst>
+      <p:par>
+        <p:cTn id="1" dur="indefinite" restart="never" nodeType="tmRoot"/>
+      </p:par>
+    </p:tnLst>
+  </p:timing>
 </p:sld>
 </file>
 
@@ -3164,6 +3171,13 @@
   <p:clrMapOvr>
     <a:masterClrMapping/>
   </p:clrMapOvr>
+  <p:timing>
+    <p:tnLst>
+      <p:par>
+        <p:cTn id="1" dur="indefinite" restart="never" nodeType="tmRoot"/>
+      </p:par>
+    </p:tnLst>
+  </p:timing>
 </p:sld>
 </file>
 
@@ -3246,6 +3260,13 @@
   <p:clrMapOvr>
     <a:masterClrMapping/>
   </p:clrMapOvr>
+  <p:timing>
+    <p:tnLst>
+      <p:par>
+        <p:cTn id="1" dur="indefinite" restart="never" nodeType="tmRoot"/>
+      </p:par>
+    </p:tnLst>
+  </p:timing>
 </p:sld>
 </file>
 
@@ -3299,7 +3320,7 @@
             <p:ph idx="1"/>
             <p:extLst>
               <p:ext uri="{D42A27DB-BD31-4B8C-83A1-F6EECF244321}">
-                <p14:modId xmlns:p14="http://schemas.microsoft.com/office/powerpoint/2010/main" val="1628128270"/>
+                <p14:modId xmlns:p14="http://schemas.microsoft.com/office/powerpoint/2010/main" val="4250333216"/>
               </p:ext>
             </p:extLst>
           </p:nvPr>
@@ -3315,10 +3336,34 @@
                 <a:tableStyleId>{5C22544A-7EE6-4342-B048-85BDC9FD1C3A}</a:tableStyleId>
               </a:tblPr>
               <a:tblGrid>
-                <a:gridCol w="2628900"/>
-                <a:gridCol w="2628900"/>
-                <a:gridCol w="2628900"/>
-                <a:gridCol w="2628900"/>
+                <a:gridCol w="2628900">
+                  <a:extLst>
+                    <a:ext uri="{9D8B030D-6E8A-4147-A177-3AD203B41FA5}">
+                      <a16:colId xmlns:a16="http://schemas.microsoft.com/office/drawing/2014/main" val="20000"/>
+                    </a:ext>
+                  </a:extLst>
+                </a:gridCol>
+                <a:gridCol w="2628900">
+                  <a:extLst>
+                    <a:ext uri="{9D8B030D-6E8A-4147-A177-3AD203B41FA5}">
+                      <a16:colId xmlns:a16="http://schemas.microsoft.com/office/drawing/2014/main" val="20001"/>
+                    </a:ext>
+                  </a:extLst>
+                </a:gridCol>
+                <a:gridCol w="2628900">
+                  <a:extLst>
+                    <a:ext uri="{9D8B030D-6E8A-4147-A177-3AD203B41FA5}">
+                      <a16:colId xmlns:a16="http://schemas.microsoft.com/office/drawing/2014/main" val="20002"/>
+                    </a:ext>
+                  </a:extLst>
+                </a:gridCol>
+                <a:gridCol w="2628900">
+                  <a:extLst>
+                    <a:ext uri="{9D8B030D-6E8A-4147-A177-3AD203B41FA5}">
+                      <a16:colId xmlns:a16="http://schemas.microsoft.com/office/drawing/2014/main" val="20003"/>
+                    </a:ext>
+                  </a:extLst>
+                </a:gridCol>
               </a:tblGrid>
               <a:tr h="618100">
                 <a:tc>
@@ -3377,6 +3422,11 @@
                   </a:txBody>
                   <a:tcPr/>
                 </a:tc>
+                <a:extLst>
+                  <a:ext uri="{0D108BD9-81ED-4DB2-BD59-A6C34878D82A}">
+                    <a16:rowId xmlns:a16="http://schemas.microsoft.com/office/drawing/2014/main" val="10000"/>
+                  </a:ext>
+                </a:extLst>
               </a:tr>
               <a:tr h="618100">
                 <a:tc>
@@ -3404,8 +3454,14 @@
                       </a:r>
                       <a:r>
                         <a:rPr lang="de-DE" baseline="0" dirty="0" smtClean="0"/>
-                        <a:t> Planung</a:t>
-                      </a:r>
+                        <a:t> </a:t>
+                      </a:r>
+                      <a:r>
+                        <a:rPr lang="de-DE" baseline="0" dirty="0" smtClean="0"/>
+                        <a:t>Planung</a:t>
+                      </a:r>
+                    </a:p>
+                    <a:p>
                       <a:endParaRPr lang="de-DE" dirty="0"/>
                     </a:p>
                   </a:txBody>
@@ -3487,6 +3543,11 @@
                   </a:txBody>
                   <a:tcPr/>
                 </a:tc>
+                <a:extLst>
+                  <a:ext uri="{0D108BD9-81ED-4DB2-BD59-A6C34878D82A}">
+                    <a16:rowId xmlns:a16="http://schemas.microsoft.com/office/drawing/2014/main" val="10001"/>
+                  </a:ext>
+                </a:extLst>
               </a:tr>
               <a:tr h="618100">
                 <a:tc>
@@ -3597,6 +3658,11 @@
                   </a:txBody>
                   <a:tcPr/>
                 </a:tc>
+                <a:extLst>
+                  <a:ext uri="{0D108BD9-81ED-4DB2-BD59-A6C34878D82A}">
+                    <a16:rowId xmlns:a16="http://schemas.microsoft.com/office/drawing/2014/main" val="10002"/>
+                  </a:ext>
+                </a:extLst>
               </a:tr>
               <a:tr h="618100">
                 <a:tc>
@@ -3727,6 +3793,11 @@
                   </a:txBody>
                   <a:tcPr/>
                 </a:tc>
+                <a:extLst>
+                  <a:ext uri="{0D108BD9-81ED-4DB2-BD59-A6C34878D82A}">
+                    <a16:rowId xmlns:a16="http://schemas.microsoft.com/office/drawing/2014/main" val="10003"/>
+                  </a:ext>
+                </a:extLst>
               </a:tr>
               <a:tr h="618100">
                 <a:tc>
@@ -3823,6 +3894,11 @@
                   </a:txBody>
                   <a:tcPr/>
                 </a:tc>
+                <a:extLst>
+                  <a:ext uri="{0D108BD9-81ED-4DB2-BD59-A6C34878D82A}">
+                    <a16:rowId xmlns:a16="http://schemas.microsoft.com/office/drawing/2014/main" val="10004"/>
+                  </a:ext>
+                </a:extLst>
               </a:tr>
               <a:tr h="618100">
                 <a:tc>
@@ -3938,6 +4014,11 @@
                   </a:txBody>
                   <a:tcPr/>
                 </a:tc>
+                <a:extLst>
+                  <a:ext uri="{0D108BD9-81ED-4DB2-BD59-A6C34878D82A}">
+                    <a16:rowId xmlns:a16="http://schemas.microsoft.com/office/drawing/2014/main" val="10005"/>
+                  </a:ext>
+                </a:extLst>
               </a:tr>
               <a:tr h="618100">
                 <a:tc>
@@ -4008,6 +4089,11 @@
                   </a:txBody>
                   <a:tcPr/>
                 </a:tc>
+                <a:extLst>
+                  <a:ext uri="{0D108BD9-81ED-4DB2-BD59-A6C34878D82A}">
+                    <a16:rowId xmlns:a16="http://schemas.microsoft.com/office/drawing/2014/main" val="10006"/>
+                  </a:ext>
+                </a:extLst>
               </a:tr>
             </a:tbl>
           </a:graphicData>
@@ -4023,6 +4109,13 @@
   <p:clrMapOvr>
     <a:masterClrMapping/>
   </p:clrMapOvr>
+  <p:timing>
+    <p:tnLst>
+      <p:par>
+        <p:cTn id="1" dur="indefinite" restart="never" nodeType="tmRoot"/>
+      </p:par>
+    </p:tnLst>
+  </p:timing>
 </p:sld>
 </file>
 
@@ -4076,7 +4169,7 @@
             <p:ph idx="1"/>
             <p:extLst>
               <p:ext uri="{D42A27DB-BD31-4B8C-83A1-F6EECF244321}">
-                <p14:modId xmlns:p14="http://schemas.microsoft.com/office/powerpoint/2010/main" val="3949696511"/>
+                <p14:modId xmlns:p14="http://schemas.microsoft.com/office/powerpoint/2010/main" val="1885550712"/>
               </p:ext>
             </p:extLst>
           </p:nvPr>
@@ -4092,10 +4185,34 @@
                 <a:tableStyleId>{5C22544A-7EE6-4342-B048-85BDC9FD1C3A}</a:tableStyleId>
               </a:tblPr>
               <a:tblGrid>
-                <a:gridCol w="2628900"/>
-                <a:gridCol w="2628900"/>
-                <a:gridCol w="2628900"/>
-                <a:gridCol w="2628900"/>
+                <a:gridCol w="2628900">
+                  <a:extLst>
+                    <a:ext uri="{9D8B030D-6E8A-4147-A177-3AD203B41FA5}">
+                      <a16:colId xmlns:a16="http://schemas.microsoft.com/office/drawing/2014/main" val="20000"/>
+                    </a:ext>
+                  </a:extLst>
+                </a:gridCol>
+                <a:gridCol w="2628900">
+                  <a:extLst>
+                    <a:ext uri="{9D8B030D-6E8A-4147-A177-3AD203B41FA5}">
+                      <a16:colId xmlns:a16="http://schemas.microsoft.com/office/drawing/2014/main" val="20001"/>
+                    </a:ext>
+                  </a:extLst>
+                </a:gridCol>
+                <a:gridCol w="2628900">
+                  <a:extLst>
+                    <a:ext uri="{9D8B030D-6E8A-4147-A177-3AD203B41FA5}">
+                      <a16:colId xmlns:a16="http://schemas.microsoft.com/office/drawing/2014/main" val="20002"/>
+                    </a:ext>
+                  </a:extLst>
+                </a:gridCol>
+                <a:gridCol w="2628900">
+                  <a:extLst>
+                    <a:ext uri="{9D8B030D-6E8A-4147-A177-3AD203B41FA5}">
+                      <a16:colId xmlns:a16="http://schemas.microsoft.com/office/drawing/2014/main" val="20003"/>
+                    </a:ext>
+                  </a:extLst>
+                </a:gridCol>
               </a:tblGrid>
               <a:tr h="618100">
                 <a:tc>
@@ -4154,6 +4271,11 @@
                   </a:txBody>
                   <a:tcPr/>
                 </a:tc>
+                <a:extLst>
+                  <a:ext uri="{0D108BD9-81ED-4DB2-BD59-A6C34878D82A}">
+                    <a16:rowId xmlns:a16="http://schemas.microsoft.com/office/drawing/2014/main" val="10000"/>
+                  </a:ext>
+                </a:extLst>
               </a:tr>
               <a:tr h="618100">
                 <a:tc>
@@ -4226,13 +4348,18 @@
                     <a:p>
                       <a:r>
                         <a:rPr lang="de-DE" baseline="0" dirty="0" smtClean="0"/>
-                        <a:t>Player Design</a:t>
+                        <a:t>KI</a:t>
                       </a:r>
                       <a:endParaRPr lang="de-DE" dirty="0"/>
                     </a:p>
                   </a:txBody>
                   <a:tcPr/>
                 </a:tc>
+                <a:extLst>
+                  <a:ext uri="{0D108BD9-81ED-4DB2-BD59-A6C34878D82A}">
+                    <a16:rowId xmlns:a16="http://schemas.microsoft.com/office/drawing/2014/main" val="10001"/>
+                  </a:ext>
+                </a:extLst>
               </a:tr>
               <a:tr h="618100">
                 <a:tc>
@@ -4300,7 +4427,7 @@
                       </a:pPr>
                       <a:r>
                         <a:rPr lang="de-DE" baseline="0" dirty="0" smtClean="0"/>
-                        <a:t>Gegner Design</a:t>
+                        <a:t>KI</a:t>
                       </a:r>
                       <a:endParaRPr lang="de-DE" dirty="0" smtClean="0"/>
                     </a:p>
@@ -4310,6 +4437,11 @@
                   </a:txBody>
                   <a:tcPr/>
                 </a:tc>
+                <a:extLst>
+                  <a:ext uri="{0D108BD9-81ED-4DB2-BD59-A6C34878D82A}">
+                    <a16:rowId xmlns:a16="http://schemas.microsoft.com/office/drawing/2014/main" val="10002"/>
+                  </a:ext>
+                </a:extLst>
               </a:tr>
               <a:tr h="618100">
                 <a:tc>
@@ -4333,7 +4465,7 @@
                     <a:p>
                       <a:r>
                         <a:rPr lang="de-DE" dirty="0" smtClean="0"/>
-                        <a:t>KI</a:t>
+                        <a:t>Tag Nacht Zyklus</a:t>
                       </a:r>
                       <a:endParaRPr lang="de-DE" dirty="0"/>
                     </a:p>
@@ -4381,14 +4513,23 @@
                     <a:lstStyle/>
                     <a:p>
                       <a:r>
+                        <a:rPr lang="de-DE" dirty="0" smtClean="0"/>
+                        <a:t>Hindernisse</a:t>
+                      </a:r>
+                      <a:r>
                         <a:rPr lang="de-DE" baseline="0" dirty="0" smtClean="0"/>
-                        <a:t>Level Design</a:t>
+                        <a:t> (Fallen, Abgründe, etc.)</a:t>
                       </a:r>
                       <a:endParaRPr lang="de-DE" dirty="0"/>
                     </a:p>
                   </a:txBody>
                   <a:tcPr/>
                 </a:tc>
+                <a:extLst>
+                  <a:ext uri="{0D108BD9-81ED-4DB2-BD59-A6C34878D82A}">
+                    <a16:rowId xmlns:a16="http://schemas.microsoft.com/office/drawing/2014/main" val="10003"/>
+                  </a:ext>
+                </a:extLst>
               </a:tr>
               <a:tr h="618100">
                 <a:tc>
@@ -4427,6 +4568,62 @@
                       <a:r>
                         <a:rPr lang="de-DE" dirty="0" smtClean="0"/>
                         <a:t>Item Design</a:t>
+                      </a:r>
+                      <a:endParaRPr lang="de-DE" dirty="0"/>
+                    </a:p>
+                  </a:txBody>
+                  <a:tcPr/>
+                </a:tc>
+                <a:tc>
+                  <a:txBody>
+                    <a:bodyPr/>
+                    <a:lstStyle/>
+                    <a:p>
+                      <a:pPr marL="0" marR="0" indent="0" algn="l" defTabSz="914400" rtl="0" eaLnBrk="1" fontAlgn="auto" latinLnBrk="0" hangingPunct="1">
+                        <a:lnSpc>
+                          <a:spcPct val="100000"/>
+                        </a:lnSpc>
+                        <a:spcBef>
+                          <a:spcPts val="0"/>
+                        </a:spcBef>
+                        <a:spcAft>
+                          <a:spcPts val="0"/>
+                        </a:spcAft>
+                        <a:buClrTx/>
+                        <a:buSzTx/>
+                        <a:buFontTx/>
+                        <a:buNone/>
+                        <a:tabLst/>
+                        <a:defRPr/>
+                      </a:pPr>
+                      <a:r>
+                        <a:rPr lang="de-DE" dirty="0" smtClean="0"/>
+                        <a:t>Hindernisse</a:t>
+                      </a:r>
+                      <a:r>
+                        <a:rPr lang="de-DE" baseline="0" dirty="0" smtClean="0"/>
+                        <a:t> (Fallen, Abgründe, etc.)</a:t>
+                      </a:r>
+                      <a:endParaRPr lang="de-DE" dirty="0" smtClean="0"/>
+                    </a:p>
+                  </a:txBody>
+                  <a:tcPr/>
+                </a:tc>
+                <a:extLst>
+                  <a:ext uri="{0D108BD9-81ED-4DB2-BD59-A6C34878D82A}">
+                    <a16:rowId xmlns:a16="http://schemas.microsoft.com/office/drawing/2014/main" val="10004"/>
+                  </a:ext>
+                </a:extLst>
+              </a:tr>
+              <a:tr h="618100">
+                <a:tc>
+                  <a:txBody>
+                    <a:bodyPr/>
+                    <a:lstStyle/>
+                    <a:p>
+                      <a:r>
+                        <a:rPr lang="de-DE" dirty="0" smtClean="0"/>
+                        <a:t>KW 36</a:t>
                       </a:r>
                       <a:endParaRPr lang="de-DE" dirty="0"/>
                     </a:p>
@@ -4456,28 +4653,12 @@
                         <a:defRPr/>
                       </a:pPr>
                       <a:r>
-                        <a:rPr lang="de-DE" baseline="0" dirty="0" smtClean="0"/>
-                        <a:t>Level Design</a:t>
+                        <a:rPr lang="de-DE" dirty="0" err="1" smtClean="0"/>
+                        <a:t>Collision</a:t>
                       </a:r>
                       <a:endParaRPr lang="de-DE" dirty="0" smtClean="0"/>
                     </a:p>
                     <a:p>
-                      <a:endParaRPr lang="de-DE" dirty="0"/>
-                    </a:p>
-                  </a:txBody>
-                  <a:tcPr/>
-                </a:tc>
-              </a:tr>
-              <a:tr h="618100">
-                <a:tc>
-                  <a:txBody>
-                    <a:bodyPr/>
-                    <a:lstStyle/>
-                    <a:p>
-                      <a:r>
-                        <a:rPr lang="de-DE" dirty="0" smtClean="0"/>
-                        <a:t>KW 36</a:t>
-                      </a:r>
                       <a:endParaRPr lang="de-DE" dirty="0"/>
                     </a:p>
                   </a:txBody>
@@ -4506,10 +4687,9 @@
                         <a:defRPr/>
                       </a:pPr>
                       <a:r>
-                        <a:rPr lang="de-DE" dirty="0" err="1" smtClean="0"/>
-                        <a:t>Collision</a:t>
-                      </a:r>
-                      <a:endParaRPr lang="de-DE" dirty="0" smtClean="0"/>
+                        <a:rPr lang="de-DE" dirty="0" smtClean="0"/>
+                        <a:t>Item Design</a:t>
+                      </a:r>
                     </a:p>
                     <a:p>
                       <a:endParaRPr lang="de-DE" dirty="0"/>
@@ -4540,11 +4720,69 @@
                         <a:defRPr/>
                       </a:pPr>
                       <a:r>
-                        <a:rPr lang="de-DE" dirty="0" smtClean="0"/>
-                        <a:t>Item Design</a:t>
-                      </a:r>
-                    </a:p>
-                    <a:p>
+                        <a:rPr lang="de-DE" baseline="0" dirty="0" smtClean="0"/>
+                        <a:t>Item Drops</a:t>
+                      </a:r>
+                      <a:endParaRPr lang="de-DE" dirty="0" smtClean="0"/>
+                    </a:p>
+                    <a:p>
+                      <a:endParaRPr lang="de-DE" dirty="0"/>
+                    </a:p>
+                  </a:txBody>
+                  <a:tcPr/>
+                </a:tc>
+                <a:extLst>
+                  <a:ext uri="{0D108BD9-81ED-4DB2-BD59-A6C34878D82A}">
+                    <a16:rowId xmlns:a16="http://schemas.microsoft.com/office/drawing/2014/main" val="10005"/>
+                  </a:ext>
+                </a:extLst>
+              </a:tr>
+              <a:tr h="618100">
+                <a:tc>
+                  <a:txBody>
+                    <a:bodyPr/>
+                    <a:lstStyle/>
+                    <a:p>
+                      <a:r>
+                        <a:rPr lang="de-DE" dirty="0" smtClean="0"/>
+                        <a:t>KW</a:t>
+                      </a:r>
+                      <a:r>
+                        <a:rPr lang="de-DE" baseline="0" dirty="0" smtClean="0"/>
+                        <a:t> 37</a:t>
+                      </a:r>
+                      <a:endParaRPr lang="de-DE" dirty="0"/>
+                    </a:p>
+                  </a:txBody>
+                  <a:tcPr/>
+                </a:tc>
+                <a:tc>
+                  <a:txBody>
+                    <a:bodyPr/>
+                    <a:lstStyle/>
+                    <a:p>
+                      <a:r>
+                        <a:rPr lang="de-DE" dirty="0" smtClean="0"/>
+                        <a:t>Menü</a:t>
+                      </a:r>
+                      <a:endParaRPr lang="de-DE" dirty="0"/>
+                    </a:p>
+                  </a:txBody>
+                  <a:tcPr/>
+                </a:tc>
+                <a:tc>
+                  <a:txBody>
+                    <a:bodyPr/>
+                    <a:lstStyle/>
+                    <a:p>
+                      <a:r>
+                        <a:rPr lang="de-DE" dirty="0" err="1" smtClean="0"/>
+                        <a:t>Testing</a:t>
+                      </a:r>
+                      <a:r>
+                        <a:rPr lang="de-DE" dirty="0" smtClean="0"/>
+                        <a:t>/Debugging</a:t>
+                      </a:r>
                       <a:endParaRPr lang="de-DE" dirty="0"/>
                     </a:p>
                   </a:txBody>
@@ -4578,12 +4816,14 @@
                       </a:r>
                       <a:endParaRPr lang="de-DE" dirty="0" smtClean="0"/>
                     </a:p>
-                    <a:p>
-                      <a:endParaRPr lang="de-DE" dirty="0"/>
-                    </a:p>
-                  </a:txBody>
-                  <a:tcPr/>
-                </a:tc>
+                  </a:txBody>
+                  <a:tcPr/>
+                </a:tc>
+                <a:extLst>
+                  <a:ext uri="{0D108BD9-81ED-4DB2-BD59-A6C34878D82A}">
+                    <a16:rowId xmlns:a16="http://schemas.microsoft.com/office/drawing/2014/main" val="10006"/>
+                  </a:ext>
+                </a:extLst>
               </a:tr>
               <a:tr h="618100">
                 <a:tc>
@@ -4593,25 +4833,7 @@
                     <a:p>
                       <a:r>
                         <a:rPr lang="de-DE" dirty="0" smtClean="0"/>
-                        <a:t>KW</a:t>
-                      </a:r>
-                      <a:r>
-                        <a:rPr lang="de-DE" baseline="0" dirty="0" smtClean="0"/>
-                        <a:t> 37</a:t>
-                      </a:r>
-                      <a:endParaRPr lang="de-DE" dirty="0"/>
-                    </a:p>
-                  </a:txBody>
-                  <a:tcPr/>
-                </a:tc>
-                <a:tc>
-                  <a:txBody>
-                    <a:bodyPr/>
-                    <a:lstStyle/>
-                    <a:p>
-                      <a:r>
-                        <a:rPr lang="de-DE" dirty="0" smtClean="0"/>
-                        <a:t>Animation</a:t>
+                        <a:t>KW 38</a:t>
                       </a:r>
                       <a:endParaRPr lang="de-DE" dirty="0"/>
                     </a:p>
@@ -4641,74 +4863,13 @@
                     <a:bodyPr/>
                     <a:lstStyle/>
                     <a:p>
-                      <a:pPr marL="0" marR="0" lvl="0" indent="0" algn="l" defTabSz="914400" rtl="0" eaLnBrk="1" fontAlgn="auto" latinLnBrk="0" hangingPunct="1">
-                        <a:lnSpc>
-                          <a:spcPct val="100000"/>
-                        </a:lnSpc>
-                        <a:spcBef>
-                          <a:spcPts val="0"/>
-                        </a:spcBef>
-                        <a:spcAft>
-                          <a:spcPts val="0"/>
-                        </a:spcAft>
-                        <a:buClrTx/>
-                        <a:buSzTx/>
-                        <a:buFontTx/>
-                        <a:buNone/>
-                        <a:tabLst/>
-                        <a:defRPr/>
-                      </a:pPr>
-                      <a:r>
-                        <a:rPr lang="de-DE" baseline="0" dirty="0" smtClean="0"/>
-                        <a:t>Item Drops</a:t>
-                      </a:r>
-                      <a:endParaRPr lang="de-DE" dirty="0" smtClean="0"/>
-                    </a:p>
-                  </a:txBody>
-                  <a:tcPr/>
-                </a:tc>
-              </a:tr>
-              <a:tr h="618100">
-                <a:tc>
-                  <a:txBody>
-                    <a:bodyPr/>
-                    <a:lstStyle/>
-                    <a:p>
-                      <a:r>
-                        <a:rPr lang="de-DE" dirty="0" smtClean="0"/>
-                        <a:t>KW 38</a:t>
-                      </a:r>
-                      <a:endParaRPr lang="de-DE" dirty="0"/>
-                    </a:p>
-                  </a:txBody>
-                  <a:tcPr/>
-                </a:tc>
-                <a:tc>
-                  <a:txBody>
-                    <a:bodyPr/>
-                    <a:lstStyle/>
-                    <a:p>
-                      <a:r>
-                        <a:rPr lang="de-DE" dirty="0" err="1" smtClean="0"/>
-                        <a:t>Testing</a:t>
-                      </a:r>
-                      <a:r>
-                        <a:rPr lang="de-DE" dirty="0" smtClean="0"/>
-                        <a:t>/Debugging</a:t>
-                      </a:r>
-                      <a:endParaRPr lang="de-DE" dirty="0"/>
-                    </a:p>
-                  </a:txBody>
-                  <a:tcPr/>
-                </a:tc>
-                <a:tc>
-                  <a:txBody>
-                    <a:bodyPr/>
-                    <a:lstStyle/>
-                    <a:p>
-                      <a:r>
-                        <a:rPr lang="de-DE" dirty="0" smtClean="0"/>
-                        <a:t>Bonus: Wind/</a:t>
+                      <a:r>
+                        <a:rPr lang="de-DE" dirty="0" smtClean="0"/>
+                        <a:t>Wind</a:t>
+                      </a:r>
+                      <a:r>
+                        <a:rPr lang="de-DE" dirty="0" smtClean="0"/>
+                        <a:t>/</a:t>
                       </a:r>
                       <a:r>
                         <a:rPr lang="de-DE" baseline="0" dirty="0" smtClean="0"/>
@@ -4724,26 +4885,9 @@
                     <a:bodyPr/>
                     <a:lstStyle/>
                     <a:p>
-                      <a:pPr marL="0" marR="0" lvl="0" indent="0" algn="l" defTabSz="914400" rtl="0" eaLnBrk="1" fontAlgn="auto" latinLnBrk="0" hangingPunct="1">
-                        <a:lnSpc>
-                          <a:spcPct val="100000"/>
-                        </a:lnSpc>
-                        <a:spcBef>
-                          <a:spcPts val="0"/>
-                        </a:spcBef>
-                        <a:spcAft>
-                          <a:spcPts val="0"/>
-                        </a:spcAft>
-                        <a:buClrTx/>
-                        <a:buSzTx/>
-                        <a:buFontTx/>
-                        <a:buNone/>
-                        <a:tabLst/>
-                        <a:defRPr/>
-                      </a:pPr>
-                      <a:r>
-                        <a:rPr lang="de-DE" dirty="0" smtClean="0"/>
-                        <a:t>UI Design</a:t>
+                      <a:r>
+                        <a:rPr lang="de-DE" dirty="0" smtClean="0"/>
+                        <a:t>Animation</a:t>
                       </a:r>
                     </a:p>
                     <a:p>
@@ -4752,6 +4896,11 @@
                   </a:txBody>
                   <a:tcPr/>
                 </a:tc>
+                <a:extLst>
+                  <a:ext uri="{0D108BD9-81ED-4DB2-BD59-A6C34878D82A}">
+                    <a16:rowId xmlns:a16="http://schemas.microsoft.com/office/drawing/2014/main" val="10007"/>
+                  </a:ext>
+                </a:extLst>
               </a:tr>
             </a:tbl>
           </a:graphicData>
@@ -4767,6 +4916,13 @@
   <p:clrMapOvr>
     <a:masterClrMapping/>
   </p:clrMapOvr>
+  <p:timing>
+    <p:tnLst>
+      <p:par>
+        <p:cTn id="1" dur="indefinite" restart="never" nodeType="tmRoot"/>
+      </p:par>
+    </p:tnLst>
+  </p:timing>
 </p:sld>
 </file>
 
@@ -4868,6 +5024,13 @@
   <p:clrMapOvr>
     <a:masterClrMapping/>
   </p:clrMapOvr>
+  <p:timing>
+    <p:tnLst>
+      <p:par>
+        <p:cTn id="1" dur="indefinite" restart="never" nodeType="tmRoot"/>
+      </p:par>
+    </p:tnLst>
+  </p:timing>
 </p:sld>
 </file>
 
@@ -4952,6 +5115,13 @@
   <p:clrMapOvr>
     <a:masterClrMapping/>
   </p:clrMapOvr>
+  <p:timing>
+    <p:tnLst>
+      <p:par>
+        <p:cTn id="1" dur="indefinite" restart="never" nodeType="tmRoot"/>
+      </p:par>
+    </p:tnLst>
+  </p:timing>
 </p:sld>
 </file>
 

--- a/12-Skymensions-JanzenQuanzJonetzko.pptx
+++ b/12-Skymensions-JanzenQuanzJonetzko.pptx
@@ -8,10 +8,12 @@
     <p:sldId id="256" r:id="rId2"/>
     <p:sldId id="257" r:id="rId3"/>
     <p:sldId id="258" r:id="rId4"/>
-    <p:sldId id="260" r:id="rId5"/>
-    <p:sldId id="263" r:id="rId6"/>
-    <p:sldId id="261" r:id="rId7"/>
-    <p:sldId id="262" r:id="rId8"/>
+    <p:sldId id="264" r:id="rId5"/>
+    <p:sldId id="267" r:id="rId6"/>
+    <p:sldId id="268" r:id="rId7"/>
+    <p:sldId id="265" r:id="rId8"/>
+    <p:sldId id="266" r:id="rId9"/>
+    <p:sldId id="261" r:id="rId10"/>
   </p:sldIdLst>
   <p:sldSz cx="12192000" cy="6858000"/>
   <p:notesSz cx="6858000" cy="9144000"/>
@@ -249,7 +251,7 @@
           <a:p>
             <a:fld id="{8F30485F-F541-4D7B-BE34-4083882D3278}" type="datetimeFigureOut">
               <a:rPr lang="de-DE" smtClean="0"/>
-              <a:t>25.06.2018</a:t>
+              <a:t>23.09.2018</a:t>
             </a:fld>
             <a:endParaRPr lang="de-DE"/>
           </a:p>
@@ -419,7 +421,7 @@
           <a:p>
             <a:fld id="{8F30485F-F541-4D7B-BE34-4083882D3278}" type="datetimeFigureOut">
               <a:rPr lang="de-DE" smtClean="0"/>
-              <a:t>25.06.2018</a:t>
+              <a:t>23.09.2018</a:t>
             </a:fld>
             <a:endParaRPr lang="de-DE"/>
           </a:p>
@@ -599,7 +601,7 @@
           <a:p>
             <a:fld id="{8F30485F-F541-4D7B-BE34-4083882D3278}" type="datetimeFigureOut">
               <a:rPr lang="de-DE" smtClean="0"/>
-              <a:t>25.06.2018</a:t>
+              <a:t>23.09.2018</a:t>
             </a:fld>
             <a:endParaRPr lang="de-DE"/>
           </a:p>
@@ -769,7 +771,7 @@
           <a:p>
             <a:fld id="{8F30485F-F541-4D7B-BE34-4083882D3278}" type="datetimeFigureOut">
               <a:rPr lang="de-DE" smtClean="0"/>
-              <a:t>25.06.2018</a:t>
+              <a:t>23.09.2018</a:t>
             </a:fld>
             <a:endParaRPr lang="de-DE"/>
           </a:p>
@@ -1015,7 +1017,7 @@
           <a:p>
             <a:fld id="{8F30485F-F541-4D7B-BE34-4083882D3278}" type="datetimeFigureOut">
               <a:rPr lang="de-DE" smtClean="0"/>
-              <a:t>25.06.2018</a:t>
+              <a:t>23.09.2018</a:t>
             </a:fld>
             <a:endParaRPr lang="de-DE"/>
           </a:p>
@@ -1247,7 +1249,7 @@
           <a:p>
             <a:fld id="{8F30485F-F541-4D7B-BE34-4083882D3278}" type="datetimeFigureOut">
               <a:rPr lang="de-DE" smtClean="0"/>
-              <a:t>25.06.2018</a:t>
+              <a:t>23.09.2018</a:t>
             </a:fld>
             <a:endParaRPr lang="de-DE"/>
           </a:p>
@@ -1614,7 +1616,7 @@
           <a:p>
             <a:fld id="{8F30485F-F541-4D7B-BE34-4083882D3278}" type="datetimeFigureOut">
               <a:rPr lang="de-DE" smtClean="0"/>
-              <a:t>25.06.2018</a:t>
+              <a:t>23.09.2018</a:t>
             </a:fld>
             <a:endParaRPr lang="de-DE"/>
           </a:p>
@@ -1732,7 +1734,7 @@
           <a:p>
             <a:fld id="{8F30485F-F541-4D7B-BE34-4083882D3278}" type="datetimeFigureOut">
               <a:rPr lang="de-DE" smtClean="0"/>
-              <a:t>25.06.2018</a:t>
+              <a:t>23.09.2018</a:t>
             </a:fld>
             <a:endParaRPr lang="de-DE"/>
           </a:p>
@@ -1827,7 +1829,7 @@
           <a:p>
             <a:fld id="{8F30485F-F541-4D7B-BE34-4083882D3278}" type="datetimeFigureOut">
               <a:rPr lang="de-DE" smtClean="0"/>
-              <a:t>25.06.2018</a:t>
+              <a:t>23.09.2018</a:t>
             </a:fld>
             <a:endParaRPr lang="de-DE"/>
           </a:p>
@@ -2104,7 +2106,7 @@
           <a:p>
             <a:fld id="{8F30485F-F541-4D7B-BE34-4083882D3278}" type="datetimeFigureOut">
               <a:rPr lang="de-DE" smtClean="0"/>
-              <a:t>25.06.2018</a:t>
+              <a:t>23.09.2018</a:t>
             </a:fld>
             <a:endParaRPr lang="de-DE"/>
           </a:p>
@@ -2357,7 +2359,7 @@
           <a:p>
             <a:fld id="{8F30485F-F541-4D7B-BE34-4083882D3278}" type="datetimeFigureOut">
               <a:rPr lang="de-DE" smtClean="0"/>
-              <a:t>25.06.2018</a:t>
+              <a:t>23.09.2018</a:t>
             </a:fld>
             <a:endParaRPr lang="de-DE"/>
           </a:p>
@@ -2570,7 +2572,7 @@
           <a:p>
             <a:fld id="{8F30485F-F541-4D7B-BE34-4083882D3278}" type="datetimeFigureOut">
               <a:rPr lang="de-DE" smtClean="0"/>
-              <a:t>25.06.2018</a:t>
+              <a:t>23.09.2018</a:t>
             </a:fld>
             <a:endParaRPr lang="de-DE"/>
           </a:p>
@@ -3304,805 +3306,56 @@
           <a:p>
             <a:r>
               <a:rPr lang="de-DE" dirty="0" smtClean="0"/>
-              <a:t>Zeitplan</a:t>
+              <a:t>Verantwortungsbereich Niels</a:t>
             </a:r>
             <a:endParaRPr lang="de-DE" dirty="0"/>
           </a:p>
         </p:txBody>
       </p:sp>
-      <p:graphicFrame>
-        <p:nvGraphicFramePr>
-          <p:cNvPr id="6" name="Inhaltsplatzhalter 5"/>
-          <p:cNvGraphicFramePr>
-            <a:graphicFrameLocks noGrp="1"/>
-          </p:cNvGraphicFramePr>
+      <p:sp>
+        <p:nvSpPr>
+          <p:cNvPr id="3" name="Inhaltsplatzhalter 2"/>
+          <p:cNvSpPr>
+            <a:spLocks noGrp="1"/>
+          </p:cNvSpPr>
           <p:nvPr>
             <p:ph idx="1"/>
-            <p:extLst>
-              <p:ext uri="{D42A27DB-BD31-4B8C-83A1-F6EECF244321}">
-                <p14:modId xmlns:p14="http://schemas.microsoft.com/office/powerpoint/2010/main" val="4250333216"/>
-              </p:ext>
-            </p:extLst>
-          </p:nvPr>
-        </p:nvGraphicFramePr>
-        <p:xfrm>
-          <a:off x="838200" y="1825621"/>
-          <a:ext cx="10515600" cy="4458580"/>
-        </p:xfrm>
-        <a:graphic>
-          <a:graphicData uri="http://schemas.openxmlformats.org/drawingml/2006/table">
-            <a:tbl>
-              <a:tblPr firstRow="1" bandRow="1">
-                <a:tableStyleId>{5C22544A-7EE6-4342-B048-85BDC9FD1C3A}</a:tableStyleId>
-              </a:tblPr>
-              <a:tblGrid>
-                <a:gridCol w="2628900">
-                  <a:extLst>
-                    <a:ext uri="{9D8B030D-6E8A-4147-A177-3AD203B41FA5}">
-                      <a16:colId xmlns:a16="http://schemas.microsoft.com/office/drawing/2014/main" val="20000"/>
-                    </a:ext>
-                  </a:extLst>
-                </a:gridCol>
-                <a:gridCol w="2628900">
-                  <a:extLst>
-                    <a:ext uri="{9D8B030D-6E8A-4147-A177-3AD203B41FA5}">
-                      <a16:colId xmlns:a16="http://schemas.microsoft.com/office/drawing/2014/main" val="20001"/>
-                    </a:ext>
-                  </a:extLst>
-                </a:gridCol>
-                <a:gridCol w="2628900">
-                  <a:extLst>
-                    <a:ext uri="{9D8B030D-6E8A-4147-A177-3AD203B41FA5}">
-                      <a16:colId xmlns:a16="http://schemas.microsoft.com/office/drawing/2014/main" val="20002"/>
-                    </a:ext>
-                  </a:extLst>
-                </a:gridCol>
-                <a:gridCol w="2628900">
-                  <a:extLst>
-                    <a:ext uri="{9D8B030D-6E8A-4147-A177-3AD203B41FA5}">
-                      <a16:colId xmlns:a16="http://schemas.microsoft.com/office/drawing/2014/main" val="20003"/>
-                    </a:ext>
-                  </a:extLst>
-                </a:gridCol>
-              </a:tblGrid>
-              <a:tr h="618100">
-                <a:tc>
-                  <a:txBody>
-                    <a:bodyPr/>
-                    <a:lstStyle/>
-                    <a:p>
-                      <a:r>
-                        <a:rPr lang="de-DE" dirty="0" smtClean="0"/>
-                        <a:t>Woche</a:t>
-                      </a:r>
-                      <a:endParaRPr lang="de-DE" dirty="0"/>
-                    </a:p>
-                  </a:txBody>
-                  <a:tcPr/>
-                </a:tc>
-                <a:tc>
-                  <a:txBody>
-                    <a:bodyPr/>
-                    <a:lstStyle/>
-                    <a:p>
-                      <a:r>
-                        <a:rPr lang="de-DE" dirty="0" smtClean="0"/>
-                        <a:t>Niels</a:t>
-                      </a:r>
-                      <a:endParaRPr lang="de-DE" dirty="0"/>
-                    </a:p>
-                  </a:txBody>
-                  <a:tcPr/>
-                </a:tc>
-                <a:tc>
-                  <a:txBody>
-                    <a:bodyPr/>
-                    <a:lstStyle/>
-                    <a:p>
-                      <a:r>
-                        <a:rPr lang="de-DE" dirty="0" smtClean="0"/>
-                        <a:t>Robert</a:t>
-                      </a:r>
-                      <a:endParaRPr lang="de-DE" dirty="0"/>
-                    </a:p>
-                  </a:txBody>
-                  <a:tcPr/>
-                </a:tc>
-                <a:tc>
-                  <a:txBody>
-                    <a:bodyPr/>
-                    <a:lstStyle/>
-                    <a:p>
-                      <a:r>
-                        <a:rPr lang="de-DE" dirty="0" smtClean="0"/>
-                        <a:t>Daniel</a:t>
-                      </a:r>
-                      <a:endParaRPr lang="de-DE" dirty="0"/>
-                    </a:p>
-                  </a:txBody>
-                  <a:tcPr/>
-                </a:tc>
-                <a:extLst>
-                  <a:ext uri="{0D108BD9-81ED-4DB2-BD59-A6C34878D82A}">
-                    <a16:rowId xmlns:a16="http://schemas.microsoft.com/office/drawing/2014/main" val="10000"/>
-                  </a:ext>
-                </a:extLst>
-              </a:tr>
-              <a:tr h="618100">
-                <a:tc>
-                  <a:txBody>
-                    <a:bodyPr/>
-                    <a:lstStyle/>
-                    <a:p>
-                      <a:r>
-                        <a:rPr lang="de-DE" dirty="0" smtClean="0"/>
-                        <a:t>KW 26</a:t>
-                      </a:r>
-                      <a:endParaRPr lang="de-DE" dirty="0"/>
-                    </a:p>
-                  </a:txBody>
-                  <a:tcPr/>
-                </a:tc>
-                <a:tc>
-                  <a:txBody>
-                    <a:bodyPr/>
-                    <a:lstStyle/>
-                    <a:p>
-                      <a:r>
-                        <a:rPr lang="de-DE" dirty="0" smtClean="0"/>
-                        <a:t>Finale</a:t>
-                      </a:r>
-                      <a:r>
-                        <a:rPr lang="de-DE" baseline="0" dirty="0" smtClean="0"/>
-                        <a:t> </a:t>
-                      </a:r>
-                      <a:r>
-                        <a:rPr lang="de-DE" baseline="0" dirty="0" smtClean="0"/>
-                        <a:t>Planung</a:t>
-                      </a:r>
-                    </a:p>
-                    <a:p>
-                      <a:endParaRPr lang="de-DE" dirty="0"/>
-                    </a:p>
-                  </a:txBody>
-                  <a:tcPr/>
-                </a:tc>
-                <a:tc>
-                  <a:txBody>
-                    <a:bodyPr/>
-                    <a:lstStyle/>
-                    <a:p>
-                      <a:pPr marL="0" marR="0" lvl="0" indent="0" algn="l" defTabSz="914400" rtl="0" eaLnBrk="1" fontAlgn="auto" latinLnBrk="0" hangingPunct="1">
-                        <a:lnSpc>
-                          <a:spcPct val="100000"/>
-                        </a:lnSpc>
-                        <a:spcBef>
-                          <a:spcPts val="0"/>
-                        </a:spcBef>
-                        <a:spcAft>
-                          <a:spcPts val="0"/>
-                        </a:spcAft>
-                        <a:buClrTx/>
-                        <a:buSzTx/>
-                        <a:buFontTx/>
-                        <a:buNone/>
-                        <a:tabLst/>
-                        <a:defRPr/>
-                      </a:pPr>
-                      <a:r>
-                        <a:rPr lang="de-DE" dirty="0" smtClean="0"/>
-                        <a:t>Finale</a:t>
-                      </a:r>
-                      <a:r>
-                        <a:rPr lang="de-DE" baseline="0" dirty="0" smtClean="0"/>
-                        <a:t> Planung</a:t>
-                      </a:r>
-                      <a:endParaRPr lang="de-DE" dirty="0" smtClean="0"/>
-                    </a:p>
-                    <a:p>
-                      <a:endParaRPr lang="de-DE" dirty="0"/>
-                    </a:p>
-                  </a:txBody>
-                  <a:tcPr/>
-                </a:tc>
-                <a:tc>
-                  <a:txBody>
-                    <a:bodyPr/>
-                    <a:lstStyle/>
-                    <a:p>
-                      <a:pPr marL="0" marR="0" lvl="0" indent="0" algn="l" defTabSz="914400" rtl="0" eaLnBrk="1" fontAlgn="auto" latinLnBrk="0" hangingPunct="1">
-                        <a:lnSpc>
-                          <a:spcPct val="100000"/>
-                        </a:lnSpc>
-                        <a:spcBef>
-                          <a:spcPts val="0"/>
-                        </a:spcBef>
-                        <a:spcAft>
-                          <a:spcPts val="0"/>
-                        </a:spcAft>
-                        <a:buClrTx/>
-                        <a:buSzTx/>
-                        <a:buFontTx/>
-                        <a:buNone/>
-                        <a:tabLst/>
-                        <a:defRPr/>
-                      </a:pPr>
-                      <a:r>
-                        <a:rPr lang="de-DE" dirty="0" smtClean="0"/>
-                        <a:t>Finale</a:t>
-                      </a:r>
-                      <a:r>
-                        <a:rPr lang="de-DE" baseline="0" dirty="0" smtClean="0"/>
-                        <a:t> Planung</a:t>
-                      </a:r>
-                      <a:endParaRPr lang="de-DE" dirty="0" smtClean="0"/>
-                    </a:p>
-                    <a:p>
-                      <a:endParaRPr lang="de-DE" dirty="0"/>
-                    </a:p>
-                  </a:txBody>
-                  <a:tcPr/>
-                </a:tc>
-                <a:extLst>
-                  <a:ext uri="{0D108BD9-81ED-4DB2-BD59-A6C34878D82A}">
-                    <a16:rowId xmlns:a16="http://schemas.microsoft.com/office/drawing/2014/main" val="10001"/>
-                  </a:ext>
-                </a:extLst>
-              </a:tr>
-              <a:tr h="618100">
-                <a:tc>
-                  <a:txBody>
-                    <a:bodyPr/>
-                    <a:lstStyle/>
-                    <a:p>
-                      <a:r>
-                        <a:rPr lang="de-DE" dirty="0" smtClean="0"/>
-                        <a:t>KW 27</a:t>
-                      </a:r>
-                      <a:endParaRPr lang="de-DE" dirty="0"/>
-                    </a:p>
-                  </a:txBody>
-                  <a:tcPr/>
-                </a:tc>
-                <a:tc>
-                  <a:txBody>
-                    <a:bodyPr/>
-                    <a:lstStyle/>
-                    <a:p>
-                      <a:r>
-                        <a:rPr lang="de-DE" dirty="0" smtClean="0"/>
-                        <a:t>Prüfungs</a:t>
-                      </a:r>
-                      <a:r>
-                        <a:rPr lang="de-DE" baseline="0" dirty="0" smtClean="0"/>
-                        <a:t>vorbereitung</a:t>
-                      </a:r>
-                      <a:endParaRPr lang="de-DE" dirty="0"/>
-                    </a:p>
-                  </a:txBody>
-                  <a:tcPr/>
-                </a:tc>
-                <a:tc>
-                  <a:txBody>
-                    <a:bodyPr/>
-                    <a:lstStyle/>
-                    <a:p>
-                      <a:pPr marL="0" marR="0" lvl="0" indent="0" algn="l" defTabSz="914400" rtl="0" eaLnBrk="1" fontAlgn="auto" latinLnBrk="0" hangingPunct="1">
-                        <a:lnSpc>
-                          <a:spcPct val="100000"/>
-                        </a:lnSpc>
-                        <a:spcBef>
-                          <a:spcPts val="0"/>
-                        </a:spcBef>
-                        <a:spcAft>
-                          <a:spcPts val="0"/>
-                        </a:spcAft>
-                        <a:buClrTx/>
-                        <a:buSzTx/>
-                        <a:buFontTx/>
-                        <a:buNone/>
-                        <a:tabLst/>
-                        <a:defRPr/>
-                      </a:pPr>
-                      <a:r>
-                        <a:rPr lang="de-DE" dirty="0" smtClean="0"/>
-                        <a:t>Prüfungs</a:t>
-                      </a:r>
-                      <a:r>
-                        <a:rPr lang="de-DE" baseline="0" dirty="0" smtClean="0"/>
-                        <a:t>vorbereitung</a:t>
-                      </a:r>
-                      <a:endParaRPr lang="de-DE" dirty="0" smtClean="0"/>
-                    </a:p>
-                    <a:p>
-                      <a:endParaRPr lang="de-DE" dirty="0" smtClean="0"/>
-                    </a:p>
-                  </a:txBody>
-                  <a:tcPr/>
-                </a:tc>
-                <a:tc>
-                  <a:txBody>
-                    <a:bodyPr/>
-                    <a:lstStyle/>
-                    <a:p>
-                      <a:pPr marL="0" marR="0" lvl="0" indent="0" algn="l" defTabSz="914400" rtl="0" eaLnBrk="1" fontAlgn="auto" latinLnBrk="0" hangingPunct="1">
-                        <a:lnSpc>
-                          <a:spcPct val="100000"/>
-                        </a:lnSpc>
-                        <a:spcBef>
-                          <a:spcPts val="0"/>
-                        </a:spcBef>
-                        <a:spcAft>
-                          <a:spcPts val="0"/>
-                        </a:spcAft>
-                        <a:buClrTx/>
-                        <a:buSzTx/>
-                        <a:buFontTx/>
-                        <a:buNone/>
-                        <a:tabLst/>
-                        <a:defRPr/>
-                      </a:pPr>
-                      <a:r>
-                        <a:rPr lang="de-DE" dirty="0" smtClean="0"/>
-                        <a:t>Prüfungs</a:t>
-                      </a:r>
-                      <a:r>
-                        <a:rPr lang="de-DE" baseline="0" dirty="0" smtClean="0"/>
-                        <a:t>vorbereitung</a:t>
-                      </a:r>
-                      <a:endParaRPr lang="de-DE" dirty="0" smtClean="0"/>
-                    </a:p>
-                    <a:p>
-                      <a:endParaRPr lang="de-DE" dirty="0"/>
-                    </a:p>
-                  </a:txBody>
-                  <a:tcPr/>
-                </a:tc>
-                <a:extLst>
-                  <a:ext uri="{0D108BD9-81ED-4DB2-BD59-A6C34878D82A}">
-                    <a16:rowId xmlns:a16="http://schemas.microsoft.com/office/drawing/2014/main" val="10002"/>
-                  </a:ext>
-                </a:extLst>
-              </a:tr>
-              <a:tr h="618100">
-                <a:tc>
-                  <a:txBody>
-                    <a:bodyPr/>
-                    <a:lstStyle/>
-                    <a:p>
-                      <a:r>
-                        <a:rPr lang="de-DE" dirty="0" smtClean="0"/>
-                        <a:t>KW 28</a:t>
-                      </a:r>
-                      <a:endParaRPr lang="de-DE" dirty="0"/>
-                    </a:p>
-                  </a:txBody>
-                  <a:tcPr/>
-                </a:tc>
-                <a:tc>
-                  <a:txBody>
-                    <a:bodyPr/>
-                    <a:lstStyle/>
-                    <a:p>
-                      <a:pPr marL="0" marR="0" lvl="0" indent="0" algn="l" defTabSz="914400" rtl="0" eaLnBrk="1" fontAlgn="auto" latinLnBrk="0" hangingPunct="1">
-                        <a:lnSpc>
-                          <a:spcPct val="100000"/>
-                        </a:lnSpc>
-                        <a:spcBef>
-                          <a:spcPts val="0"/>
-                        </a:spcBef>
-                        <a:spcAft>
-                          <a:spcPts val="0"/>
-                        </a:spcAft>
-                        <a:buClrTx/>
-                        <a:buSzTx/>
-                        <a:buFontTx/>
-                        <a:buNone/>
-                        <a:tabLst/>
-                        <a:defRPr/>
-                      </a:pPr>
-                      <a:r>
-                        <a:rPr lang="de-DE" dirty="0" smtClean="0"/>
-                        <a:t>Prüfungs</a:t>
-                      </a:r>
-                      <a:r>
-                        <a:rPr lang="de-DE" baseline="0" dirty="0" smtClean="0"/>
-                        <a:t>vorbereitung</a:t>
-                      </a:r>
-                      <a:endParaRPr lang="de-DE" dirty="0" smtClean="0"/>
-                    </a:p>
-                    <a:p>
-                      <a:endParaRPr lang="de-DE" dirty="0"/>
-                    </a:p>
-                  </a:txBody>
-                  <a:tcPr/>
-                </a:tc>
-                <a:tc>
-                  <a:txBody>
-                    <a:bodyPr/>
-                    <a:lstStyle/>
-                    <a:p>
-                      <a:pPr marL="0" marR="0" lvl="0" indent="0" algn="l" defTabSz="914400" rtl="0" eaLnBrk="1" fontAlgn="auto" latinLnBrk="0" hangingPunct="1">
-                        <a:lnSpc>
-                          <a:spcPct val="100000"/>
-                        </a:lnSpc>
-                        <a:spcBef>
-                          <a:spcPts val="0"/>
-                        </a:spcBef>
-                        <a:spcAft>
-                          <a:spcPts val="0"/>
-                        </a:spcAft>
-                        <a:buClrTx/>
-                        <a:buSzTx/>
-                        <a:buFontTx/>
-                        <a:buNone/>
-                        <a:tabLst/>
-                        <a:defRPr/>
-                      </a:pPr>
-                      <a:r>
-                        <a:rPr lang="de-DE" dirty="0" smtClean="0"/>
-                        <a:t>Prüfungs</a:t>
-                      </a:r>
-                      <a:r>
-                        <a:rPr lang="de-DE" baseline="0" dirty="0" smtClean="0"/>
-                        <a:t>vorbereitung</a:t>
-                      </a:r>
-                      <a:endParaRPr lang="de-DE" dirty="0" smtClean="0"/>
-                    </a:p>
-                    <a:p>
-                      <a:endParaRPr lang="de-DE" dirty="0"/>
-                    </a:p>
-                  </a:txBody>
-                  <a:tcPr/>
-                </a:tc>
-                <a:tc>
-                  <a:txBody>
-                    <a:bodyPr/>
-                    <a:lstStyle/>
-                    <a:p>
-                      <a:pPr marL="0" marR="0" lvl="0" indent="0" algn="l" defTabSz="914400" rtl="0" eaLnBrk="1" fontAlgn="auto" latinLnBrk="0" hangingPunct="1">
-                        <a:lnSpc>
-                          <a:spcPct val="100000"/>
-                        </a:lnSpc>
-                        <a:spcBef>
-                          <a:spcPts val="0"/>
-                        </a:spcBef>
-                        <a:spcAft>
-                          <a:spcPts val="0"/>
-                        </a:spcAft>
-                        <a:buClrTx/>
-                        <a:buSzTx/>
-                        <a:buFontTx/>
-                        <a:buNone/>
-                        <a:tabLst/>
-                        <a:defRPr/>
-                      </a:pPr>
-                      <a:r>
-                        <a:rPr lang="de-DE" dirty="0" smtClean="0"/>
-                        <a:t>Prüfungs</a:t>
-                      </a:r>
-                      <a:r>
-                        <a:rPr lang="de-DE" baseline="0" dirty="0" smtClean="0"/>
-                        <a:t>vorbereitung</a:t>
-                      </a:r>
-                      <a:endParaRPr lang="de-DE" dirty="0" smtClean="0"/>
-                    </a:p>
-                    <a:p>
-                      <a:endParaRPr lang="de-DE" dirty="0"/>
-                    </a:p>
-                  </a:txBody>
-                  <a:tcPr/>
-                </a:tc>
-                <a:extLst>
-                  <a:ext uri="{0D108BD9-81ED-4DB2-BD59-A6C34878D82A}">
-                    <a16:rowId xmlns:a16="http://schemas.microsoft.com/office/drawing/2014/main" val="10003"/>
-                  </a:ext>
-                </a:extLst>
-              </a:tr>
-              <a:tr h="618100">
-                <a:tc>
-                  <a:txBody>
-                    <a:bodyPr/>
-                    <a:lstStyle/>
-                    <a:p>
-                      <a:r>
-                        <a:rPr lang="de-DE" dirty="0" smtClean="0"/>
-                        <a:t>KW 29</a:t>
-                      </a:r>
-                      <a:endParaRPr lang="de-DE" dirty="0"/>
-                    </a:p>
-                  </a:txBody>
-                  <a:tcPr/>
-                </a:tc>
-                <a:tc>
-                  <a:txBody>
-                    <a:bodyPr/>
-                    <a:lstStyle/>
-                    <a:p>
-                      <a:r>
-                        <a:rPr lang="de-DE" dirty="0" smtClean="0"/>
-                        <a:t>Prüfungsphase</a:t>
-                      </a:r>
-                      <a:endParaRPr lang="de-DE" dirty="0"/>
-                    </a:p>
-                  </a:txBody>
-                  <a:tcPr/>
-                </a:tc>
-                <a:tc>
-                  <a:txBody>
-                    <a:bodyPr/>
-                    <a:lstStyle/>
-                    <a:p>
-                      <a:pPr marL="0" marR="0" lvl="0" indent="0" algn="l" defTabSz="914400" rtl="0" eaLnBrk="1" fontAlgn="auto" latinLnBrk="0" hangingPunct="1">
-                        <a:lnSpc>
-                          <a:spcPct val="100000"/>
-                        </a:lnSpc>
-                        <a:spcBef>
-                          <a:spcPts val="0"/>
-                        </a:spcBef>
-                        <a:spcAft>
-                          <a:spcPts val="0"/>
-                        </a:spcAft>
-                        <a:buClrTx/>
-                        <a:buSzTx/>
-                        <a:buFontTx/>
-                        <a:buNone/>
-                        <a:tabLst/>
-                        <a:defRPr/>
-                      </a:pPr>
-                      <a:r>
-                        <a:rPr lang="de-DE" dirty="0" smtClean="0"/>
-                        <a:t>Prüfungsphase</a:t>
-                      </a:r>
-                    </a:p>
-                    <a:p>
-                      <a:endParaRPr lang="de-DE" dirty="0"/>
-                    </a:p>
-                  </a:txBody>
-                  <a:tcPr/>
-                </a:tc>
-                <a:tc>
-                  <a:txBody>
-                    <a:bodyPr/>
-                    <a:lstStyle/>
-                    <a:p>
-                      <a:pPr marL="0" marR="0" lvl="0" indent="0" algn="l" defTabSz="914400" rtl="0" eaLnBrk="1" fontAlgn="auto" latinLnBrk="0" hangingPunct="1">
-                        <a:lnSpc>
-                          <a:spcPct val="100000"/>
-                        </a:lnSpc>
-                        <a:spcBef>
-                          <a:spcPts val="0"/>
-                        </a:spcBef>
-                        <a:spcAft>
-                          <a:spcPts val="0"/>
-                        </a:spcAft>
-                        <a:buClrTx/>
-                        <a:buSzTx/>
-                        <a:buFontTx/>
-                        <a:buNone/>
-                        <a:tabLst/>
-                        <a:defRPr/>
-                      </a:pPr>
-                      <a:r>
-                        <a:rPr lang="de-DE" dirty="0" smtClean="0"/>
-                        <a:t>Prüfungsphase</a:t>
-                      </a:r>
-                    </a:p>
-                    <a:p>
-                      <a:endParaRPr lang="de-DE" dirty="0"/>
-                    </a:p>
-                  </a:txBody>
-                  <a:tcPr/>
-                </a:tc>
-                <a:extLst>
-                  <a:ext uri="{0D108BD9-81ED-4DB2-BD59-A6C34878D82A}">
-                    <a16:rowId xmlns:a16="http://schemas.microsoft.com/office/drawing/2014/main" val="10004"/>
-                  </a:ext>
-                </a:extLst>
-              </a:tr>
-              <a:tr h="618100">
-                <a:tc>
-                  <a:txBody>
-                    <a:bodyPr/>
-                    <a:lstStyle/>
-                    <a:p>
-                      <a:r>
-                        <a:rPr lang="de-DE" dirty="0" smtClean="0"/>
-                        <a:t>KW 30</a:t>
-                      </a:r>
-                      <a:endParaRPr lang="de-DE" dirty="0"/>
-                    </a:p>
-                  </a:txBody>
-                  <a:tcPr/>
-                </a:tc>
-                <a:tc>
-                  <a:txBody>
-                    <a:bodyPr/>
-                    <a:lstStyle/>
-                    <a:p>
-                      <a:pPr marL="0" marR="0" lvl="0" indent="0" algn="l" defTabSz="914400" rtl="0" eaLnBrk="1" fontAlgn="auto" latinLnBrk="0" hangingPunct="1">
-                        <a:lnSpc>
-                          <a:spcPct val="100000"/>
-                        </a:lnSpc>
-                        <a:spcBef>
-                          <a:spcPts val="0"/>
-                        </a:spcBef>
-                        <a:spcAft>
-                          <a:spcPts val="0"/>
-                        </a:spcAft>
-                        <a:buClrTx/>
-                        <a:buSzTx/>
-                        <a:buFontTx/>
-                        <a:buNone/>
-                        <a:tabLst/>
-                        <a:defRPr/>
-                      </a:pPr>
-                      <a:r>
-                        <a:rPr lang="de-DE" dirty="0" smtClean="0"/>
-                        <a:t>Prüfungsphase</a:t>
-                      </a:r>
-                    </a:p>
-                    <a:p>
-                      <a:endParaRPr lang="de-DE" dirty="0"/>
-                    </a:p>
-                  </a:txBody>
-                  <a:tcPr/>
-                </a:tc>
-                <a:tc>
-                  <a:txBody>
-                    <a:bodyPr/>
-                    <a:lstStyle/>
-                    <a:p>
-                      <a:pPr marL="0" marR="0" lvl="0" indent="0" algn="l" defTabSz="914400" rtl="0" eaLnBrk="1" fontAlgn="auto" latinLnBrk="0" hangingPunct="1">
-                        <a:lnSpc>
-                          <a:spcPct val="100000"/>
-                        </a:lnSpc>
-                        <a:spcBef>
-                          <a:spcPts val="0"/>
-                        </a:spcBef>
-                        <a:spcAft>
-                          <a:spcPts val="0"/>
-                        </a:spcAft>
-                        <a:buClrTx/>
-                        <a:buSzTx/>
-                        <a:buFontTx/>
-                        <a:buNone/>
-                        <a:tabLst/>
-                        <a:defRPr/>
-                      </a:pPr>
-                      <a:r>
-                        <a:rPr lang="de-DE" dirty="0" smtClean="0"/>
-                        <a:t>Prüfungsphase</a:t>
-                      </a:r>
-                    </a:p>
-                    <a:p>
-                      <a:endParaRPr lang="de-DE" dirty="0"/>
-                    </a:p>
-                  </a:txBody>
-                  <a:tcPr/>
-                </a:tc>
-                <a:tc>
-                  <a:txBody>
-                    <a:bodyPr/>
-                    <a:lstStyle/>
-                    <a:p>
-                      <a:pPr marL="0" marR="0" lvl="0" indent="0" algn="l" defTabSz="914400" rtl="0" eaLnBrk="1" fontAlgn="auto" latinLnBrk="0" hangingPunct="1">
-                        <a:lnSpc>
-                          <a:spcPct val="100000"/>
-                        </a:lnSpc>
-                        <a:spcBef>
-                          <a:spcPts val="0"/>
-                        </a:spcBef>
-                        <a:spcAft>
-                          <a:spcPts val="0"/>
-                        </a:spcAft>
-                        <a:buClrTx/>
-                        <a:buSzTx/>
-                        <a:buFontTx/>
-                        <a:buNone/>
-                        <a:tabLst/>
-                        <a:defRPr/>
-                      </a:pPr>
-                      <a:r>
-                        <a:rPr lang="de-DE" dirty="0" smtClean="0"/>
-                        <a:t>Prüfungsphase</a:t>
-                      </a:r>
-                    </a:p>
-                    <a:p>
-                      <a:endParaRPr lang="de-DE" dirty="0"/>
-                    </a:p>
-                  </a:txBody>
-                  <a:tcPr/>
-                </a:tc>
-                <a:extLst>
-                  <a:ext uri="{0D108BD9-81ED-4DB2-BD59-A6C34878D82A}">
-                    <a16:rowId xmlns:a16="http://schemas.microsoft.com/office/drawing/2014/main" val="10005"/>
-                  </a:ext>
-                </a:extLst>
-              </a:tr>
-              <a:tr h="618100">
-                <a:tc>
-                  <a:txBody>
-                    <a:bodyPr/>
-                    <a:lstStyle/>
-                    <a:p>
-                      <a:r>
-                        <a:rPr lang="de-DE" dirty="0" smtClean="0"/>
-                        <a:t>KW</a:t>
-                      </a:r>
-                      <a:r>
-                        <a:rPr lang="de-DE" baseline="0" dirty="0" smtClean="0"/>
-                        <a:t> 31</a:t>
-                      </a:r>
-                      <a:endParaRPr lang="de-DE" dirty="0"/>
-                    </a:p>
-                  </a:txBody>
-                  <a:tcPr/>
-                </a:tc>
-                <a:tc>
-                  <a:txBody>
-                    <a:bodyPr/>
-                    <a:lstStyle/>
-                    <a:p>
-                      <a:r>
-                        <a:rPr lang="de-DE" dirty="0" smtClean="0"/>
-                        <a:t>Player/Kamera</a:t>
-                      </a:r>
-                      <a:r>
-                        <a:rPr lang="de-DE" baseline="0" dirty="0" smtClean="0"/>
-                        <a:t> Movement</a:t>
-                      </a:r>
-                      <a:endParaRPr lang="de-DE" dirty="0"/>
-                    </a:p>
-                  </a:txBody>
-                  <a:tcPr/>
-                </a:tc>
-                <a:tc>
-                  <a:txBody>
-                    <a:bodyPr/>
-                    <a:lstStyle/>
-                    <a:p>
-                      <a:r>
-                        <a:rPr lang="de-DE" dirty="0" smtClean="0"/>
-                        <a:t>Prozedurale</a:t>
-                      </a:r>
-                      <a:r>
-                        <a:rPr lang="de-DE" baseline="0" dirty="0" smtClean="0"/>
-                        <a:t> Level Generierung</a:t>
-                      </a:r>
-                      <a:endParaRPr lang="de-DE" dirty="0"/>
-                    </a:p>
-                  </a:txBody>
-                  <a:tcPr/>
-                </a:tc>
-                <a:tc>
-                  <a:txBody>
-                    <a:bodyPr/>
-                    <a:lstStyle/>
-                    <a:p>
-                      <a:r>
-                        <a:rPr lang="de-DE" dirty="0" smtClean="0"/>
-                        <a:t>Urlaub</a:t>
-                      </a:r>
-                      <a:endParaRPr lang="de-DE" dirty="0"/>
-                    </a:p>
-                  </a:txBody>
-                  <a:tcPr/>
-                </a:tc>
-                <a:extLst>
-                  <a:ext uri="{0D108BD9-81ED-4DB2-BD59-A6C34878D82A}">
-                    <a16:rowId xmlns:a16="http://schemas.microsoft.com/office/drawing/2014/main" val="10006"/>
-                  </a:ext>
-                </a:extLst>
-              </a:tr>
-            </a:tbl>
-          </a:graphicData>
-        </a:graphic>
-      </p:graphicFrame>
+          </p:nvPr>
+        </p:nvSpPr>
+        <p:spPr>
+          <a:xfrm>
+            <a:off x="838200" y="1825625"/>
+            <a:ext cx="3864429" cy="4351338"/>
+          </a:xfrm>
+        </p:spPr>
+        <p:txBody>
+          <a:bodyPr/>
+          <a:lstStyle/>
+          <a:p>
+            <a:r>
+              <a:rPr lang="de-DE" dirty="0" smtClean="0"/>
+              <a:t>KI</a:t>
+            </a:r>
+          </a:p>
+          <a:p>
+            <a:r>
+              <a:rPr lang="de-DE" dirty="0" err="1" smtClean="0"/>
+              <a:t>Movenment</a:t>
+            </a:r>
+            <a:r>
+              <a:rPr lang="de-DE" dirty="0" smtClean="0"/>
+              <a:t>/Kamera</a:t>
+            </a:r>
+          </a:p>
+          <a:p>
+            <a:endParaRPr lang="de-DE" dirty="0" smtClean="0"/>
+          </a:p>
+        </p:txBody>
+      </p:sp>
     </p:spTree>
     <p:extLst>
       <p:ext uri="{BB962C8B-B14F-4D97-AF65-F5344CB8AC3E}">
-        <p14:creationId xmlns:p14="http://schemas.microsoft.com/office/powerpoint/2010/main" val="2946731772"/>
+        <p14:creationId xmlns:p14="http://schemas.microsoft.com/office/powerpoint/2010/main" val="2637673204"/>
       </p:ext>
     </p:extLst>
   </p:cSld>
@@ -4153,763 +3406,40 @@
           <a:p>
             <a:r>
               <a:rPr lang="de-DE" dirty="0" smtClean="0"/>
-              <a:t>Zeitplan</a:t>
+              <a:t>KI</a:t>
             </a:r>
             <a:endParaRPr lang="de-DE" dirty="0"/>
           </a:p>
         </p:txBody>
       </p:sp>
-      <p:graphicFrame>
-        <p:nvGraphicFramePr>
-          <p:cNvPr id="6" name="Inhaltsplatzhalter 5"/>
-          <p:cNvGraphicFramePr>
-            <a:graphicFrameLocks noGrp="1"/>
-          </p:cNvGraphicFramePr>
-          <p:nvPr>
-            <p:ph idx="1"/>
-            <p:extLst>
-              <p:ext uri="{D42A27DB-BD31-4B8C-83A1-F6EECF244321}">
-                <p14:modId xmlns:p14="http://schemas.microsoft.com/office/powerpoint/2010/main" val="1885550712"/>
-              </p:ext>
-            </p:extLst>
-          </p:nvPr>
-        </p:nvGraphicFramePr>
-        <p:xfrm>
-          <a:off x="838200" y="1318726"/>
-          <a:ext cx="10515600" cy="5076680"/>
-        </p:xfrm>
-        <a:graphic>
-          <a:graphicData uri="http://schemas.openxmlformats.org/drawingml/2006/table">
-            <a:tbl>
-              <a:tblPr firstRow="1" bandRow="1">
-                <a:tableStyleId>{5C22544A-7EE6-4342-B048-85BDC9FD1C3A}</a:tableStyleId>
-              </a:tblPr>
-              <a:tblGrid>
-                <a:gridCol w="2628900">
-                  <a:extLst>
-                    <a:ext uri="{9D8B030D-6E8A-4147-A177-3AD203B41FA5}">
-                      <a16:colId xmlns:a16="http://schemas.microsoft.com/office/drawing/2014/main" val="20000"/>
-                    </a:ext>
-                  </a:extLst>
-                </a:gridCol>
-                <a:gridCol w="2628900">
-                  <a:extLst>
-                    <a:ext uri="{9D8B030D-6E8A-4147-A177-3AD203B41FA5}">
-                      <a16:colId xmlns:a16="http://schemas.microsoft.com/office/drawing/2014/main" val="20001"/>
-                    </a:ext>
-                  </a:extLst>
-                </a:gridCol>
-                <a:gridCol w="2628900">
-                  <a:extLst>
-                    <a:ext uri="{9D8B030D-6E8A-4147-A177-3AD203B41FA5}">
-                      <a16:colId xmlns:a16="http://schemas.microsoft.com/office/drawing/2014/main" val="20002"/>
-                    </a:ext>
-                  </a:extLst>
-                </a:gridCol>
-                <a:gridCol w="2628900">
-                  <a:extLst>
-                    <a:ext uri="{9D8B030D-6E8A-4147-A177-3AD203B41FA5}">
-                      <a16:colId xmlns:a16="http://schemas.microsoft.com/office/drawing/2014/main" val="20003"/>
-                    </a:ext>
-                  </a:extLst>
-                </a:gridCol>
-              </a:tblGrid>
-              <a:tr h="618100">
-                <a:tc>
-                  <a:txBody>
-                    <a:bodyPr/>
-                    <a:lstStyle/>
-                    <a:p>
-                      <a:r>
-                        <a:rPr lang="de-DE" dirty="0" smtClean="0"/>
-                        <a:t>Woche</a:t>
-                      </a:r>
-                      <a:endParaRPr lang="de-DE" dirty="0"/>
-                    </a:p>
-                  </a:txBody>
-                  <a:tcPr/>
-                </a:tc>
-                <a:tc>
-                  <a:txBody>
-                    <a:bodyPr/>
-                    <a:lstStyle/>
-                    <a:p>
-                      <a:r>
-                        <a:rPr lang="de-DE" dirty="0" smtClean="0"/>
-                        <a:t>Niels</a:t>
-                      </a:r>
-                      <a:endParaRPr lang="de-DE" dirty="0"/>
-                    </a:p>
-                  </a:txBody>
-                  <a:tcPr/>
-                </a:tc>
-                <a:tc>
-                  <a:txBody>
-                    <a:bodyPr/>
-                    <a:lstStyle/>
-                    <a:p>
-                      <a:r>
-                        <a:rPr lang="de-DE" dirty="0" smtClean="0"/>
-                        <a:t>Robert</a:t>
-                      </a:r>
-                      <a:endParaRPr lang="de-DE" dirty="0"/>
-                    </a:p>
-                  </a:txBody>
-                  <a:tcPr/>
-                </a:tc>
-                <a:tc>
-                  <a:txBody>
-                    <a:bodyPr/>
-                    <a:lstStyle/>
-                    <a:p>
-                      <a:r>
-                        <a:rPr lang="de-DE" dirty="0" smtClean="0"/>
-                        <a:t>Daniel</a:t>
-                      </a:r>
-                      <a:endParaRPr lang="de-DE" dirty="0"/>
-                    </a:p>
-                  </a:txBody>
-                  <a:tcPr/>
-                </a:tc>
-                <a:extLst>
-                  <a:ext uri="{0D108BD9-81ED-4DB2-BD59-A6C34878D82A}">
-                    <a16:rowId xmlns:a16="http://schemas.microsoft.com/office/drawing/2014/main" val="10000"/>
-                  </a:ext>
-                </a:extLst>
-              </a:tr>
-              <a:tr h="618100">
-                <a:tc>
-                  <a:txBody>
-                    <a:bodyPr/>
-                    <a:lstStyle/>
-                    <a:p>
-                      <a:r>
-                        <a:rPr lang="de-DE" dirty="0" smtClean="0"/>
-                        <a:t>KW 32</a:t>
-                      </a:r>
-                      <a:endParaRPr lang="de-DE" dirty="0"/>
-                    </a:p>
-                  </a:txBody>
-                  <a:tcPr/>
-                </a:tc>
-                <a:tc>
-                  <a:txBody>
-                    <a:bodyPr/>
-                    <a:lstStyle/>
-                    <a:p>
-                      <a:r>
-                        <a:rPr lang="de-DE" dirty="0" smtClean="0"/>
-                        <a:t>KI</a:t>
-                      </a:r>
-                      <a:endParaRPr lang="de-DE" dirty="0"/>
-                    </a:p>
-                  </a:txBody>
-                  <a:tcPr/>
-                </a:tc>
-                <a:tc>
-                  <a:txBody>
-                    <a:bodyPr/>
-                    <a:lstStyle/>
-                    <a:p>
-                      <a:pPr marL="0" marR="0" lvl="0" indent="0" algn="l" defTabSz="914400" rtl="0" eaLnBrk="1" fontAlgn="auto" latinLnBrk="0" hangingPunct="1">
-                        <a:lnSpc>
-                          <a:spcPct val="100000"/>
-                        </a:lnSpc>
-                        <a:spcBef>
-                          <a:spcPts val="0"/>
-                        </a:spcBef>
-                        <a:spcAft>
-                          <a:spcPts val="0"/>
-                        </a:spcAft>
-                        <a:buClrTx/>
-                        <a:buSzTx/>
-                        <a:buFontTx/>
-                        <a:buNone/>
-                        <a:tabLst/>
-                        <a:defRPr/>
-                      </a:pPr>
-                      <a:r>
-                        <a:rPr lang="de-DE" dirty="0" smtClean="0"/>
-                        <a:t>Prozedurale</a:t>
-                      </a:r>
-                      <a:r>
-                        <a:rPr lang="de-DE" baseline="0" dirty="0" smtClean="0"/>
-                        <a:t> Level Generierung</a:t>
-                      </a:r>
-                      <a:endParaRPr lang="de-DE" dirty="0" smtClean="0"/>
-                    </a:p>
-                  </a:txBody>
-                  <a:tcPr/>
-                </a:tc>
-                <a:tc>
-                  <a:txBody>
-                    <a:bodyPr/>
-                    <a:lstStyle/>
-                    <a:p>
-                      <a:r>
-                        <a:rPr lang="de-DE" baseline="0" dirty="0" smtClean="0"/>
-                        <a:t>KI</a:t>
-                      </a:r>
-                      <a:endParaRPr lang="de-DE" dirty="0"/>
-                    </a:p>
-                  </a:txBody>
-                  <a:tcPr/>
-                </a:tc>
-                <a:extLst>
-                  <a:ext uri="{0D108BD9-81ED-4DB2-BD59-A6C34878D82A}">
-                    <a16:rowId xmlns:a16="http://schemas.microsoft.com/office/drawing/2014/main" val="10001"/>
-                  </a:ext>
-                </a:extLst>
-              </a:tr>
-              <a:tr h="618100">
-                <a:tc>
-                  <a:txBody>
-                    <a:bodyPr/>
-                    <a:lstStyle/>
-                    <a:p>
-                      <a:r>
-                        <a:rPr lang="de-DE" dirty="0" smtClean="0"/>
-                        <a:t>KW 33</a:t>
-                      </a:r>
-                      <a:endParaRPr lang="de-DE" dirty="0"/>
-                    </a:p>
-                  </a:txBody>
-                  <a:tcPr/>
-                </a:tc>
-                <a:tc>
-                  <a:txBody>
-                    <a:bodyPr/>
-                    <a:lstStyle/>
-                    <a:p>
-                      <a:r>
-                        <a:rPr lang="de-DE" dirty="0" smtClean="0"/>
-                        <a:t>Urlaub</a:t>
-                      </a:r>
-                    </a:p>
-                  </a:txBody>
-                  <a:tcPr/>
-                </a:tc>
-                <a:tc>
-                  <a:txBody>
-                    <a:bodyPr/>
-                    <a:lstStyle/>
-                    <a:p>
-                      <a:r>
-                        <a:rPr lang="de-DE" dirty="0" smtClean="0"/>
-                        <a:t>Urlaub</a:t>
-                      </a:r>
-                      <a:endParaRPr lang="de-DE" dirty="0"/>
-                    </a:p>
-                  </a:txBody>
-                  <a:tcPr/>
-                </a:tc>
-                <a:tc>
-                  <a:txBody>
-                    <a:bodyPr/>
-                    <a:lstStyle/>
-                    <a:p>
-                      <a:pPr marL="0" marR="0" lvl="0" indent="0" algn="l" defTabSz="914400" rtl="0" eaLnBrk="1" fontAlgn="auto" latinLnBrk="0" hangingPunct="1">
-                        <a:lnSpc>
-                          <a:spcPct val="100000"/>
-                        </a:lnSpc>
-                        <a:spcBef>
-                          <a:spcPts val="0"/>
-                        </a:spcBef>
-                        <a:spcAft>
-                          <a:spcPts val="0"/>
-                        </a:spcAft>
-                        <a:buClrTx/>
-                        <a:buSzTx/>
-                        <a:buFontTx/>
-                        <a:buNone/>
-                        <a:tabLst/>
-                        <a:defRPr/>
-                      </a:pPr>
-                      <a:r>
-                        <a:rPr lang="de-DE" baseline="0" dirty="0" smtClean="0"/>
-                        <a:t>KI</a:t>
-                      </a:r>
-                      <a:endParaRPr lang="de-DE" dirty="0" smtClean="0"/>
-                    </a:p>
-                    <a:p>
-                      <a:endParaRPr lang="de-DE" dirty="0"/>
-                    </a:p>
-                  </a:txBody>
-                  <a:tcPr/>
-                </a:tc>
-                <a:extLst>
-                  <a:ext uri="{0D108BD9-81ED-4DB2-BD59-A6C34878D82A}">
-                    <a16:rowId xmlns:a16="http://schemas.microsoft.com/office/drawing/2014/main" val="10002"/>
-                  </a:ext>
-                </a:extLst>
-              </a:tr>
-              <a:tr h="618100">
-                <a:tc>
-                  <a:txBody>
-                    <a:bodyPr/>
-                    <a:lstStyle/>
-                    <a:p>
-                      <a:r>
-                        <a:rPr lang="de-DE" dirty="0" smtClean="0"/>
-                        <a:t>KW 34</a:t>
-                      </a:r>
-                      <a:endParaRPr lang="de-DE" dirty="0"/>
-                    </a:p>
-                  </a:txBody>
-                  <a:tcPr/>
-                </a:tc>
-                <a:tc>
-                  <a:txBody>
-                    <a:bodyPr/>
-                    <a:lstStyle/>
-                    <a:p>
-                      <a:r>
-                        <a:rPr lang="de-DE" dirty="0" smtClean="0"/>
-                        <a:t>Tag Nacht Zyklus</a:t>
-                      </a:r>
-                      <a:endParaRPr lang="de-DE" dirty="0"/>
-                    </a:p>
-                  </a:txBody>
-                  <a:tcPr/>
-                </a:tc>
-                <a:tc>
-                  <a:txBody>
-                    <a:bodyPr/>
-                    <a:lstStyle/>
-                    <a:p>
-                      <a:pPr marL="0" marR="0" lvl="0" indent="0" algn="l" defTabSz="914400" rtl="0" eaLnBrk="1" fontAlgn="auto" latinLnBrk="0" hangingPunct="1">
-                        <a:lnSpc>
-                          <a:spcPct val="100000"/>
-                        </a:lnSpc>
-                        <a:spcBef>
-                          <a:spcPts val="0"/>
-                        </a:spcBef>
-                        <a:spcAft>
-                          <a:spcPts val="0"/>
-                        </a:spcAft>
-                        <a:buClrTx/>
-                        <a:buSzTx/>
-                        <a:buFontTx/>
-                        <a:buNone/>
-                        <a:tabLst/>
-                        <a:defRPr/>
-                      </a:pPr>
-                      <a:r>
-                        <a:rPr lang="de-DE" dirty="0" smtClean="0"/>
-                        <a:t>Spieler/Gegner</a:t>
-                      </a:r>
-                      <a:r>
-                        <a:rPr lang="de-DE" baseline="0" dirty="0" smtClean="0"/>
-                        <a:t> Attribute (HP/ATK)</a:t>
-                      </a:r>
-                      <a:endParaRPr lang="de-DE" dirty="0" smtClean="0"/>
-                    </a:p>
-                  </a:txBody>
-                  <a:tcPr/>
-                </a:tc>
-                <a:tc>
-                  <a:txBody>
-                    <a:bodyPr/>
-                    <a:lstStyle/>
-                    <a:p>
-                      <a:r>
-                        <a:rPr lang="de-DE" dirty="0" smtClean="0"/>
-                        <a:t>Hindernisse</a:t>
-                      </a:r>
-                      <a:r>
-                        <a:rPr lang="de-DE" baseline="0" dirty="0" smtClean="0"/>
-                        <a:t> (Fallen, Abgründe, etc.)</a:t>
-                      </a:r>
-                      <a:endParaRPr lang="de-DE" dirty="0"/>
-                    </a:p>
-                  </a:txBody>
-                  <a:tcPr/>
-                </a:tc>
-                <a:extLst>
-                  <a:ext uri="{0D108BD9-81ED-4DB2-BD59-A6C34878D82A}">
-                    <a16:rowId xmlns:a16="http://schemas.microsoft.com/office/drawing/2014/main" val="10003"/>
-                  </a:ext>
-                </a:extLst>
-              </a:tr>
-              <a:tr h="618100">
-                <a:tc>
-                  <a:txBody>
-                    <a:bodyPr/>
-                    <a:lstStyle/>
-                    <a:p>
-                      <a:r>
-                        <a:rPr lang="de-DE" dirty="0" smtClean="0"/>
-                        <a:t>KW 35</a:t>
-                      </a:r>
-                      <a:endParaRPr lang="de-DE" dirty="0"/>
-                    </a:p>
-                  </a:txBody>
-                  <a:tcPr/>
-                </a:tc>
-                <a:tc>
-                  <a:txBody>
-                    <a:bodyPr/>
-                    <a:lstStyle/>
-                    <a:p>
-                      <a:r>
-                        <a:rPr lang="de-DE" dirty="0" err="1" smtClean="0"/>
-                        <a:t>Collision</a:t>
-                      </a:r>
-                      <a:endParaRPr lang="de-DE" dirty="0"/>
-                    </a:p>
-                  </a:txBody>
-                  <a:tcPr/>
-                </a:tc>
-                <a:tc>
-                  <a:txBody>
-                    <a:bodyPr/>
-                    <a:lstStyle/>
-                    <a:p>
-                      <a:r>
-                        <a:rPr lang="de-DE" dirty="0" smtClean="0"/>
-                        <a:t>Item Design</a:t>
-                      </a:r>
-                      <a:endParaRPr lang="de-DE" dirty="0"/>
-                    </a:p>
-                  </a:txBody>
-                  <a:tcPr/>
-                </a:tc>
-                <a:tc>
-                  <a:txBody>
-                    <a:bodyPr/>
-                    <a:lstStyle/>
-                    <a:p>
-                      <a:pPr marL="0" marR="0" indent="0" algn="l" defTabSz="914400" rtl="0" eaLnBrk="1" fontAlgn="auto" latinLnBrk="0" hangingPunct="1">
-                        <a:lnSpc>
-                          <a:spcPct val="100000"/>
-                        </a:lnSpc>
-                        <a:spcBef>
-                          <a:spcPts val="0"/>
-                        </a:spcBef>
-                        <a:spcAft>
-                          <a:spcPts val="0"/>
-                        </a:spcAft>
-                        <a:buClrTx/>
-                        <a:buSzTx/>
-                        <a:buFontTx/>
-                        <a:buNone/>
-                        <a:tabLst/>
-                        <a:defRPr/>
-                      </a:pPr>
-                      <a:r>
-                        <a:rPr lang="de-DE" dirty="0" smtClean="0"/>
-                        <a:t>Hindernisse</a:t>
-                      </a:r>
-                      <a:r>
-                        <a:rPr lang="de-DE" baseline="0" dirty="0" smtClean="0"/>
-                        <a:t> (Fallen, Abgründe, etc.)</a:t>
-                      </a:r>
-                      <a:endParaRPr lang="de-DE" dirty="0" smtClean="0"/>
-                    </a:p>
-                  </a:txBody>
-                  <a:tcPr/>
-                </a:tc>
-                <a:extLst>
-                  <a:ext uri="{0D108BD9-81ED-4DB2-BD59-A6C34878D82A}">
-                    <a16:rowId xmlns:a16="http://schemas.microsoft.com/office/drawing/2014/main" val="10004"/>
-                  </a:ext>
-                </a:extLst>
-              </a:tr>
-              <a:tr h="618100">
-                <a:tc>
-                  <a:txBody>
-                    <a:bodyPr/>
-                    <a:lstStyle/>
-                    <a:p>
-                      <a:r>
-                        <a:rPr lang="de-DE" dirty="0" smtClean="0"/>
-                        <a:t>KW 36</a:t>
-                      </a:r>
-                      <a:endParaRPr lang="de-DE" dirty="0"/>
-                    </a:p>
-                  </a:txBody>
-                  <a:tcPr/>
-                </a:tc>
-                <a:tc>
-                  <a:txBody>
-                    <a:bodyPr/>
-                    <a:lstStyle/>
-                    <a:p>
-                      <a:pPr marL="0" marR="0" lvl="0" indent="0" algn="l" defTabSz="914400" rtl="0" eaLnBrk="1" fontAlgn="auto" latinLnBrk="0" hangingPunct="1">
-                        <a:lnSpc>
-                          <a:spcPct val="100000"/>
-                        </a:lnSpc>
-                        <a:spcBef>
-                          <a:spcPts val="0"/>
-                        </a:spcBef>
-                        <a:spcAft>
-                          <a:spcPts val="0"/>
-                        </a:spcAft>
-                        <a:buClrTx/>
-                        <a:buSzTx/>
-                        <a:buFontTx/>
-                        <a:buNone/>
-                        <a:tabLst/>
-                        <a:defRPr/>
-                      </a:pPr>
-                      <a:r>
-                        <a:rPr lang="de-DE" dirty="0" err="1" smtClean="0"/>
-                        <a:t>Collision</a:t>
-                      </a:r>
-                      <a:endParaRPr lang="de-DE" dirty="0" smtClean="0"/>
-                    </a:p>
-                    <a:p>
-                      <a:endParaRPr lang="de-DE" dirty="0"/>
-                    </a:p>
-                  </a:txBody>
-                  <a:tcPr/>
-                </a:tc>
-                <a:tc>
-                  <a:txBody>
-                    <a:bodyPr/>
-                    <a:lstStyle/>
-                    <a:p>
-                      <a:pPr marL="0" marR="0" lvl="0" indent="0" algn="l" defTabSz="914400" rtl="0" eaLnBrk="1" fontAlgn="auto" latinLnBrk="0" hangingPunct="1">
-                        <a:lnSpc>
-                          <a:spcPct val="100000"/>
-                        </a:lnSpc>
-                        <a:spcBef>
-                          <a:spcPts val="0"/>
-                        </a:spcBef>
-                        <a:spcAft>
-                          <a:spcPts val="0"/>
-                        </a:spcAft>
-                        <a:buClrTx/>
-                        <a:buSzTx/>
-                        <a:buFontTx/>
-                        <a:buNone/>
-                        <a:tabLst/>
-                        <a:defRPr/>
-                      </a:pPr>
-                      <a:r>
-                        <a:rPr lang="de-DE" dirty="0" smtClean="0"/>
-                        <a:t>Item Design</a:t>
-                      </a:r>
-                    </a:p>
-                    <a:p>
-                      <a:endParaRPr lang="de-DE" dirty="0"/>
-                    </a:p>
-                  </a:txBody>
-                  <a:tcPr/>
-                </a:tc>
-                <a:tc>
-                  <a:txBody>
-                    <a:bodyPr/>
-                    <a:lstStyle/>
-                    <a:p>
-                      <a:pPr marL="0" marR="0" lvl="0" indent="0" algn="l" defTabSz="914400" rtl="0" eaLnBrk="1" fontAlgn="auto" latinLnBrk="0" hangingPunct="1">
-                        <a:lnSpc>
-                          <a:spcPct val="100000"/>
-                        </a:lnSpc>
-                        <a:spcBef>
-                          <a:spcPts val="0"/>
-                        </a:spcBef>
-                        <a:spcAft>
-                          <a:spcPts val="0"/>
-                        </a:spcAft>
-                        <a:buClrTx/>
-                        <a:buSzTx/>
-                        <a:buFontTx/>
-                        <a:buNone/>
-                        <a:tabLst/>
-                        <a:defRPr/>
-                      </a:pPr>
-                      <a:r>
-                        <a:rPr lang="de-DE" baseline="0" dirty="0" smtClean="0"/>
-                        <a:t>Item Drops</a:t>
-                      </a:r>
-                      <a:endParaRPr lang="de-DE" dirty="0" smtClean="0"/>
-                    </a:p>
-                    <a:p>
-                      <a:endParaRPr lang="de-DE" dirty="0"/>
-                    </a:p>
-                  </a:txBody>
-                  <a:tcPr/>
-                </a:tc>
-                <a:extLst>
-                  <a:ext uri="{0D108BD9-81ED-4DB2-BD59-A6C34878D82A}">
-                    <a16:rowId xmlns:a16="http://schemas.microsoft.com/office/drawing/2014/main" val="10005"/>
-                  </a:ext>
-                </a:extLst>
-              </a:tr>
-              <a:tr h="618100">
-                <a:tc>
-                  <a:txBody>
-                    <a:bodyPr/>
-                    <a:lstStyle/>
-                    <a:p>
-                      <a:r>
-                        <a:rPr lang="de-DE" dirty="0" smtClean="0"/>
-                        <a:t>KW</a:t>
-                      </a:r>
-                      <a:r>
-                        <a:rPr lang="de-DE" baseline="0" dirty="0" smtClean="0"/>
-                        <a:t> 37</a:t>
-                      </a:r>
-                      <a:endParaRPr lang="de-DE" dirty="0"/>
-                    </a:p>
-                  </a:txBody>
-                  <a:tcPr/>
-                </a:tc>
-                <a:tc>
-                  <a:txBody>
-                    <a:bodyPr/>
-                    <a:lstStyle/>
-                    <a:p>
-                      <a:r>
-                        <a:rPr lang="de-DE" dirty="0" smtClean="0"/>
-                        <a:t>Menü</a:t>
-                      </a:r>
-                      <a:endParaRPr lang="de-DE" dirty="0"/>
-                    </a:p>
-                  </a:txBody>
-                  <a:tcPr/>
-                </a:tc>
-                <a:tc>
-                  <a:txBody>
-                    <a:bodyPr/>
-                    <a:lstStyle/>
-                    <a:p>
-                      <a:r>
-                        <a:rPr lang="de-DE" dirty="0" err="1" smtClean="0"/>
-                        <a:t>Testing</a:t>
-                      </a:r>
-                      <a:r>
-                        <a:rPr lang="de-DE" dirty="0" smtClean="0"/>
-                        <a:t>/Debugging</a:t>
-                      </a:r>
-                      <a:endParaRPr lang="de-DE" dirty="0"/>
-                    </a:p>
-                  </a:txBody>
-                  <a:tcPr/>
-                </a:tc>
-                <a:tc>
-                  <a:txBody>
-                    <a:bodyPr/>
-                    <a:lstStyle/>
-                    <a:p>
-                      <a:pPr marL="0" marR="0" lvl="0" indent="0" algn="l" defTabSz="914400" rtl="0" eaLnBrk="1" fontAlgn="auto" latinLnBrk="0" hangingPunct="1">
-                        <a:lnSpc>
-                          <a:spcPct val="100000"/>
-                        </a:lnSpc>
-                        <a:spcBef>
-                          <a:spcPts val="0"/>
-                        </a:spcBef>
-                        <a:spcAft>
-                          <a:spcPts val="0"/>
-                        </a:spcAft>
-                        <a:buClrTx/>
-                        <a:buSzTx/>
-                        <a:buFontTx/>
-                        <a:buNone/>
-                        <a:tabLst/>
-                        <a:defRPr/>
-                      </a:pPr>
-                      <a:r>
-                        <a:rPr lang="de-DE" baseline="0" dirty="0" smtClean="0"/>
-                        <a:t>Item Drops</a:t>
-                      </a:r>
-                      <a:endParaRPr lang="de-DE" dirty="0" smtClean="0"/>
-                    </a:p>
-                  </a:txBody>
-                  <a:tcPr/>
-                </a:tc>
-                <a:extLst>
-                  <a:ext uri="{0D108BD9-81ED-4DB2-BD59-A6C34878D82A}">
-                    <a16:rowId xmlns:a16="http://schemas.microsoft.com/office/drawing/2014/main" val="10006"/>
-                  </a:ext>
-                </a:extLst>
-              </a:tr>
-              <a:tr h="618100">
-                <a:tc>
-                  <a:txBody>
-                    <a:bodyPr/>
-                    <a:lstStyle/>
-                    <a:p>
-                      <a:r>
-                        <a:rPr lang="de-DE" dirty="0" smtClean="0"/>
-                        <a:t>KW 38</a:t>
-                      </a:r>
-                      <a:endParaRPr lang="de-DE" dirty="0"/>
-                    </a:p>
-                  </a:txBody>
-                  <a:tcPr/>
-                </a:tc>
-                <a:tc>
-                  <a:txBody>
-                    <a:bodyPr/>
-                    <a:lstStyle/>
-                    <a:p>
-                      <a:r>
-                        <a:rPr lang="de-DE" dirty="0" err="1" smtClean="0"/>
-                        <a:t>Testing</a:t>
-                      </a:r>
-                      <a:r>
-                        <a:rPr lang="de-DE" dirty="0" smtClean="0"/>
-                        <a:t>/Debugging</a:t>
-                      </a:r>
-                      <a:endParaRPr lang="de-DE" dirty="0"/>
-                    </a:p>
-                  </a:txBody>
-                  <a:tcPr/>
-                </a:tc>
-                <a:tc>
-                  <a:txBody>
-                    <a:bodyPr/>
-                    <a:lstStyle/>
-                    <a:p>
-                      <a:r>
-                        <a:rPr lang="de-DE" dirty="0" smtClean="0"/>
-                        <a:t>Wind</a:t>
-                      </a:r>
-                      <a:r>
-                        <a:rPr lang="de-DE" dirty="0" smtClean="0"/>
-                        <a:t>/</a:t>
-                      </a:r>
-                      <a:r>
-                        <a:rPr lang="de-DE" baseline="0" dirty="0" smtClean="0"/>
-                        <a:t> Environment</a:t>
-                      </a:r>
-                      <a:endParaRPr lang="de-DE" dirty="0"/>
-                    </a:p>
-                  </a:txBody>
-                  <a:tcPr/>
-                </a:tc>
-                <a:tc>
-                  <a:txBody>
-                    <a:bodyPr/>
-                    <a:lstStyle/>
-                    <a:p>
-                      <a:r>
-                        <a:rPr lang="de-DE" dirty="0" smtClean="0"/>
-                        <a:t>Animation</a:t>
-                      </a:r>
-                    </a:p>
-                    <a:p>
-                      <a:endParaRPr lang="de-DE" dirty="0"/>
-                    </a:p>
-                  </a:txBody>
-                  <a:tcPr/>
-                </a:tc>
-                <a:extLst>
-                  <a:ext uri="{0D108BD9-81ED-4DB2-BD59-A6C34878D82A}">
-                    <a16:rowId xmlns:a16="http://schemas.microsoft.com/office/drawing/2014/main" val="10007"/>
-                  </a:ext>
-                </a:extLst>
-              </a:tr>
-            </a:tbl>
-          </a:graphicData>
-        </a:graphic>
-      </p:graphicFrame>
+      <p:pic>
+        <p:nvPicPr>
+          <p:cNvPr id="3" name="Grafik 2"/>
+          <p:cNvPicPr>
+            <a:picLocks noChangeAspect="1"/>
+          </p:cNvPicPr>
+          <p:nvPr/>
+        </p:nvPicPr>
+        <p:blipFill>
+          <a:blip r:embed="rId2"/>
+          <a:stretch>
+            <a:fillRect/>
+          </a:stretch>
+        </p:blipFill>
+        <p:spPr>
+          <a:xfrm>
+            <a:off x="1827716" y="0"/>
+            <a:ext cx="8205642" cy="6858000"/>
+          </a:xfrm>
+          <a:prstGeom prst="rect">
+            <a:avLst/>
+          </a:prstGeom>
+        </p:spPr>
+      </p:pic>
     </p:spTree>
     <p:extLst>
       <p:ext uri="{BB962C8B-B14F-4D97-AF65-F5344CB8AC3E}">
-        <p14:creationId xmlns:p14="http://schemas.microsoft.com/office/powerpoint/2010/main" val="1041465441"/>
+        <p14:creationId xmlns:p14="http://schemas.microsoft.com/office/powerpoint/2010/main" val="1536122512"/>
       </p:ext>
     </p:extLst>
   </p:cSld>
@@ -4960,64 +3490,46 @@
           <a:p>
             <a:r>
               <a:rPr lang="de-DE" dirty="0" smtClean="0"/>
-              <a:t>Meilensteine</a:t>
+              <a:t>Movement </a:t>
             </a:r>
             <a:endParaRPr lang="de-DE" dirty="0"/>
           </a:p>
         </p:txBody>
       </p:sp>
-      <p:sp>
-        <p:nvSpPr>
-          <p:cNvPr id="3" name="Inhaltsplatzhalter 2"/>
-          <p:cNvSpPr>
-            <a:spLocks noGrp="1"/>
-          </p:cNvSpPr>
-          <p:nvPr>
-            <p:ph idx="1"/>
-          </p:nvPr>
-        </p:nvSpPr>
-        <p:spPr/>
-        <p:txBody>
-          <a:bodyPr/>
-          <a:lstStyle/>
-          <a:p>
-            <a:r>
-              <a:rPr lang="de-DE" dirty="0" smtClean="0"/>
-              <a:t>Welt Generierung</a:t>
-            </a:r>
-          </a:p>
-          <a:p>
-            <a:r>
-              <a:rPr lang="de-DE" dirty="0" smtClean="0"/>
-              <a:t>KI/</a:t>
-            </a:r>
-            <a:r>
-              <a:rPr lang="de-DE" dirty="0" err="1" smtClean="0"/>
-              <a:t>Collision</a:t>
-            </a:r>
-            <a:endParaRPr lang="de-DE" dirty="0" smtClean="0"/>
-          </a:p>
-          <a:p>
-            <a:r>
-              <a:rPr lang="de-DE" dirty="0" smtClean="0"/>
-              <a:t>Item Drops</a:t>
-            </a:r>
-          </a:p>
-          <a:p>
-            <a:endParaRPr lang="de-DE" dirty="0" smtClean="0"/>
-          </a:p>
-          <a:p>
-            <a:endParaRPr lang="de-DE" dirty="0" smtClean="0"/>
-          </a:p>
-          <a:p>
-            <a:endParaRPr lang="de-DE" dirty="0"/>
-          </a:p>
-        </p:txBody>
-      </p:sp>
+      <p:pic>
+        <p:nvPicPr>
+          <p:cNvPr id="4" name="Grafik 3"/>
+          <p:cNvPicPr>
+            <a:picLocks noChangeAspect="1"/>
+          </p:cNvPicPr>
+          <p:nvPr/>
+        </p:nvPicPr>
+        <p:blipFill>
+          <a:blip r:embed="rId2">
+            <a:extLst>
+              <a:ext uri="{28A0092B-C50C-407E-A947-70E740481C1C}">
+                <a14:useLocalDpi xmlns:a14="http://schemas.microsoft.com/office/drawing/2010/main" val="0"/>
+              </a:ext>
+            </a:extLst>
+          </a:blip>
+          <a:stretch>
+            <a:fillRect/>
+          </a:stretch>
+        </p:blipFill>
+        <p:spPr>
+          <a:xfrm>
+            <a:off x="4035357" y="0"/>
+            <a:ext cx="6002334" cy="6858000"/>
+          </a:xfrm>
+          <a:prstGeom prst="rect">
+            <a:avLst/>
+          </a:prstGeom>
+        </p:spPr>
+      </p:pic>
     </p:spTree>
     <p:extLst>
       <p:ext uri="{BB962C8B-B14F-4D97-AF65-F5344CB8AC3E}">
-        <p14:creationId xmlns:p14="http://schemas.microsoft.com/office/powerpoint/2010/main" val="3794874531"/>
+        <p14:creationId xmlns:p14="http://schemas.microsoft.com/office/powerpoint/2010/main" val="4194890001"/>
       </p:ext>
     </p:extLst>
   </p:cSld>
@@ -5068,7 +3580,7 @@
           <a:p>
             <a:r>
               <a:rPr lang="de-DE" dirty="0" smtClean="0"/>
-              <a:t>Größtes Risiko</a:t>
+              <a:t>Verantwortungsbereich Robert</a:t>
             </a:r>
             <a:endParaRPr lang="de-DE" dirty="0"/>
           </a:p>
@@ -5091,24 +3603,55 @@
           <a:p>
             <a:r>
               <a:rPr lang="de-DE" dirty="0" smtClean="0"/>
-              <a:t>Überschätzung des Aufwands</a:t>
-            </a:r>
+              <a:t>Level </a:t>
+            </a:r>
+            <a:r>
+              <a:rPr lang="de-DE" dirty="0" err="1" smtClean="0"/>
+              <a:t>generierung</a:t>
+            </a:r>
+            <a:endParaRPr lang="de-DE" dirty="0" smtClean="0"/>
           </a:p>
           <a:p>
             <a:r>
               <a:rPr lang="de-DE" dirty="0" smtClean="0"/>
-              <a:t>Zu viel Wert auf Design gelegt</a:t>
-            </a:r>
-          </a:p>
-          <a:p>
-            <a:endParaRPr lang="de-DE" dirty="0"/>
+              <a:t>Attribute Spieler/Gegner</a:t>
+            </a:r>
+          </a:p>
+          <a:p>
+            <a:r>
+              <a:rPr lang="de-DE" dirty="0" smtClean="0"/>
+              <a:t>UI</a:t>
+            </a:r>
+          </a:p>
+          <a:p>
+            <a:r>
+              <a:rPr lang="de-DE" dirty="0" smtClean="0"/>
+              <a:t>Spieler / Gegner </a:t>
+            </a:r>
+            <a:r>
+              <a:rPr lang="de-DE" dirty="0" err="1" smtClean="0"/>
+              <a:t>interaktion</a:t>
+            </a:r>
+            <a:endParaRPr lang="de-DE" dirty="0" smtClean="0"/>
+          </a:p>
+          <a:p>
+            <a:pPr marL="0" indent="0">
+              <a:buNone/>
+            </a:pPr>
+            <a:endParaRPr lang="de-DE" dirty="0" smtClean="0"/>
+          </a:p>
+          <a:p>
+            <a:pPr marL="0" indent="0">
+              <a:buNone/>
+            </a:pPr>
+            <a:endParaRPr lang="de-DE" dirty="0" smtClean="0"/>
           </a:p>
         </p:txBody>
       </p:sp>
     </p:spTree>
     <p:extLst>
       <p:ext uri="{BB962C8B-B14F-4D97-AF65-F5344CB8AC3E}">
-        <p14:creationId xmlns:p14="http://schemas.microsoft.com/office/powerpoint/2010/main" val="978427322"/>
+        <p14:creationId xmlns:p14="http://schemas.microsoft.com/office/powerpoint/2010/main" val="4266374917"/>
       </p:ext>
     </p:extLst>
   </p:cSld>
@@ -5119,6 +3662,331 @@
     <p:tnLst>
       <p:par>
         <p:cTn id="1" dur="indefinite" restart="never" nodeType="tmRoot"/>
+      </p:par>
+    </p:tnLst>
+  </p:timing>
+</p:sld>
+</file>
+
+<file path=ppt/slides/slide8.xml><?xml version="1.0" encoding="utf-8"?>
+<p:sld xmlns:a="http://schemas.openxmlformats.org/drawingml/2006/main" xmlns:r="http://schemas.openxmlformats.org/officeDocument/2006/relationships" xmlns:p="http://schemas.openxmlformats.org/presentationml/2006/main">
+  <p:cSld>
+    <p:spTree>
+      <p:nvGrpSpPr>
+        <p:cNvPr id="1" name=""/>
+        <p:cNvGrpSpPr/>
+        <p:nvPr/>
+      </p:nvGrpSpPr>
+      <p:grpSpPr>
+        <a:xfrm>
+          <a:off x="0" y="0"/>
+          <a:ext cx="0" cy="0"/>
+          <a:chOff x="0" y="0"/>
+          <a:chExt cx="0" cy="0"/>
+        </a:xfrm>
+      </p:grpSpPr>
+      <p:sp>
+        <p:nvSpPr>
+          <p:cNvPr id="2" name="Titel 1"/>
+          <p:cNvSpPr>
+            <a:spLocks noGrp="1"/>
+          </p:cNvSpPr>
+          <p:nvPr>
+            <p:ph type="title"/>
+          </p:nvPr>
+        </p:nvSpPr>
+        <p:spPr/>
+        <p:txBody>
+          <a:bodyPr/>
+          <a:lstStyle/>
+          <a:p>
+            <a:r>
+              <a:rPr lang="de-DE" dirty="0" smtClean="0"/>
+              <a:t>Verantwortungsbereich Daniel</a:t>
+            </a:r>
+            <a:endParaRPr lang="de-DE" dirty="0"/>
+          </a:p>
+        </p:txBody>
+      </p:sp>
+      <p:sp>
+        <p:nvSpPr>
+          <p:cNvPr id="3" name="Inhaltsplatzhalter 2"/>
+          <p:cNvSpPr>
+            <a:spLocks noGrp="1"/>
+          </p:cNvSpPr>
+          <p:nvPr>
+            <p:ph idx="1"/>
+          </p:nvPr>
+        </p:nvSpPr>
+        <p:spPr>
+          <a:xfrm>
+            <a:off x="838200" y="1825625"/>
+            <a:ext cx="3707674" cy="4351338"/>
+          </a:xfrm>
+        </p:spPr>
+        <p:txBody>
+          <a:bodyPr/>
+          <a:lstStyle/>
+          <a:p>
+            <a:r>
+              <a:rPr lang="de-DE" dirty="0" smtClean="0"/>
+              <a:t>Menu</a:t>
+            </a:r>
+          </a:p>
+          <a:p>
+            <a:r>
+              <a:rPr lang="de-DE" dirty="0" smtClean="0"/>
+              <a:t>Item Drop</a:t>
+            </a:r>
+          </a:p>
+          <a:p>
+            <a:r>
+              <a:rPr lang="de-DE" dirty="0" smtClean="0"/>
+              <a:t>Item Design</a:t>
+            </a:r>
+          </a:p>
+          <a:p>
+            <a:endParaRPr lang="de-DE" dirty="0" smtClean="0"/>
+          </a:p>
+          <a:p>
+            <a:endParaRPr lang="de-DE" dirty="0" smtClean="0"/>
+          </a:p>
+          <a:p>
+            <a:endParaRPr lang="de-DE" dirty="0" smtClean="0"/>
+          </a:p>
+        </p:txBody>
+      </p:sp>
+    </p:spTree>
+    <p:extLst>
+      <p:ext uri="{BB962C8B-B14F-4D97-AF65-F5344CB8AC3E}">
+        <p14:creationId xmlns:p14="http://schemas.microsoft.com/office/powerpoint/2010/main" val="1724282653"/>
+      </p:ext>
+    </p:extLst>
+  </p:cSld>
+  <p:clrMapOvr>
+    <a:masterClrMapping/>
+  </p:clrMapOvr>
+  <p:timing>
+    <p:tnLst>
+      <p:par>
+        <p:cTn id="1" dur="indefinite" restart="never" nodeType="tmRoot"/>
+      </p:par>
+    </p:tnLst>
+  </p:timing>
+</p:sld>
+</file>
+
+<file path=ppt/slides/slide9.xml><?xml version="1.0" encoding="utf-8"?>
+<p:sld xmlns:a="http://schemas.openxmlformats.org/drawingml/2006/main" xmlns:r="http://schemas.openxmlformats.org/officeDocument/2006/relationships" xmlns:p="http://schemas.openxmlformats.org/presentationml/2006/main">
+  <p:cSld>
+    <p:spTree>
+      <p:nvGrpSpPr>
+        <p:cNvPr id="1" name=""/>
+        <p:cNvGrpSpPr/>
+        <p:nvPr/>
+      </p:nvGrpSpPr>
+      <p:grpSpPr>
+        <a:xfrm>
+          <a:off x="0" y="0"/>
+          <a:ext cx="0" cy="0"/>
+          <a:chOff x="0" y="0"/>
+          <a:chExt cx="0" cy="0"/>
+        </a:xfrm>
+      </p:grpSpPr>
+      <p:sp>
+        <p:nvSpPr>
+          <p:cNvPr id="2" name="Titel 1"/>
+          <p:cNvSpPr>
+            <a:spLocks noGrp="1"/>
+          </p:cNvSpPr>
+          <p:nvPr>
+            <p:ph type="title"/>
+          </p:nvPr>
+        </p:nvSpPr>
+        <p:spPr/>
+        <p:txBody>
+          <a:bodyPr/>
+          <a:lstStyle/>
+          <a:p>
+            <a:r>
+              <a:rPr lang="de-DE" dirty="0" smtClean="0"/>
+              <a:t>Meilensteine</a:t>
+            </a:r>
+            <a:endParaRPr lang="de-DE" dirty="0"/>
+          </a:p>
+        </p:txBody>
+      </p:sp>
+      <p:sp>
+        <p:nvSpPr>
+          <p:cNvPr id="3" name="Inhaltsplatzhalter 2"/>
+          <p:cNvSpPr>
+            <a:spLocks noGrp="1"/>
+          </p:cNvSpPr>
+          <p:nvPr>
+            <p:ph idx="1"/>
+          </p:nvPr>
+        </p:nvSpPr>
+        <p:spPr/>
+        <p:txBody>
+          <a:bodyPr/>
+          <a:lstStyle/>
+          <a:p>
+            <a:r>
+              <a:rPr lang="de-DE" dirty="0" smtClean="0"/>
+              <a:t>Welt Generierung</a:t>
+            </a:r>
+          </a:p>
+          <a:p>
+            <a:r>
+              <a:rPr lang="de-DE" dirty="0" smtClean="0"/>
+              <a:t>KI/</a:t>
+            </a:r>
+            <a:r>
+              <a:rPr lang="de-DE" dirty="0" err="1" smtClean="0"/>
+              <a:t>Collision</a:t>
+            </a:r>
+            <a:endParaRPr lang="de-DE" dirty="0" smtClean="0"/>
+          </a:p>
+          <a:p>
+            <a:r>
+              <a:rPr lang="de-DE" dirty="0" smtClean="0"/>
+              <a:t>Item Drops</a:t>
+            </a:r>
+          </a:p>
+          <a:p>
+            <a:endParaRPr lang="de-DE" dirty="0" smtClean="0"/>
+          </a:p>
+          <a:p>
+            <a:endParaRPr lang="de-DE" dirty="0" smtClean="0"/>
+          </a:p>
+          <a:p>
+            <a:endParaRPr lang="de-DE" dirty="0"/>
+          </a:p>
+        </p:txBody>
+      </p:sp>
+      <p:pic>
+        <p:nvPicPr>
+          <p:cNvPr id="1026" name="Picture 2" descr="Bildergebnis fÃ¼r haken symbol"/>
+          <p:cNvPicPr>
+            <a:picLocks noChangeAspect="1" noChangeArrowheads="1"/>
+          </p:cNvPicPr>
+          <p:nvPr/>
+        </p:nvPicPr>
+        <p:blipFill>
+          <a:blip r:embed="rId2" cstate="print">
+            <a:extLst>
+              <a:ext uri="{28A0092B-C50C-407E-A947-70E740481C1C}">
+                <a14:useLocalDpi xmlns:a14="http://schemas.microsoft.com/office/drawing/2010/main" val="0"/>
+              </a:ext>
+            </a:extLst>
+          </a:blip>
+          <a:srcRect/>
+          <a:stretch>
+            <a:fillRect/>
+          </a:stretch>
+        </p:blipFill>
+        <p:spPr bwMode="auto">
+          <a:xfrm>
+            <a:off x="4650377" y="1027906"/>
+            <a:ext cx="3193506" cy="2453922"/>
+          </a:xfrm>
+          <a:prstGeom prst="rect">
+            <a:avLst/>
+          </a:prstGeom>
+          <a:noFill/>
+          <a:extLst>
+            <a:ext uri="{909E8E84-426E-40DD-AFC4-6F175D3DCCD1}">
+              <a14:hiddenFill xmlns:a14="http://schemas.microsoft.com/office/drawing/2010/main">
+                <a:solidFill>
+                  <a:srgbClr val="FFFFFF"/>
+                </a:solidFill>
+              </a14:hiddenFill>
+            </a:ext>
+          </a:extLst>
+        </p:spPr>
+      </p:pic>
+    </p:spTree>
+    <p:extLst>
+      <p:ext uri="{BB962C8B-B14F-4D97-AF65-F5344CB8AC3E}">
+        <p14:creationId xmlns:p14="http://schemas.microsoft.com/office/powerpoint/2010/main" val="3794874531"/>
+      </p:ext>
+    </p:extLst>
+  </p:cSld>
+  <p:clrMapOvr>
+    <a:masterClrMapping/>
+  </p:clrMapOvr>
+  <p:timing>
+    <p:tnLst>
+      <p:par>
+        <p:cTn id="1" dur="indefinite" restart="never" nodeType="tmRoot">
+          <p:childTnLst>
+            <p:seq concurrent="1" nextAc="seek">
+              <p:cTn id="2" dur="indefinite" nodeType="mainSeq">
+                <p:childTnLst>
+                  <p:par>
+                    <p:cTn id="3" fill="hold">
+                      <p:stCondLst>
+                        <p:cond delay="indefinite"/>
+                      </p:stCondLst>
+                      <p:childTnLst>
+                        <p:par>
+                          <p:cTn id="4" fill="hold">
+                            <p:stCondLst>
+                              <p:cond delay="0"/>
+                            </p:stCondLst>
+                            <p:childTnLst>
+                              <p:par>
+                                <p:cTn id="5" presetID="1" presetClass="entr" presetSubtype="0" fill="hold" nodeType="clickEffect">
+                                  <p:stCondLst>
+                                    <p:cond delay="0"/>
+                                  </p:stCondLst>
+                                  <p:childTnLst>
+                                    <p:set>
+                                      <p:cBhvr>
+                                        <p:cTn id="6" dur="1" fill="hold">
+                                          <p:stCondLst>
+                                            <p:cond delay="0"/>
+                                          </p:stCondLst>
+                                        </p:cTn>
+                                        <p:tgtEl>
+                                          <p:spTgt spid="1026"/>
+                                        </p:tgtEl>
+                                        <p:attrNameLst>
+                                          <p:attrName>style.visibility</p:attrName>
+                                        </p:attrNameLst>
+                                      </p:cBhvr>
+                                      <p:to>
+                                        <p:strVal val="visible"/>
+                                      </p:to>
+                                    </p:set>
+                                  </p:childTnLst>
+                                </p:cTn>
+                              </p:par>
+                            </p:childTnLst>
+                          </p:cTn>
+                        </p:par>
+                      </p:childTnLst>
+                    </p:cTn>
+                  </p:par>
+                </p:childTnLst>
+              </p:cTn>
+              <p:prevCondLst>
+                <p:cond evt="onPrev" delay="0">
+                  <p:tgtEl>
+                    <p:sldTgt/>
+                  </p:tgtEl>
+                </p:cond>
+              </p:prevCondLst>
+              <p:nextCondLst>
+                <p:cond evt="onNext" delay="0">
+                  <p:tgtEl>
+                    <p:sldTgt/>
+                  </p:tgtEl>
+                </p:cond>
+              </p:nextCondLst>
+            </p:seq>
+          </p:childTnLst>
+        </p:cTn>
       </p:par>
     </p:tnLst>
   </p:timing>

--- a/12-Skymensions-JanzenQuanzJonetzko.pptx
+++ b/12-Skymensions-JanzenQuanzJonetzko.pptx
@@ -12,8 +12,10 @@
     <p:sldId id="267" r:id="rId6"/>
     <p:sldId id="268" r:id="rId7"/>
     <p:sldId id="265" r:id="rId8"/>
-    <p:sldId id="266" r:id="rId9"/>
-    <p:sldId id="261" r:id="rId10"/>
+    <p:sldId id="269" r:id="rId9"/>
+    <p:sldId id="270" r:id="rId10"/>
+    <p:sldId id="266" r:id="rId11"/>
+    <p:sldId id="261" r:id="rId12"/>
   </p:sldIdLst>
   <p:sldSz cx="12192000" cy="6858000"/>
   <p:notesSz cx="6858000" cy="9144000"/>
@@ -162,10 +164,9 @@
           </a:lstStyle>
           <a:p>
             <a:r>
-              <a:rPr lang="de-DE" smtClean="0"/>
+              <a:rPr lang="de-DE"/>
               <a:t>Titelmasterformat durch Klicken bearbeiten</a:t>
             </a:r>
-            <a:endParaRPr lang="de-DE"/>
           </a:p>
         </p:txBody>
       </p:sp>
@@ -227,10 +228,9 @@
           </a:lstStyle>
           <a:p>
             <a:r>
-              <a:rPr lang="de-DE" smtClean="0"/>
+              <a:rPr lang="de-DE"/>
               <a:t>Formatvorlage des Untertitelmasters durch Klicken bearbeiten</a:t>
             </a:r>
-            <a:endParaRPr lang="de-DE"/>
           </a:p>
         </p:txBody>
       </p:sp>
@@ -345,10 +345,9 @@
           <a:lstStyle/>
           <a:p>
             <a:r>
-              <a:rPr lang="de-DE" smtClean="0"/>
+              <a:rPr lang="de-DE"/>
               <a:t>Titelmasterformat durch Klicken bearbeiten</a:t>
             </a:r>
-            <a:endParaRPr lang="de-DE"/>
           </a:p>
         </p:txBody>
       </p:sp>
@@ -369,38 +368,37 @@
           <a:p>
             <a:pPr lvl="0"/>
             <a:r>
-              <a:rPr lang="de-DE" smtClean="0"/>
+              <a:rPr lang="de-DE"/>
               <a:t>Textmasterformat bearbeiten</a:t>
             </a:r>
           </a:p>
           <a:p>
             <a:pPr lvl="1"/>
             <a:r>
-              <a:rPr lang="de-DE" smtClean="0"/>
+              <a:rPr lang="de-DE"/>
               <a:t>Zweite Ebene</a:t>
             </a:r>
           </a:p>
           <a:p>
             <a:pPr lvl="2"/>
             <a:r>
-              <a:rPr lang="de-DE" smtClean="0"/>
+              <a:rPr lang="de-DE"/>
               <a:t>Dritte Ebene</a:t>
             </a:r>
           </a:p>
           <a:p>
             <a:pPr lvl="3"/>
             <a:r>
-              <a:rPr lang="de-DE" smtClean="0"/>
+              <a:rPr lang="de-DE"/>
               <a:t>Vierte Ebene</a:t>
             </a:r>
           </a:p>
           <a:p>
             <a:pPr lvl="4"/>
             <a:r>
-              <a:rPr lang="de-DE" smtClean="0"/>
+              <a:rPr lang="de-DE"/>
               <a:t>Fünfte Ebene</a:t>
             </a:r>
-            <a:endParaRPr lang="de-DE"/>
           </a:p>
         </p:txBody>
       </p:sp>
@@ -520,10 +518,9 @@
           <a:lstStyle/>
           <a:p>
             <a:r>
-              <a:rPr lang="de-DE" smtClean="0"/>
+              <a:rPr lang="de-DE"/>
               <a:t>Titelmasterformat durch Klicken bearbeiten</a:t>
             </a:r>
-            <a:endParaRPr lang="de-DE"/>
           </a:p>
         </p:txBody>
       </p:sp>
@@ -549,38 +546,37 @@
           <a:p>
             <a:pPr lvl="0"/>
             <a:r>
-              <a:rPr lang="de-DE" smtClean="0"/>
+              <a:rPr lang="de-DE"/>
               <a:t>Textmasterformat bearbeiten</a:t>
             </a:r>
           </a:p>
           <a:p>
             <a:pPr lvl="1"/>
             <a:r>
-              <a:rPr lang="de-DE" smtClean="0"/>
+              <a:rPr lang="de-DE"/>
               <a:t>Zweite Ebene</a:t>
             </a:r>
           </a:p>
           <a:p>
             <a:pPr lvl="2"/>
             <a:r>
-              <a:rPr lang="de-DE" smtClean="0"/>
+              <a:rPr lang="de-DE"/>
               <a:t>Dritte Ebene</a:t>
             </a:r>
           </a:p>
           <a:p>
             <a:pPr lvl="3"/>
             <a:r>
-              <a:rPr lang="de-DE" smtClean="0"/>
+              <a:rPr lang="de-DE"/>
               <a:t>Vierte Ebene</a:t>
             </a:r>
           </a:p>
           <a:p>
             <a:pPr lvl="4"/>
             <a:r>
-              <a:rPr lang="de-DE" smtClean="0"/>
+              <a:rPr lang="de-DE"/>
               <a:t>Fünfte Ebene</a:t>
             </a:r>
-            <a:endParaRPr lang="de-DE"/>
           </a:p>
         </p:txBody>
       </p:sp>
@@ -695,10 +691,9 @@
           <a:lstStyle/>
           <a:p>
             <a:r>
-              <a:rPr lang="de-DE" smtClean="0"/>
+              <a:rPr lang="de-DE"/>
               <a:t>Titelmasterformat durch Klicken bearbeiten</a:t>
             </a:r>
-            <a:endParaRPr lang="de-DE"/>
           </a:p>
         </p:txBody>
       </p:sp>
@@ -719,38 +714,37 @@
           <a:p>
             <a:pPr lvl="0"/>
             <a:r>
-              <a:rPr lang="de-DE" smtClean="0"/>
+              <a:rPr lang="de-DE"/>
               <a:t>Textmasterformat bearbeiten</a:t>
             </a:r>
           </a:p>
           <a:p>
             <a:pPr lvl="1"/>
             <a:r>
-              <a:rPr lang="de-DE" smtClean="0"/>
+              <a:rPr lang="de-DE"/>
               <a:t>Zweite Ebene</a:t>
             </a:r>
           </a:p>
           <a:p>
             <a:pPr lvl="2"/>
             <a:r>
-              <a:rPr lang="de-DE" smtClean="0"/>
+              <a:rPr lang="de-DE"/>
               <a:t>Dritte Ebene</a:t>
             </a:r>
           </a:p>
           <a:p>
             <a:pPr lvl="3"/>
             <a:r>
-              <a:rPr lang="de-DE" smtClean="0"/>
+              <a:rPr lang="de-DE"/>
               <a:t>Vierte Ebene</a:t>
             </a:r>
           </a:p>
           <a:p>
             <a:pPr lvl="4"/>
             <a:r>
-              <a:rPr lang="de-DE" smtClean="0"/>
+              <a:rPr lang="de-DE"/>
               <a:t>Fünfte Ebene</a:t>
             </a:r>
-            <a:endParaRPr lang="de-DE"/>
           </a:p>
         </p:txBody>
       </p:sp>
@@ -874,10 +868,9 @@
           </a:lstStyle>
           <a:p>
             <a:r>
-              <a:rPr lang="de-DE" smtClean="0"/>
+              <a:rPr lang="de-DE"/>
               <a:t>Titelmasterformat durch Klicken bearbeiten</a:t>
             </a:r>
-            <a:endParaRPr lang="de-DE"/>
           </a:p>
         </p:txBody>
       </p:sp>
@@ -994,7 +987,7 @@
           <a:p>
             <a:pPr lvl="0"/>
             <a:r>
-              <a:rPr lang="de-DE" smtClean="0"/>
+              <a:rPr lang="de-DE"/>
               <a:t>Textmasterformat bearbeiten</a:t>
             </a:r>
           </a:p>
@@ -1111,10 +1104,9 @@
           <a:lstStyle/>
           <a:p>
             <a:r>
-              <a:rPr lang="de-DE" smtClean="0"/>
+              <a:rPr lang="de-DE"/>
               <a:t>Titelmasterformat durch Klicken bearbeiten</a:t>
             </a:r>
-            <a:endParaRPr lang="de-DE"/>
           </a:p>
         </p:txBody>
       </p:sp>
@@ -1140,38 +1132,37 @@
           <a:p>
             <a:pPr lvl="0"/>
             <a:r>
-              <a:rPr lang="de-DE" smtClean="0"/>
+              <a:rPr lang="de-DE"/>
               <a:t>Textmasterformat bearbeiten</a:t>
             </a:r>
           </a:p>
           <a:p>
             <a:pPr lvl="1"/>
             <a:r>
-              <a:rPr lang="de-DE" smtClean="0"/>
+              <a:rPr lang="de-DE"/>
               <a:t>Zweite Ebene</a:t>
             </a:r>
           </a:p>
           <a:p>
             <a:pPr lvl="2"/>
             <a:r>
-              <a:rPr lang="de-DE" smtClean="0"/>
+              <a:rPr lang="de-DE"/>
               <a:t>Dritte Ebene</a:t>
             </a:r>
           </a:p>
           <a:p>
             <a:pPr lvl="3"/>
             <a:r>
-              <a:rPr lang="de-DE" smtClean="0"/>
+              <a:rPr lang="de-DE"/>
               <a:t>Vierte Ebene</a:t>
             </a:r>
           </a:p>
           <a:p>
             <a:pPr lvl="4"/>
             <a:r>
-              <a:rPr lang="de-DE" smtClean="0"/>
+              <a:rPr lang="de-DE"/>
               <a:t>Fünfte Ebene</a:t>
             </a:r>
-            <a:endParaRPr lang="de-DE"/>
           </a:p>
         </p:txBody>
       </p:sp>
@@ -1197,38 +1188,37 @@
           <a:p>
             <a:pPr lvl="0"/>
             <a:r>
-              <a:rPr lang="de-DE" smtClean="0"/>
+              <a:rPr lang="de-DE"/>
               <a:t>Textmasterformat bearbeiten</a:t>
             </a:r>
           </a:p>
           <a:p>
             <a:pPr lvl="1"/>
             <a:r>
-              <a:rPr lang="de-DE" smtClean="0"/>
+              <a:rPr lang="de-DE"/>
               <a:t>Zweite Ebene</a:t>
             </a:r>
           </a:p>
           <a:p>
             <a:pPr lvl="2"/>
             <a:r>
-              <a:rPr lang="de-DE" smtClean="0"/>
+              <a:rPr lang="de-DE"/>
               <a:t>Dritte Ebene</a:t>
             </a:r>
           </a:p>
           <a:p>
             <a:pPr lvl="3"/>
             <a:r>
-              <a:rPr lang="de-DE" smtClean="0"/>
+              <a:rPr lang="de-DE"/>
               <a:t>Vierte Ebene</a:t>
             </a:r>
           </a:p>
           <a:p>
             <a:pPr lvl="4"/>
             <a:r>
-              <a:rPr lang="de-DE" smtClean="0"/>
+              <a:rPr lang="de-DE"/>
               <a:t>Fünfte Ebene</a:t>
             </a:r>
-            <a:endParaRPr lang="de-DE"/>
           </a:p>
         </p:txBody>
       </p:sp>
@@ -1348,10 +1338,9 @@
           <a:lstStyle/>
           <a:p>
             <a:r>
-              <a:rPr lang="de-DE" smtClean="0"/>
+              <a:rPr lang="de-DE"/>
               <a:t>Titelmasterformat durch Klicken bearbeiten</a:t>
             </a:r>
-            <a:endParaRPr lang="de-DE"/>
           </a:p>
         </p:txBody>
       </p:sp>
@@ -1414,7 +1403,7 @@
           <a:p>
             <a:pPr lvl="0"/>
             <a:r>
-              <a:rPr lang="de-DE" smtClean="0"/>
+              <a:rPr lang="de-DE"/>
               <a:t>Textmasterformat bearbeiten</a:t>
             </a:r>
           </a:p>
@@ -1442,38 +1431,37 @@
           <a:p>
             <a:pPr lvl="0"/>
             <a:r>
-              <a:rPr lang="de-DE" smtClean="0"/>
+              <a:rPr lang="de-DE"/>
               <a:t>Textmasterformat bearbeiten</a:t>
             </a:r>
           </a:p>
           <a:p>
             <a:pPr lvl="1"/>
             <a:r>
-              <a:rPr lang="de-DE" smtClean="0"/>
+              <a:rPr lang="de-DE"/>
               <a:t>Zweite Ebene</a:t>
             </a:r>
           </a:p>
           <a:p>
             <a:pPr lvl="2"/>
             <a:r>
-              <a:rPr lang="de-DE" smtClean="0"/>
+              <a:rPr lang="de-DE"/>
               <a:t>Dritte Ebene</a:t>
             </a:r>
           </a:p>
           <a:p>
             <a:pPr lvl="3"/>
             <a:r>
-              <a:rPr lang="de-DE" smtClean="0"/>
+              <a:rPr lang="de-DE"/>
               <a:t>Vierte Ebene</a:t>
             </a:r>
           </a:p>
           <a:p>
             <a:pPr lvl="4"/>
             <a:r>
-              <a:rPr lang="de-DE" smtClean="0"/>
+              <a:rPr lang="de-DE"/>
               <a:t>Fünfte Ebene</a:t>
             </a:r>
-            <a:endParaRPr lang="de-DE"/>
           </a:p>
         </p:txBody>
       </p:sp>
@@ -1536,7 +1524,7 @@
           <a:p>
             <a:pPr lvl="0"/>
             <a:r>
-              <a:rPr lang="de-DE" smtClean="0"/>
+              <a:rPr lang="de-DE"/>
               <a:t>Textmasterformat bearbeiten</a:t>
             </a:r>
           </a:p>
@@ -1564,38 +1552,37 @@
           <a:p>
             <a:pPr lvl="0"/>
             <a:r>
-              <a:rPr lang="de-DE" smtClean="0"/>
+              <a:rPr lang="de-DE"/>
               <a:t>Textmasterformat bearbeiten</a:t>
             </a:r>
           </a:p>
           <a:p>
             <a:pPr lvl="1"/>
             <a:r>
-              <a:rPr lang="de-DE" smtClean="0"/>
+              <a:rPr lang="de-DE"/>
               <a:t>Zweite Ebene</a:t>
             </a:r>
           </a:p>
           <a:p>
             <a:pPr lvl="2"/>
             <a:r>
-              <a:rPr lang="de-DE" smtClean="0"/>
+              <a:rPr lang="de-DE"/>
               <a:t>Dritte Ebene</a:t>
             </a:r>
           </a:p>
           <a:p>
             <a:pPr lvl="3"/>
             <a:r>
-              <a:rPr lang="de-DE" smtClean="0"/>
+              <a:rPr lang="de-DE"/>
               <a:t>Vierte Ebene</a:t>
             </a:r>
           </a:p>
           <a:p>
             <a:pPr lvl="4"/>
             <a:r>
-              <a:rPr lang="de-DE" smtClean="0"/>
+              <a:rPr lang="de-DE"/>
               <a:t>Fünfte Ebene</a:t>
             </a:r>
-            <a:endParaRPr lang="de-DE"/>
           </a:p>
         </p:txBody>
       </p:sp>
@@ -1710,10 +1697,9 @@
           <a:lstStyle/>
           <a:p>
             <a:r>
-              <a:rPr lang="de-DE" smtClean="0"/>
+              <a:rPr lang="de-DE"/>
               <a:t>Titelmasterformat durch Klicken bearbeiten</a:t>
             </a:r>
-            <a:endParaRPr lang="de-DE"/>
           </a:p>
         </p:txBody>
       </p:sp>
@@ -1932,10 +1918,9 @@
           </a:lstStyle>
           <a:p>
             <a:r>
-              <a:rPr lang="de-DE" smtClean="0"/>
+              <a:rPr lang="de-DE"/>
               <a:t>Titelmasterformat durch Klicken bearbeiten</a:t>
             </a:r>
-            <a:endParaRPr lang="de-DE"/>
           </a:p>
         </p:txBody>
       </p:sp>
@@ -1989,38 +1974,37 @@
           <a:p>
             <a:pPr lvl="0"/>
             <a:r>
-              <a:rPr lang="de-DE" smtClean="0"/>
+              <a:rPr lang="de-DE"/>
               <a:t>Textmasterformat bearbeiten</a:t>
             </a:r>
           </a:p>
           <a:p>
             <a:pPr lvl="1"/>
             <a:r>
-              <a:rPr lang="de-DE" smtClean="0"/>
+              <a:rPr lang="de-DE"/>
               <a:t>Zweite Ebene</a:t>
             </a:r>
           </a:p>
           <a:p>
             <a:pPr lvl="2"/>
             <a:r>
-              <a:rPr lang="de-DE" smtClean="0"/>
+              <a:rPr lang="de-DE"/>
               <a:t>Dritte Ebene</a:t>
             </a:r>
           </a:p>
           <a:p>
             <a:pPr lvl="3"/>
             <a:r>
-              <a:rPr lang="de-DE" smtClean="0"/>
+              <a:rPr lang="de-DE"/>
               <a:t>Vierte Ebene</a:t>
             </a:r>
           </a:p>
           <a:p>
             <a:pPr lvl="4"/>
             <a:r>
-              <a:rPr lang="de-DE" smtClean="0"/>
+              <a:rPr lang="de-DE"/>
               <a:t>Fünfte Ebene</a:t>
             </a:r>
-            <a:endParaRPr lang="de-DE"/>
           </a:p>
         </p:txBody>
       </p:sp>
@@ -2083,7 +2067,7 @@
           <a:p>
             <a:pPr lvl="0"/>
             <a:r>
-              <a:rPr lang="de-DE" smtClean="0"/>
+              <a:rPr lang="de-DE"/>
               <a:t>Textmasterformat bearbeiten</a:t>
             </a:r>
           </a:p>
@@ -2209,10 +2193,9 @@
           </a:lstStyle>
           <a:p>
             <a:r>
-              <a:rPr lang="de-DE" smtClean="0"/>
+              <a:rPr lang="de-DE"/>
               <a:t>Titelmasterformat durch Klicken bearbeiten</a:t>
             </a:r>
-            <a:endParaRPr lang="de-DE"/>
           </a:p>
         </p:txBody>
       </p:sp>
@@ -2336,7 +2319,7 @@
           <a:p>
             <a:pPr lvl="0"/>
             <a:r>
-              <a:rPr lang="de-DE" smtClean="0"/>
+              <a:rPr lang="de-DE"/>
               <a:t>Textmasterformat bearbeiten</a:t>
             </a:r>
           </a:p>
@@ -2468,10 +2451,9 @@
           <a:lstStyle/>
           <a:p>
             <a:r>
-              <a:rPr lang="de-DE" smtClean="0"/>
+              <a:rPr lang="de-DE"/>
               <a:t>Titelmasterformat durch Klicken bearbeiten</a:t>
             </a:r>
-            <a:endParaRPr lang="de-DE"/>
           </a:p>
         </p:txBody>
       </p:sp>
@@ -2502,38 +2484,37 @@
           <a:p>
             <a:pPr lvl="0"/>
             <a:r>
-              <a:rPr lang="de-DE" smtClean="0"/>
+              <a:rPr lang="de-DE"/>
               <a:t>Textmasterformat bearbeiten</a:t>
             </a:r>
           </a:p>
           <a:p>
             <a:pPr lvl="1"/>
             <a:r>
-              <a:rPr lang="de-DE" smtClean="0"/>
+              <a:rPr lang="de-DE"/>
               <a:t>Zweite Ebene</a:t>
             </a:r>
           </a:p>
           <a:p>
             <a:pPr lvl="2"/>
             <a:r>
-              <a:rPr lang="de-DE" smtClean="0"/>
+              <a:rPr lang="de-DE"/>
               <a:t>Dritte Ebene</a:t>
             </a:r>
           </a:p>
           <a:p>
             <a:pPr lvl="3"/>
             <a:r>
-              <a:rPr lang="de-DE" smtClean="0"/>
+              <a:rPr lang="de-DE"/>
               <a:t>Vierte Ebene</a:t>
             </a:r>
           </a:p>
           <a:p>
             <a:pPr lvl="4"/>
             <a:r>
-              <a:rPr lang="de-DE" smtClean="0"/>
+              <a:rPr lang="de-DE"/>
               <a:t>Fünfte Ebene</a:t>
             </a:r>
-            <a:endParaRPr lang="de-DE"/>
           </a:p>
         </p:txBody>
       </p:sp>
@@ -2993,7 +2974,7 @@
           <a:lstStyle/>
           <a:p>
             <a:r>
-              <a:rPr lang="de-DE" dirty="0" err="1" smtClean="0"/>
+              <a:rPr lang="de-DE" dirty="0" err="1"/>
               <a:t>Skymensions</a:t>
             </a:r>
             <a:endParaRPr lang="de-DE" dirty="0"/>
@@ -3016,37 +2997,36 @@
           <a:lstStyle/>
           <a:p>
             <a:r>
-              <a:rPr lang="de-DE" dirty="0" smtClean="0"/>
+              <a:rPr lang="de-DE" dirty="0"/>
               <a:t>Creative </a:t>
             </a:r>
             <a:r>
-              <a:rPr lang="de-DE" dirty="0" err="1" smtClean="0"/>
+              <a:rPr lang="de-DE" dirty="0" err="1"/>
               <a:t>Nonsense</a:t>
             </a:r>
             <a:r>
-              <a:rPr lang="de-DE" dirty="0" smtClean="0"/>
+              <a:rPr lang="de-DE" dirty="0"/>
               <a:t> </a:t>
             </a:r>
             <a:r>
-              <a:rPr lang="de-DE" dirty="0" err="1" smtClean="0"/>
+              <a:rPr lang="de-DE" dirty="0" err="1"/>
               <a:t>by</a:t>
             </a:r>
-            <a:endParaRPr lang="de-DE" dirty="0" smtClean="0"/>
-          </a:p>
-          <a:p>
-            <a:r>
-              <a:rPr lang="de-DE" dirty="0" smtClean="0"/>
+            <a:endParaRPr lang="de-DE" dirty="0"/>
+          </a:p>
+          <a:p>
+            <a:r>
+              <a:rPr lang="de-DE" dirty="0"/>
               <a:t>Daniel Janzen, Robert </a:t>
             </a:r>
             <a:r>
-              <a:rPr lang="de-DE" dirty="0" err="1" smtClean="0"/>
+              <a:rPr lang="de-DE" dirty="0" err="1"/>
               <a:t>Jonetzko</a:t>
             </a:r>
             <a:r>
-              <a:rPr lang="de-DE" dirty="0" smtClean="0"/>
+              <a:rPr lang="de-DE" dirty="0"/>
               <a:t>, Niels Quanz</a:t>
             </a:r>
-            <a:endParaRPr lang="de-DE" dirty="0"/>
           </a:p>
         </p:txBody>
       </p:sp>
@@ -3060,17 +3040,10 @@
   <p:clrMapOvr>
     <a:masterClrMapping/>
   </p:clrMapOvr>
-  <p:timing>
-    <p:tnLst>
-      <p:par>
-        <p:cTn id="1" dur="indefinite" restart="never" nodeType="tmRoot"/>
-      </p:par>
-    </p:tnLst>
-  </p:timing>
 </p:sld>
 </file>
 
-<file path=ppt/slides/slide2.xml><?xml version="1.0" encoding="utf-8"?>
+<file path=ppt/slides/slide10.xml><?xml version="1.0" encoding="utf-8"?>
 <p:sld xmlns:a="http://schemas.openxmlformats.org/drawingml/2006/main" xmlns:r="http://schemas.openxmlformats.org/officeDocument/2006/relationships" xmlns:p="http://schemas.openxmlformats.org/presentationml/2006/main">
   <p:cSld>
     <p:spTree>
@@ -3103,87 +3076,74 @@
           <a:lstStyle/>
           <a:p>
             <a:r>
-              <a:rPr lang="de-DE" dirty="0" smtClean="0"/>
-              <a:t>Kurzbeschreibung</a:t>
-            </a:r>
+              <a:rPr lang="de-DE" dirty="0"/>
+              <a:t>Verantwortungsbereich Daniel</a:t>
+            </a:r>
+          </a:p>
+        </p:txBody>
+      </p:sp>
+      <p:sp>
+        <p:nvSpPr>
+          <p:cNvPr id="3" name="Inhaltsplatzhalter 2"/>
+          <p:cNvSpPr>
+            <a:spLocks noGrp="1"/>
+          </p:cNvSpPr>
+          <p:nvPr>
+            <p:ph idx="1"/>
+          </p:nvPr>
+        </p:nvSpPr>
+        <p:spPr>
+          <a:xfrm>
+            <a:off x="838200" y="1825625"/>
+            <a:ext cx="3707674" cy="4351338"/>
+          </a:xfrm>
+        </p:spPr>
+        <p:txBody>
+          <a:bodyPr/>
+          <a:lstStyle/>
+          <a:p>
+            <a:r>
+              <a:rPr lang="de-DE" dirty="0"/>
+              <a:t>Menu</a:t>
+            </a:r>
+          </a:p>
+          <a:p>
+            <a:r>
+              <a:rPr lang="de-DE" dirty="0"/>
+              <a:t>Item Drop</a:t>
+            </a:r>
+          </a:p>
+          <a:p>
+            <a:r>
+              <a:rPr lang="de-DE" dirty="0"/>
+              <a:t>Item Design</a:t>
+            </a:r>
+          </a:p>
+          <a:p>
             <a:endParaRPr lang="de-DE" dirty="0"/>
           </a:p>
-        </p:txBody>
-      </p:sp>
-      <p:sp>
-        <p:nvSpPr>
-          <p:cNvPr id="3" name="Inhaltsplatzhalter 2"/>
-          <p:cNvSpPr>
-            <a:spLocks noGrp="1"/>
-          </p:cNvSpPr>
-          <p:nvPr>
-            <p:ph idx="1"/>
-          </p:nvPr>
-        </p:nvSpPr>
-        <p:spPr/>
-        <p:txBody>
-          <a:bodyPr/>
-          <a:lstStyle/>
-          <a:p>
-            <a:pPr marL="0" indent="0">
-              <a:buNone/>
-            </a:pPr>
-            <a:r>
-              <a:rPr lang="de-DE" dirty="0" err="1"/>
-              <a:t>Skymensions</a:t>
-            </a:r>
-            <a:r>
-              <a:rPr lang="de-DE" dirty="0"/>
-              <a:t> wird ein Low </a:t>
-            </a:r>
-            <a:r>
-              <a:rPr lang="de-DE" dirty="0" err="1"/>
-              <a:t>Poly</a:t>
-            </a:r>
-            <a:r>
-              <a:rPr lang="de-DE" dirty="0"/>
-              <a:t> </a:t>
-            </a:r>
-            <a:r>
-              <a:rPr lang="de-DE" dirty="0" err="1"/>
-              <a:t>Roguelike</a:t>
-            </a:r>
-            <a:r>
-              <a:rPr lang="de-DE" dirty="0"/>
-              <a:t> Adventure. Jedes Spiel ist einzigartig, dank prozeduraler Generierung der einzelnen Level. Der Spieler muss Gegner besiegen, Fallen erkennen und Hindernisse überwinden. Jedes Level endet mit einem Portal, welches den Spieler in das nächste Level teleportiert. Items, Bosse und Überraschungen erwarten den Spieler in </a:t>
-            </a:r>
-            <a:r>
-              <a:rPr lang="de-DE" dirty="0" err="1"/>
-              <a:t>Skymensions</a:t>
-            </a:r>
-            <a:r>
-              <a:rPr lang="de-DE" dirty="0"/>
-              <a:t>.</a:t>
-            </a:r>
+          <a:p>
+            <a:endParaRPr lang="de-DE" dirty="0"/>
+          </a:p>
+          <a:p>
+            <a:endParaRPr lang="de-DE" dirty="0"/>
           </a:p>
         </p:txBody>
       </p:sp>
     </p:spTree>
     <p:extLst>
       <p:ext uri="{BB962C8B-B14F-4D97-AF65-F5344CB8AC3E}">
-        <p14:creationId xmlns:p14="http://schemas.microsoft.com/office/powerpoint/2010/main" val="3177102457"/>
+        <p14:creationId xmlns:p14="http://schemas.microsoft.com/office/powerpoint/2010/main" val="1724282653"/>
       </p:ext>
     </p:extLst>
   </p:cSld>
   <p:clrMapOvr>
     <a:masterClrMapping/>
   </p:clrMapOvr>
-  <p:timing>
-    <p:tnLst>
-      <p:par>
-        <p:cTn id="1" dur="indefinite" restart="never" nodeType="tmRoot"/>
-      </p:par>
-    </p:tnLst>
-  </p:timing>
 </p:sld>
 </file>
 
-<file path=ppt/slides/slide3.xml><?xml version="1.0" encoding="utf-8"?>
+<file path=ppt/slides/slide11.xml><?xml version="1.0" encoding="utf-8"?>
 <p:sld xmlns:a="http://schemas.openxmlformats.org/drawingml/2006/main" xmlns:r="http://schemas.openxmlformats.org/officeDocument/2006/relationships" xmlns:p="http://schemas.openxmlformats.org/presentationml/2006/main">
   <p:cSld>
     <p:spTree>
@@ -3216,648 +3176,54 @@
           <a:lstStyle/>
           <a:p>
             <a:r>
-              <a:rPr lang="de-DE" dirty="0" smtClean="0"/>
-              <a:t>Storyboard</a:t>
+              <a:rPr lang="de-DE" dirty="0"/>
+              <a:t>Meilensteine</a:t>
+            </a:r>
+          </a:p>
+        </p:txBody>
+      </p:sp>
+      <p:sp>
+        <p:nvSpPr>
+          <p:cNvPr id="3" name="Inhaltsplatzhalter 2"/>
+          <p:cNvSpPr>
+            <a:spLocks noGrp="1"/>
+          </p:cNvSpPr>
+          <p:nvPr>
+            <p:ph idx="1"/>
+          </p:nvPr>
+        </p:nvSpPr>
+        <p:spPr/>
+        <p:txBody>
+          <a:bodyPr/>
+          <a:lstStyle/>
+          <a:p>
+            <a:r>
+              <a:rPr lang="de-DE" dirty="0"/>
+              <a:t>Welt Generierung</a:t>
+            </a:r>
+          </a:p>
+          <a:p>
+            <a:r>
+              <a:rPr lang="de-DE" dirty="0"/>
+              <a:t>KI/</a:t>
+            </a:r>
+            <a:r>
+              <a:rPr lang="de-DE" dirty="0" err="1"/>
+              <a:t>Collision</a:t>
             </a:r>
             <a:endParaRPr lang="de-DE" dirty="0"/>
           </a:p>
-        </p:txBody>
-      </p:sp>
-      <p:pic>
-        <p:nvPicPr>
-          <p:cNvPr id="4" name="Grafik 3"/>
-          <p:cNvPicPr>
-            <a:picLocks noChangeAspect="1"/>
-          </p:cNvPicPr>
-          <p:nvPr/>
-        </p:nvPicPr>
-        <p:blipFill rotWithShape="1">
-          <a:blip r:embed="rId2" cstate="print">
-            <a:extLst>
-              <a:ext uri="{28A0092B-C50C-407E-A947-70E740481C1C}">
-                <a14:useLocalDpi xmlns:a14="http://schemas.microsoft.com/office/drawing/2010/main" val="0"/>
-              </a:ext>
-            </a:extLst>
-          </a:blip>
-          <a:srcRect t="33884" b="27823"/>
-          <a:stretch/>
-        </p:blipFill>
-        <p:spPr>
-          <a:xfrm>
-            <a:off x="894522" y="2425148"/>
-            <a:ext cx="9621078" cy="2072310"/>
-          </a:xfrm>
-          <a:prstGeom prst="rect">
-            <a:avLst/>
-          </a:prstGeom>
-        </p:spPr>
-      </p:pic>
-    </p:spTree>
-    <p:extLst>
-      <p:ext uri="{BB962C8B-B14F-4D97-AF65-F5344CB8AC3E}">
-        <p14:creationId xmlns:p14="http://schemas.microsoft.com/office/powerpoint/2010/main" val="3614802374"/>
-      </p:ext>
-    </p:extLst>
-  </p:cSld>
-  <p:clrMapOvr>
-    <a:masterClrMapping/>
-  </p:clrMapOvr>
-  <p:timing>
-    <p:tnLst>
-      <p:par>
-        <p:cTn id="1" dur="indefinite" restart="never" nodeType="tmRoot"/>
-      </p:par>
-    </p:tnLst>
-  </p:timing>
-</p:sld>
-</file>
-
-<file path=ppt/slides/slide4.xml><?xml version="1.0" encoding="utf-8"?>
-<p:sld xmlns:a="http://schemas.openxmlformats.org/drawingml/2006/main" xmlns:r="http://schemas.openxmlformats.org/officeDocument/2006/relationships" xmlns:p="http://schemas.openxmlformats.org/presentationml/2006/main">
-  <p:cSld>
-    <p:spTree>
-      <p:nvGrpSpPr>
-        <p:cNvPr id="1" name=""/>
-        <p:cNvGrpSpPr/>
-        <p:nvPr/>
-      </p:nvGrpSpPr>
-      <p:grpSpPr>
-        <a:xfrm>
-          <a:off x="0" y="0"/>
-          <a:ext cx="0" cy="0"/>
-          <a:chOff x="0" y="0"/>
-          <a:chExt cx="0" cy="0"/>
-        </a:xfrm>
-      </p:grpSpPr>
-      <p:sp>
-        <p:nvSpPr>
-          <p:cNvPr id="2" name="Titel 1"/>
-          <p:cNvSpPr>
-            <a:spLocks noGrp="1"/>
-          </p:cNvSpPr>
-          <p:nvPr>
-            <p:ph type="title"/>
-          </p:nvPr>
-        </p:nvSpPr>
-        <p:spPr/>
-        <p:txBody>
-          <a:bodyPr/>
-          <a:lstStyle/>
-          <a:p>
-            <a:r>
-              <a:rPr lang="de-DE" dirty="0" smtClean="0"/>
-              <a:t>Verantwortungsbereich Niels</a:t>
-            </a:r>
+          <a:p>
+            <a:r>
+              <a:rPr lang="de-DE" dirty="0"/>
+              <a:t>Item Drops</a:t>
+            </a:r>
+          </a:p>
+          <a:p>
             <a:endParaRPr lang="de-DE" dirty="0"/>
           </a:p>
-        </p:txBody>
-      </p:sp>
-      <p:sp>
-        <p:nvSpPr>
-          <p:cNvPr id="3" name="Inhaltsplatzhalter 2"/>
-          <p:cNvSpPr>
-            <a:spLocks noGrp="1"/>
-          </p:cNvSpPr>
-          <p:nvPr>
-            <p:ph idx="1"/>
-          </p:nvPr>
-        </p:nvSpPr>
-        <p:spPr>
-          <a:xfrm>
-            <a:off x="838200" y="1825625"/>
-            <a:ext cx="3864429" cy="4351338"/>
-          </a:xfrm>
-        </p:spPr>
-        <p:txBody>
-          <a:bodyPr/>
-          <a:lstStyle/>
-          <a:p>
-            <a:r>
-              <a:rPr lang="de-DE" dirty="0" smtClean="0"/>
-              <a:t>KI</a:t>
-            </a:r>
-          </a:p>
-          <a:p>
-            <a:r>
-              <a:rPr lang="de-DE" dirty="0" err="1" smtClean="0"/>
-              <a:t>Movenment</a:t>
-            </a:r>
-            <a:r>
-              <a:rPr lang="de-DE" dirty="0" smtClean="0"/>
-              <a:t>/Kamera</a:t>
-            </a:r>
-          </a:p>
-          <a:p>
-            <a:endParaRPr lang="de-DE" dirty="0" smtClean="0"/>
-          </a:p>
-        </p:txBody>
-      </p:sp>
-    </p:spTree>
-    <p:extLst>
-      <p:ext uri="{BB962C8B-B14F-4D97-AF65-F5344CB8AC3E}">
-        <p14:creationId xmlns:p14="http://schemas.microsoft.com/office/powerpoint/2010/main" val="2637673204"/>
-      </p:ext>
-    </p:extLst>
-  </p:cSld>
-  <p:clrMapOvr>
-    <a:masterClrMapping/>
-  </p:clrMapOvr>
-  <p:timing>
-    <p:tnLst>
-      <p:par>
-        <p:cTn id="1" dur="indefinite" restart="never" nodeType="tmRoot"/>
-      </p:par>
-    </p:tnLst>
-  </p:timing>
-</p:sld>
-</file>
-
-<file path=ppt/slides/slide5.xml><?xml version="1.0" encoding="utf-8"?>
-<p:sld xmlns:a="http://schemas.openxmlformats.org/drawingml/2006/main" xmlns:r="http://schemas.openxmlformats.org/officeDocument/2006/relationships" xmlns:p="http://schemas.openxmlformats.org/presentationml/2006/main">
-  <p:cSld>
-    <p:spTree>
-      <p:nvGrpSpPr>
-        <p:cNvPr id="1" name=""/>
-        <p:cNvGrpSpPr/>
-        <p:nvPr/>
-      </p:nvGrpSpPr>
-      <p:grpSpPr>
-        <a:xfrm>
-          <a:off x="0" y="0"/>
-          <a:ext cx="0" cy="0"/>
-          <a:chOff x="0" y="0"/>
-          <a:chExt cx="0" cy="0"/>
-        </a:xfrm>
-      </p:grpSpPr>
-      <p:sp>
-        <p:nvSpPr>
-          <p:cNvPr id="2" name="Titel 1"/>
-          <p:cNvSpPr>
-            <a:spLocks noGrp="1"/>
-          </p:cNvSpPr>
-          <p:nvPr>
-            <p:ph type="title"/>
-          </p:nvPr>
-        </p:nvSpPr>
-        <p:spPr/>
-        <p:txBody>
-          <a:bodyPr/>
-          <a:lstStyle/>
-          <a:p>
-            <a:r>
-              <a:rPr lang="de-DE" dirty="0" smtClean="0"/>
-              <a:t>KI</a:t>
-            </a:r>
+          <a:p>
             <a:endParaRPr lang="de-DE" dirty="0"/>
-          </a:p>
-        </p:txBody>
-      </p:sp>
-      <p:pic>
-        <p:nvPicPr>
-          <p:cNvPr id="3" name="Grafik 2"/>
-          <p:cNvPicPr>
-            <a:picLocks noChangeAspect="1"/>
-          </p:cNvPicPr>
-          <p:nvPr/>
-        </p:nvPicPr>
-        <p:blipFill>
-          <a:blip r:embed="rId2"/>
-          <a:stretch>
-            <a:fillRect/>
-          </a:stretch>
-        </p:blipFill>
-        <p:spPr>
-          <a:xfrm>
-            <a:off x="1827716" y="0"/>
-            <a:ext cx="8205642" cy="6858000"/>
-          </a:xfrm>
-          <a:prstGeom prst="rect">
-            <a:avLst/>
-          </a:prstGeom>
-        </p:spPr>
-      </p:pic>
-    </p:spTree>
-    <p:extLst>
-      <p:ext uri="{BB962C8B-B14F-4D97-AF65-F5344CB8AC3E}">
-        <p14:creationId xmlns:p14="http://schemas.microsoft.com/office/powerpoint/2010/main" val="1536122512"/>
-      </p:ext>
-    </p:extLst>
-  </p:cSld>
-  <p:clrMapOvr>
-    <a:masterClrMapping/>
-  </p:clrMapOvr>
-  <p:timing>
-    <p:tnLst>
-      <p:par>
-        <p:cTn id="1" dur="indefinite" restart="never" nodeType="tmRoot"/>
-      </p:par>
-    </p:tnLst>
-  </p:timing>
-</p:sld>
-</file>
-
-<file path=ppt/slides/slide6.xml><?xml version="1.0" encoding="utf-8"?>
-<p:sld xmlns:a="http://schemas.openxmlformats.org/drawingml/2006/main" xmlns:r="http://schemas.openxmlformats.org/officeDocument/2006/relationships" xmlns:p="http://schemas.openxmlformats.org/presentationml/2006/main">
-  <p:cSld>
-    <p:spTree>
-      <p:nvGrpSpPr>
-        <p:cNvPr id="1" name=""/>
-        <p:cNvGrpSpPr/>
-        <p:nvPr/>
-      </p:nvGrpSpPr>
-      <p:grpSpPr>
-        <a:xfrm>
-          <a:off x="0" y="0"/>
-          <a:ext cx="0" cy="0"/>
-          <a:chOff x="0" y="0"/>
-          <a:chExt cx="0" cy="0"/>
-        </a:xfrm>
-      </p:grpSpPr>
-      <p:sp>
-        <p:nvSpPr>
-          <p:cNvPr id="2" name="Titel 1"/>
-          <p:cNvSpPr>
-            <a:spLocks noGrp="1"/>
-          </p:cNvSpPr>
-          <p:nvPr>
-            <p:ph type="title"/>
-          </p:nvPr>
-        </p:nvSpPr>
-        <p:spPr/>
-        <p:txBody>
-          <a:bodyPr/>
-          <a:lstStyle/>
-          <a:p>
-            <a:r>
-              <a:rPr lang="de-DE" dirty="0" smtClean="0"/>
-              <a:t>Movement </a:t>
-            </a:r>
-            <a:endParaRPr lang="de-DE" dirty="0"/>
-          </a:p>
-        </p:txBody>
-      </p:sp>
-      <p:pic>
-        <p:nvPicPr>
-          <p:cNvPr id="4" name="Grafik 3"/>
-          <p:cNvPicPr>
-            <a:picLocks noChangeAspect="1"/>
-          </p:cNvPicPr>
-          <p:nvPr/>
-        </p:nvPicPr>
-        <p:blipFill>
-          <a:blip r:embed="rId2">
-            <a:extLst>
-              <a:ext uri="{28A0092B-C50C-407E-A947-70E740481C1C}">
-                <a14:useLocalDpi xmlns:a14="http://schemas.microsoft.com/office/drawing/2010/main" val="0"/>
-              </a:ext>
-            </a:extLst>
-          </a:blip>
-          <a:stretch>
-            <a:fillRect/>
-          </a:stretch>
-        </p:blipFill>
-        <p:spPr>
-          <a:xfrm>
-            <a:off x="4035357" y="0"/>
-            <a:ext cx="6002334" cy="6858000"/>
-          </a:xfrm>
-          <a:prstGeom prst="rect">
-            <a:avLst/>
-          </a:prstGeom>
-        </p:spPr>
-      </p:pic>
-    </p:spTree>
-    <p:extLst>
-      <p:ext uri="{BB962C8B-B14F-4D97-AF65-F5344CB8AC3E}">
-        <p14:creationId xmlns:p14="http://schemas.microsoft.com/office/powerpoint/2010/main" val="4194890001"/>
-      </p:ext>
-    </p:extLst>
-  </p:cSld>
-  <p:clrMapOvr>
-    <a:masterClrMapping/>
-  </p:clrMapOvr>
-  <p:timing>
-    <p:tnLst>
-      <p:par>
-        <p:cTn id="1" dur="indefinite" restart="never" nodeType="tmRoot"/>
-      </p:par>
-    </p:tnLst>
-  </p:timing>
-</p:sld>
-</file>
-
-<file path=ppt/slides/slide7.xml><?xml version="1.0" encoding="utf-8"?>
-<p:sld xmlns:a="http://schemas.openxmlformats.org/drawingml/2006/main" xmlns:r="http://schemas.openxmlformats.org/officeDocument/2006/relationships" xmlns:p="http://schemas.openxmlformats.org/presentationml/2006/main">
-  <p:cSld>
-    <p:spTree>
-      <p:nvGrpSpPr>
-        <p:cNvPr id="1" name=""/>
-        <p:cNvGrpSpPr/>
-        <p:nvPr/>
-      </p:nvGrpSpPr>
-      <p:grpSpPr>
-        <a:xfrm>
-          <a:off x="0" y="0"/>
-          <a:ext cx="0" cy="0"/>
-          <a:chOff x="0" y="0"/>
-          <a:chExt cx="0" cy="0"/>
-        </a:xfrm>
-      </p:grpSpPr>
-      <p:sp>
-        <p:nvSpPr>
-          <p:cNvPr id="2" name="Titel 1"/>
-          <p:cNvSpPr>
-            <a:spLocks noGrp="1"/>
-          </p:cNvSpPr>
-          <p:nvPr>
-            <p:ph type="title"/>
-          </p:nvPr>
-        </p:nvSpPr>
-        <p:spPr/>
-        <p:txBody>
-          <a:bodyPr/>
-          <a:lstStyle/>
-          <a:p>
-            <a:r>
-              <a:rPr lang="de-DE" dirty="0" smtClean="0"/>
-              <a:t>Verantwortungsbereich Robert</a:t>
-            </a:r>
-            <a:endParaRPr lang="de-DE" dirty="0"/>
-          </a:p>
-        </p:txBody>
-      </p:sp>
-      <p:sp>
-        <p:nvSpPr>
-          <p:cNvPr id="3" name="Inhaltsplatzhalter 2"/>
-          <p:cNvSpPr>
-            <a:spLocks noGrp="1"/>
-          </p:cNvSpPr>
-          <p:nvPr>
-            <p:ph idx="1"/>
-          </p:nvPr>
-        </p:nvSpPr>
-        <p:spPr/>
-        <p:txBody>
-          <a:bodyPr/>
-          <a:lstStyle/>
-          <a:p>
-            <a:r>
-              <a:rPr lang="de-DE" dirty="0" smtClean="0"/>
-              <a:t>Level </a:t>
-            </a:r>
-            <a:r>
-              <a:rPr lang="de-DE" dirty="0" err="1" smtClean="0"/>
-              <a:t>generierung</a:t>
-            </a:r>
-            <a:endParaRPr lang="de-DE" dirty="0" smtClean="0"/>
-          </a:p>
-          <a:p>
-            <a:r>
-              <a:rPr lang="de-DE" dirty="0" smtClean="0"/>
-              <a:t>Attribute Spieler/Gegner</a:t>
-            </a:r>
-          </a:p>
-          <a:p>
-            <a:r>
-              <a:rPr lang="de-DE" dirty="0" smtClean="0"/>
-              <a:t>UI</a:t>
-            </a:r>
-          </a:p>
-          <a:p>
-            <a:r>
-              <a:rPr lang="de-DE" dirty="0" smtClean="0"/>
-              <a:t>Spieler / Gegner </a:t>
-            </a:r>
-            <a:r>
-              <a:rPr lang="de-DE" dirty="0" err="1" smtClean="0"/>
-              <a:t>interaktion</a:t>
-            </a:r>
-            <a:endParaRPr lang="de-DE" dirty="0" smtClean="0"/>
-          </a:p>
-          <a:p>
-            <a:pPr marL="0" indent="0">
-              <a:buNone/>
-            </a:pPr>
-            <a:endParaRPr lang="de-DE" dirty="0" smtClean="0"/>
-          </a:p>
-          <a:p>
-            <a:pPr marL="0" indent="0">
-              <a:buNone/>
-            </a:pPr>
-            <a:endParaRPr lang="de-DE" dirty="0" smtClean="0"/>
-          </a:p>
-        </p:txBody>
-      </p:sp>
-    </p:spTree>
-    <p:extLst>
-      <p:ext uri="{BB962C8B-B14F-4D97-AF65-F5344CB8AC3E}">
-        <p14:creationId xmlns:p14="http://schemas.microsoft.com/office/powerpoint/2010/main" val="4266374917"/>
-      </p:ext>
-    </p:extLst>
-  </p:cSld>
-  <p:clrMapOvr>
-    <a:masterClrMapping/>
-  </p:clrMapOvr>
-  <p:timing>
-    <p:tnLst>
-      <p:par>
-        <p:cTn id="1" dur="indefinite" restart="never" nodeType="tmRoot"/>
-      </p:par>
-    </p:tnLst>
-  </p:timing>
-</p:sld>
-</file>
-
-<file path=ppt/slides/slide8.xml><?xml version="1.0" encoding="utf-8"?>
-<p:sld xmlns:a="http://schemas.openxmlformats.org/drawingml/2006/main" xmlns:r="http://schemas.openxmlformats.org/officeDocument/2006/relationships" xmlns:p="http://schemas.openxmlformats.org/presentationml/2006/main">
-  <p:cSld>
-    <p:spTree>
-      <p:nvGrpSpPr>
-        <p:cNvPr id="1" name=""/>
-        <p:cNvGrpSpPr/>
-        <p:nvPr/>
-      </p:nvGrpSpPr>
-      <p:grpSpPr>
-        <a:xfrm>
-          <a:off x="0" y="0"/>
-          <a:ext cx="0" cy="0"/>
-          <a:chOff x="0" y="0"/>
-          <a:chExt cx="0" cy="0"/>
-        </a:xfrm>
-      </p:grpSpPr>
-      <p:sp>
-        <p:nvSpPr>
-          <p:cNvPr id="2" name="Titel 1"/>
-          <p:cNvSpPr>
-            <a:spLocks noGrp="1"/>
-          </p:cNvSpPr>
-          <p:nvPr>
-            <p:ph type="title"/>
-          </p:nvPr>
-        </p:nvSpPr>
-        <p:spPr/>
-        <p:txBody>
-          <a:bodyPr/>
-          <a:lstStyle/>
-          <a:p>
-            <a:r>
-              <a:rPr lang="de-DE" dirty="0" smtClean="0"/>
-              <a:t>Verantwortungsbereich Daniel</a:t>
-            </a:r>
-            <a:endParaRPr lang="de-DE" dirty="0"/>
-          </a:p>
-        </p:txBody>
-      </p:sp>
-      <p:sp>
-        <p:nvSpPr>
-          <p:cNvPr id="3" name="Inhaltsplatzhalter 2"/>
-          <p:cNvSpPr>
-            <a:spLocks noGrp="1"/>
-          </p:cNvSpPr>
-          <p:nvPr>
-            <p:ph idx="1"/>
-          </p:nvPr>
-        </p:nvSpPr>
-        <p:spPr>
-          <a:xfrm>
-            <a:off x="838200" y="1825625"/>
-            <a:ext cx="3707674" cy="4351338"/>
-          </a:xfrm>
-        </p:spPr>
-        <p:txBody>
-          <a:bodyPr/>
-          <a:lstStyle/>
-          <a:p>
-            <a:r>
-              <a:rPr lang="de-DE" dirty="0" smtClean="0"/>
-              <a:t>Menu</a:t>
-            </a:r>
-          </a:p>
-          <a:p>
-            <a:r>
-              <a:rPr lang="de-DE" dirty="0" smtClean="0"/>
-              <a:t>Item Drop</a:t>
-            </a:r>
-          </a:p>
-          <a:p>
-            <a:r>
-              <a:rPr lang="de-DE" dirty="0" smtClean="0"/>
-              <a:t>Item Design</a:t>
-            </a:r>
-          </a:p>
-          <a:p>
-            <a:endParaRPr lang="de-DE" dirty="0" smtClean="0"/>
-          </a:p>
-          <a:p>
-            <a:endParaRPr lang="de-DE" dirty="0" smtClean="0"/>
-          </a:p>
-          <a:p>
-            <a:endParaRPr lang="de-DE" dirty="0" smtClean="0"/>
-          </a:p>
-        </p:txBody>
-      </p:sp>
-    </p:spTree>
-    <p:extLst>
-      <p:ext uri="{BB962C8B-B14F-4D97-AF65-F5344CB8AC3E}">
-        <p14:creationId xmlns:p14="http://schemas.microsoft.com/office/powerpoint/2010/main" val="1724282653"/>
-      </p:ext>
-    </p:extLst>
-  </p:cSld>
-  <p:clrMapOvr>
-    <a:masterClrMapping/>
-  </p:clrMapOvr>
-  <p:timing>
-    <p:tnLst>
-      <p:par>
-        <p:cTn id="1" dur="indefinite" restart="never" nodeType="tmRoot"/>
-      </p:par>
-    </p:tnLst>
-  </p:timing>
-</p:sld>
-</file>
-
-<file path=ppt/slides/slide9.xml><?xml version="1.0" encoding="utf-8"?>
-<p:sld xmlns:a="http://schemas.openxmlformats.org/drawingml/2006/main" xmlns:r="http://schemas.openxmlformats.org/officeDocument/2006/relationships" xmlns:p="http://schemas.openxmlformats.org/presentationml/2006/main">
-  <p:cSld>
-    <p:spTree>
-      <p:nvGrpSpPr>
-        <p:cNvPr id="1" name=""/>
-        <p:cNvGrpSpPr/>
-        <p:nvPr/>
-      </p:nvGrpSpPr>
-      <p:grpSpPr>
-        <a:xfrm>
-          <a:off x="0" y="0"/>
-          <a:ext cx="0" cy="0"/>
-          <a:chOff x="0" y="0"/>
-          <a:chExt cx="0" cy="0"/>
-        </a:xfrm>
-      </p:grpSpPr>
-      <p:sp>
-        <p:nvSpPr>
-          <p:cNvPr id="2" name="Titel 1"/>
-          <p:cNvSpPr>
-            <a:spLocks noGrp="1"/>
-          </p:cNvSpPr>
-          <p:nvPr>
-            <p:ph type="title"/>
-          </p:nvPr>
-        </p:nvSpPr>
-        <p:spPr/>
-        <p:txBody>
-          <a:bodyPr/>
-          <a:lstStyle/>
-          <a:p>
-            <a:r>
-              <a:rPr lang="de-DE" dirty="0" smtClean="0"/>
-              <a:t>Meilensteine</a:t>
-            </a:r>
-            <a:endParaRPr lang="de-DE" dirty="0"/>
-          </a:p>
-        </p:txBody>
-      </p:sp>
-      <p:sp>
-        <p:nvSpPr>
-          <p:cNvPr id="3" name="Inhaltsplatzhalter 2"/>
-          <p:cNvSpPr>
-            <a:spLocks noGrp="1"/>
-          </p:cNvSpPr>
-          <p:nvPr>
-            <p:ph idx="1"/>
-          </p:nvPr>
-        </p:nvSpPr>
-        <p:spPr/>
-        <p:txBody>
-          <a:bodyPr/>
-          <a:lstStyle/>
-          <a:p>
-            <a:r>
-              <a:rPr lang="de-DE" dirty="0" smtClean="0"/>
-              <a:t>Welt Generierung</a:t>
-            </a:r>
-          </a:p>
-          <a:p>
-            <a:r>
-              <a:rPr lang="de-DE" dirty="0" smtClean="0"/>
-              <a:t>KI/</a:t>
-            </a:r>
-            <a:r>
-              <a:rPr lang="de-DE" dirty="0" err="1" smtClean="0"/>
-              <a:t>Collision</a:t>
-            </a:r>
-            <a:endParaRPr lang="de-DE" dirty="0" smtClean="0"/>
-          </a:p>
-          <a:p>
-            <a:r>
-              <a:rPr lang="de-DE" dirty="0" smtClean="0"/>
-              <a:t>Item Drops</a:t>
-            </a:r>
-          </a:p>
-          <a:p>
-            <a:endParaRPr lang="de-DE" dirty="0" smtClean="0"/>
-          </a:p>
-          <a:p>
-            <a:endParaRPr lang="de-DE" dirty="0" smtClean="0"/>
           </a:p>
           <a:p>
             <a:endParaRPr lang="de-DE" dirty="0"/>
@@ -3990,6 +3356,759 @@
       </p:par>
     </p:tnLst>
   </p:timing>
+</p:sld>
+</file>
+
+<file path=ppt/slides/slide2.xml><?xml version="1.0" encoding="utf-8"?>
+<p:sld xmlns:a="http://schemas.openxmlformats.org/drawingml/2006/main" xmlns:r="http://schemas.openxmlformats.org/officeDocument/2006/relationships" xmlns:p="http://schemas.openxmlformats.org/presentationml/2006/main">
+  <p:cSld>
+    <p:spTree>
+      <p:nvGrpSpPr>
+        <p:cNvPr id="1" name=""/>
+        <p:cNvGrpSpPr/>
+        <p:nvPr/>
+      </p:nvGrpSpPr>
+      <p:grpSpPr>
+        <a:xfrm>
+          <a:off x="0" y="0"/>
+          <a:ext cx="0" cy="0"/>
+          <a:chOff x="0" y="0"/>
+          <a:chExt cx="0" cy="0"/>
+        </a:xfrm>
+      </p:grpSpPr>
+      <p:sp>
+        <p:nvSpPr>
+          <p:cNvPr id="2" name="Titel 1"/>
+          <p:cNvSpPr>
+            <a:spLocks noGrp="1"/>
+          </p:cNvSpPr>
+          <p:nvPr>
+            <p:ph type="title"/>
+          </p:nvPr>
+        </p:nvSpPr>
+        <p:spPr/>
+        <p:txBody>
+          <a:bodyPr/>
+          <a:lstStyle/>
+          <a:p>
+            <a:r>
+              <a:rPr lang="de-DE" dirty="0"/>
+              <a:t>Kurzbeschreibung</a:t>
+            </a:r>
+          </a:p>
+        </p:txBody>
+      </p:sp>
+      <p:sp>
+        <p:nvSpPr>
+          <p:cNvPr id="3" name="Inhaltsplatzhalter 2"/>
+          <p:cNvSpPr>
+            <a:spLocks noGrp="1"/>
+          </p:cNvSpPr>
+          <p:nvPr>
+            <p:ph idx="1"/>
+          </p:nvPr>
+        </p:nvSpPr>
+        <p:spPr/>
+        <p:txBody>
+          <a:bodyPr/>
+          <a:lstStyle/>
+          <a:p>
+            <a:pPr marL="0" indent="0">
+              <a:buNone/>
+            </a:pPr>
+            <a:r>
+              <a:rPr lang="de-DE" dirty="0" err="1"/>
+              <a:t>Skymensions</a:t>
+            </a:r>
+            <a:r>
+              <a:rPr lang="de-DE" dirty="0"/>
+              <a:t> wird ein Low </a:t>
+            </a:r>
+            <a:r>
+              <a:rPr lang="de-DE" dirty="0" err="1"/>
+              <a:t>Poly</a:t>
+            </a:r>
+            <a:r>
+              <a:rPr lang="de-DE" dirty="0"/>
+              <a:t> </a:t>
+            </a:r>
+            <a:r>
+              <a:rPr lang="de-DE" dirty="0" err="1"/>
+              <a:t>Roguelike</a:t>
+            </a:r>
+            <a:r>
+              <a:rPr lang="de-DE" dirty="0"/>
+              <a:t> Adventure. Jedes Spiel ist einzigartig, dank prozeduraler Generierung der einzelnen Level. Der Spieler muss Gegner besiegen, Fallen erkennen und Hindernisse überwinden. Jedes Level endet mit einem Portal, welches den Spieler in das nächste Level teleportiert. Items, Bosse und Überraschungen erwarten den Spieler in </a:t>
+            </a:r>
+            <a:r>
+              <a:rPr lang="de-DE" dirty="0" err="1"/>
+              <a:t>Skymensions</a:t>
+            </a:r>
+            <a:r>
+              <a:rPr lang="de-DE" dirty="0"/>
+              <a:t>.</a:t>
+            </a:r>
+          </a:p>
+        </p:txBody>
+      </p:sp>
+    </p:spTree>
+    <p:extLst>
+      <p:ext uri="{BB962C8B-B14F-4D97-AF65-F5344CB8AC3E}">
+        <p14:creationId xmlns:p14="http://schemas.microsoft.com/office/powerpoint/2010/main" val="3177102457"/>
+      </p:ext>
+    </p:extLst>
+  </p:cSld>
+  <p:clrMapOvr>
+    <a:masterClrMapping/>
+  </p:clrMapOvr>
+</p:sld>
+</file>
+
+<file path=ppt/slides/slide3.xml><?xml version="1.0" encoding="utf-8"?>
+<p:sld xmlns:a="http://schemas.openxmlformats.org/drawingml/2006/main" xmlns:r="http://schemas.openxmlformats.org/officeDocument/2006/relationships" xmlns:p="http://schemas.openxmlformats.org/presentationml/2006/main">
+  <p:cSld>
+    <p:spTree>
+      <p:nvGrpSpPr>
+        <p:cNvPr id="1" name=""/>
+        <p:cNvGrpSpPr/>
+        <p:nvPr/>
+      </p:nvGrpSpPr>
+      <p:grpSpPr>
+        <a:xfrm>
+          <a:off x="0" y="0"/>
+          <a:ext cx="0" cy="0"/>
+          <a:chOff x="0" y="0"/>
+          <a:chExt cx="0" cy="0"/>
+        </a:xfrm>
+      </p:grpSpPr>
+      <p:sp>
+        <p:nvSpPr>
+          <p:cNvPr id="2" name="Titel 1"/>
+          <p:cNvSpPr>
+            <a:spLocks noGrp="1"/>
+          </p:cNvSpPr>
+          <p:nvPr>
+            <p:ph type="title"/>
+          </p:nvPr>
+        </p:nvSpPr>
+        <p:spPr/>
+        <p:txBody>
+          <a:bodyPr/>
+          <a:lstStyle/>
+          <a:p>
+            <a:r>
+              <a:rPr lang="de-DE" dirty="0"/>
+              <a:t>Storyboard</a:t>
+            </a:r>
+          </a:p>
+        </p:txBody>
+      </p:sp>
+      <p:pic>
+        <p:nvPicPr>
+          <p:cNvPr id="4" name="Grafik 3"/>
+          <p:cNvPicPr>
+            <a:picLocks noChangeAspect="1"/>
+          </p:cNvPicPr>
+          <p:nvPr/>
+        </p:nvPicPr>
+        <p:blipFill rotWithShape="1">
+          <a:blip r:embed="rId2" cstate="print">
+            <a:extLst>
+              <a:ext uri="{28A0092B-C50C-407E-A947-70E740481C1C}">
+                <a14:useLocalDpi xmlns:a14="http://schemas.microsoft.com/office/drawing/2010/main" val="0"/>
+              </a:ext>
+            </a:extLst>
+          </a:blip>
+          <a:srcRect t="33884" b="27823"/>
+          <a:stretch/>
+        </p:blipFill>
+        <p:spPr>
+          <a:xfrm>
+            <a:off x="894522" y="2425148"/>
+            <a:ext cx="9621078" cy="2072310"/>
+          </a:xfrm>
+          <a:prstGeom prst="rect">
+            <a:avLst/>
+          </a:prstGeom>
+        </p:spPr>
+      </p:pic>
+    </p:spTree>
+    <p:extLst>
+      <p:ext uri="{BB962C8B-B14F-4D97-AF65-F5344CB8AC3E}">
+        <p14:creationId xmlns:p14="http://schemas.microsoft.com/office/powerpoint/2010/main" val="3614802374"/>
+      </p:ext>
+    </p:extLst>
+  </p:cSld>
+  <p:clrMapOvr>
+    <a:masterClrMapping/>
+  </p:clrMapOvr>
+</p:sld>
+</file>
+
+<file path=ppt/slides/slide4.xml><?xml version="1.0" encoding="utf-8"?>
+<p:sld xmlns:a="http://schemas.openxmlformats.org/drawingml/2006/main" xmlns:r="http://schemas.openxmlformats.org/officeDocument/2006/relationships" xmlns:p="http://schemas.openxmlformats.org/presentationml/2006/main">
+  <p:cSld>
+    <p:spTree>
+      <p:nvGrpSpPr>
+        <p:cNvPr id="1" name=""/>
+        <p:cNvGrpSpPr/>
+        <p:nvPr/>
+      </p:nvGrpSpPr>
+      <p:grpSpPr>
+        <a:xfrm>
+          <a:off x="0" y="0"/>
+          <a:ext cx="0" cy="0"/>
+          <a:chOff x="0" y="0"/>
+          <a:chExt cx="0" cy="0"/>
+        </a:xfrm>
+      </p:grpSpPr>
+      <p:sp>
+        <p:nvSpPr>
+          <p:cNvPr id="2" name="Titel 1"/>
+          <p:cNvSpPr>
+            <a:spLocks noGrp="1"/>
+          </p:cNvSpPr>
+          <p:nvPr>
+            <p:ph type="title"/>
+          </p:nvPr>
+        </p:nvSpPr>
+        <p:spPr/>
+        <p:txBody>
+          <a:bodyPr/>
+          <a:lstStyle/>
+          <a:p>
+            <a:r>
+              <a:rPr lang="de-DE" dirty="0"/>
+              <a:t>Verantwortungsbereich Niels</a:t>
+            </a:r>
+          </a:p>
+        </p:txBody>
+      </p:sp>
+      <p:sp>
+        <p:nvSpPr>
+          <p:cNvPr id="3" name="Inhaltsplatzhalter 2"/>
+          <p:cNvSpPr>
+            <a:spLocks noGrp="1"/>
+          </p:cNvSpPr>
+          <p:nvPr>
+            <p:ph idx="1"/>
+          </p:nvPr>
+        </p:nvSpPr>
+        <p:spPr>
+          <a:xfrm>
+            <a:off x="838200" y="1825625"/>
+            <a:ext cx="3864429" cy="4351338"/>
+          </a:xfrm>
+        </p:spPr>
+        <p:txBody>
+          <a:bodyPr/>
+          <a:lstStyle/>
+          <a:p>
+            <a:r>
+              <a:rPr lang="de-DE" dirty="0"/>
+              <a:t>KI</a:t>
+            </a:r>
+          </a:p>
+          <a:p>
+            <a:r>
+              <a:rPr lang="de-DE" dirty="0" err="1"/>
+              <a:t>Movenment</a:t>
+            </a:r>
+            <a:r>
+              <a:rPr lang="de-DE" dirty="0"/>
+              <a:t>/Kamera</a:t>
+            </a:r>
+          </a:p>
+          <a:p>
+            <a:endParaRPr lang="de-DE" dirty="0"/>
+          </a:p>
+        </p:txBody>
+      </p:sp>
+    </p:spTree>
+    <p:extLst>
+      <p:ext uri="{BB962C8B-B14F-4D97-AF65-F5344CB8AC3E}">
+        <p14:creationId xmlns:p14="http://schemas.microsoft.com/office/powerpoint/2010/main" val="2637673204"/>
+      </p:ext>
+    </p:extLst>
+  </p:cSld>
+  <p:clrMapOvr>
+    <a:masterClrMapping/>
+  </p:clrMapOvr>
+</p:sld>
+</file>
+
+<file path=ppt/slides/slide5.xml><?xml version="1.0" encoding="utf-8"?>
+<p:sld xmlns:a="http://schemas.openxmlformats.org/drawingml/2006/main" xmlns:r="http://schemas.openxmlformats.org/officeDocument/2006/relationships" xmlns:p="http://schemas.openxmlformats.org/presentationml/2006/main">
+  <p:cSld>
+    <p:spTree>
+      <p:nvGrpSpPr>
+        <p:cNvPr id="1" name=""/>
+        <p:cNvGrpSpPr/>
+        <p:nvPr/>
+      </p:nvGrpSpPr>
+      <p:grpSpPr>
+        <a:xfrm>
+          <a:off x="0" y="0"/>
+          <a:ext cx="0" cy="0"/>
+          <a:chOff x="0" y="0"/>
+          <a:chExt cx="0" cy="0"/>
+        </a:xfrm>
+      </p:grpSpPr>
+      <p:sp>
+        <p:nvSpPr>
+          <p:cNvPr id="2" name="Titel 1"/>
+          <p:cNvSpPr>
+            <a:spLocks noGrp="1"/>
+          </p:cNvSpPr>
+          <p:nvPr>
+            <p:ph type="title"/>
+          </p:nvPr>
+        </p:nvSpPr>
+        <p:spPr/>
+        <p:txBody>
+          <a:bodyPr/>
+          <a:lstStyle/>
+          <a:p>
+            <a:r>
+              <a:rPr lang="de-DE" dirty="0"/>
+              <a:t>KI</a:t>
+            </a:r>
+          </a:p>
+        </p:txBody>
+      </p:sp>
+      <p:pic>
+        <p:nvPicPr>
+          <p:cNvPr id="3" name="Grafik 2"/>
+          <p:cNvPicPr>
+            <a:picLocks noChangeAspect="1"/>
+          </p:cNvPicPr>
+          <p:nvPr/>
+        </p:nvPicPr>
+        <p:blipFill>
+          <a:blip r:embed="rId2"/>
+          <a:stretch>
+            <a:fillRect/>
+          </a:stretch>
+        </p:blipFill>
+        <p:spPr>
+          <a:xfrm>
+            <a:off x="1827716" y="0"/>
+            <a:ext cx="8205642" cy="6858000"/>
+          </a:xfrm>
+          <a:prstGeom prst="rect">
+            <a:avLst/>
+          </a:prstGeom>
+        </p:spPr>
+      </p:pic>
+    </p:spTree>
+    <p:extLst>
+      <p:ext uri="{BB962C8B-B14F-4D97-AF65-F5344CB8AC3E}">
+        <p14:creationId xmlns:p14="http://schemas.microsoft.com/office/powerpoint/2010/main" val="1536122512"/>
+      </p:ext>
+    </p:extLst>
+  </p:cSld>
+  <p:clrMapOvr>
+    <a:masterClrMapping/>
+  </p:clrMapOvr>
+</p:sld>
+</file>
+
+<file path=ppt/slides/slide6.xml><?xml version="1.0" encoding="utf-8"?>
+<p:sld xmlns:a="http://schemas.openxmlformats.org/drawingml/2006/main" xmlns:r="http://schemas.openxmlformats.org/officeDocument/2006/relationships" xmlns:p="http://schemas.openxmlformats.org/presentationml/2006/main">
+  <p:cSld>
+    <p:spTree>
+      <p:nvGrpSpPr>
+        <p:cNvPr id="1" name=""/>
+        <p:cNvGrpSpPr/>
+        <p:nvPr/>
+      </p:nvGrpSpPr>
+      <p:grpSpPr>
+        <a:xfrm>
+          <a:off x="0" y="0"/>
+          <a:ext cx="0" cy="0"/>
+          <a:chOff x="0" y="0"/>
+          <a:chExt cx="0" cy="0"/>
+        </a:xfrm>
+      </p:grpSpPr>
+      <p:sp>
+        <p:nvSpPr>
+          <p:cNvPr id="2" name="Titel 1"/>
+          <p:cNvSpPr>
+            <a:spLocks noGrp="1"/>
+          </p:cNvSpPr>
+          <p:nvPr>
+            <p:ph type="title"/>
+          </p:nvPr>
+        </p:nvSpPr>
+        <p:spPr/>
+        <p:txBody>
+          <a:bodyPr/>
+          <a:lstStyle/>
+          <a:p>
+            <a:r>
+              <a:rPr lang="de-DE" dirty="0"/>
+              <a:t>Movement </a:t>
+            </a:r>
+          </a:p>
+        </p:txBody>
+      </p:sp>
+      <p:pic>
+        <p:nvPicPr>
+          <p:cNvPr id="4" name="Grafik 3"/>
+          <p:cNvPicPr>
+            <a:picLocks noChangeAspect="1"/>
+          </p:cNvPicPr>
+          <p:nvPr/>
+        </p:nvPicPr>
+        <p:blipFill>
+          <a:blip r:embed="rId2">
+            <a:extLst>
+              <a:ext uri="{28A0092B-C50C-407E-A947-70E740481C1C}">
+                <a14:useLocalDpi xmlns:a14="http://schemas.microsoft.com/office/drawing/2010/main" val="0"/>
+              </a:ext>
+            </a:extLst>
+          </a:blip>
+          <a:stretch>
+            <a:fillRect/>
+          </a:stretch>
+        </p:blipFill>
+        <p:spPr>
+          <a:xfrm>
+            <a:off x="4035357" y="0"/>
+            <a:ext cx="6002334" cy="6858000"/>
+          </a:xfrm>
+          <a:prstGeom prst="rect">
+            <a:avLst/>
+          </a:prstGeom>
+        </p:spPr>
+      </p:pic>
+    </p:spTree>
+    <p:extLst>
+      <p:ext uri="{BB962C8B-B14F-4D97-AF65-F5344CB8AC3E}">
+        <p14:creationId xmlns:p14="http://schemas.microsoft.com/office/powerpoint/2010/main" val="4194890001"/>
+      </p:ext>
+    </p:extLst>
+  </p:cSld>
+  <p:clrMapOvr>
+    <a:masterClrMapping/>
+  </p:clrMapOvr>
+</p:sld>
+</file>
+
+<file path=ppt/slides/slide7.xml><?xml version="1.0" encoding="utf-8"?>
+<p:sld xmlns:a="http://schemas.openxmlformats.org/drawingml/2006/main" xmlns:r="http://schemas.openxmlformats.org/officeDocument/2006/relationships" xmlns:p="http://schemas.openxmlformats.org/presentationml/2006/main">
+  <p:cSld>
+    <p:spTree>
+      <p:nvGrpSpPr>
+        <p:cNvPr id="1" name=""/>
+        <p:cNvGrpSpPr/>
+        <p:nvPr/>
+      </p:nvGrpSpPr>
+      <p:grpSpPr>
+        <a:xfrm>
+          <a:off x="0" y="0"/>
+          <a:ext cx="0" cy="0"/>
+          <a:chOff x="0" y="0"/>
+          <a:chExt cx="0" cy="0"/>
+        </a:xfrm>
+      </p:grpSpPr>
+      <p:sp>
+        <p:nvSpPr>
+          <p:cNvPr id="2" name="Titel 1"/>
+          <p:cNvSpPr>
+            <a:spLocks noGrp="1"/>
+          </p:cNvSpPr>
+          <p:nvPr>
+            <p:ph type="title"/>
+          </p:nvPr>
+        </p:nvSpPr>
+        <p:spPr/>
+        <p:txBody>
+          <a:bodyPr/>
+          <a:lstStyle/>
+          <a:p>
+            <a:r>
+              <a:rPr lang="de-DE" dirty="0"/>
+              <a:t>Verantwortungsbereich Robert</a:t>
+            </a:r>
+          </a:p>
+        </p:txBody>
+      </p:sp>
+      <p:sp>
+        <p:nvSpPr>
+          <p:cNvPr id="3" name="Inhaltsplatzhalter 2"/>
+          <p:cNvSpPr>
+            <a:spLocks noGrp="1"/>
+          </p:cNvSpPr>
+          <p:nvPr>
+            <p:ph idx="1"/>
+          </p:nvPr>
+        </p:nvSpPr>
+        <p:spPr/>
+        <p:txBody>
+          <a:bodyPr/>
+          <a:lstStyle/>
+          <a:p>
+            <a:r>
+              <a:rPr lang="de-DE" dirty="0"/>
+              <a:t>Levelgenerierung</a:t>
+            </a:r>
+          </a:p>
+          <a:p>
+            <a:r>
+              <a:rPr lang="de-DE" dirty="0"/>
+              <a:t>Attribute Spieler/Gegner</a:t>
+            </a:r>
+          </a:p>
+          <a:p>
+            <a:r>
+              <a:rPr lang="de-DE" dirty="0"/>
+              <a:t>UI</a:t>
+            </a:r>
+          </a:p>
+          <a:p>
+            <a:r>
+              <a:rPr lang="de-DE" dirty="0"/>
+              <a:t>Spieler- / Gegnerinteraktion</a:t>
+            </a:r>
+          </a:p>
+          <a:p>
+            <a:pPr marL="0" indent="0">
+              <a:buNone/>
+            </a:pPr>
+            <a:endParaRPr lang="de-DE" dirty="0"/>
+          </a:p>
+          <a:p>
+            <a:pPr marL="0" indent="0">
+              <a:buNone/>
+            </a:pPr>
+            <a:endParaRPr lang="de-DE" dirty="0"/>
+          </a:p>
+        </p:txBody>
+      </p:sp>
+    </p:spTree>
+    <p:extLst>
+      <p:ext uri="{BB962C8B-B14F-4D97-AF65-F5344CB8AC3E}">
+        <p14:creationId xmlns:p14="http://schemas.microsoft.com/office/powerpoint/2010/main" val="4266374917"/>
+      </p:ext>
+    </p:extLst>
+  </p:cSld>
+  <p:clrMapOvr>
+    <a:masterClrMapping/>
+  </p:clrMapOvr>
+</p:sld>
+</file>
+
+<file path=ppt/slides/slide8.xml><?xml version="1.0" encoding="utf-8"?>
+<p:sld xmlns:a="http://schemas.openxmlformats.org/drawingml/2006/main" xmlns:r="http://schemas.openxmlformats.org/officeDocument/2006/relationships" xmlns:p="http://schemas.openxmlformats.org/presentationml/2006/main">
+  <p:cSld>
+    <p:spTree>
+      <p:nvGrpSpPr>
+        <p:cNvPr id="1" name=""/>
+        <p:cNvGrpSpPr/>
+        <p:nvPr/>
+      </p:nvGrpSpPr>
+      <p:grpSpPr>
+        <a:xfrm>
+          <a:off x="0" y="0"/>
+          <a:ext cx="0" cy="0"/>
+          <a:chOff x="0" y="0"/>
+          <a:chExt cx="0" cy="0"/>
+        </a:xfrm>
+      </p:grpSpPr>
+      <p:sp>
+        <p:nvSpPr>
+          <p:cNvPr id="2" name="Titel 1">
+            <a:extLst>
+              <a:ext uri="{FF2B5EF4-FFF2-40B4-BE49-F238E27FC236}">
+                <a16:creationId xmlns:a16="http://schemas.microsoft.com/office/drawing/2014/main" id="{C4B3A167-4995-4F47-B43B-BFAA9E9250E5}"/>
+              </a:ext>
+            </a:extLst>
+          </p:cNvPr>
+          <p:cNvSpPr>
+            <a:spLocks noGrp="1"/>
+          </p:cNvSpPr>
+          <p:nvPr>
+            <p:ph type="title"/>
+          </p:nvPr>
+        </p:nvSpPr>
+        <p:spPr>
+          <a:xfrm>
+            <a:off x="241566" y="1424439"/>
+            <a:ext cx="10515600" cy="1325563"/>
+          </a:xfrm>
+        </p:spPr>
+        <p:txBody>
+          <a:bodyPr/>
+          <a:lstStyle/>
+          <a:p>
+            <a:r>
+              <a:rPr lang="de-DE" dirty="0"/>
+              <a:t>Levelgenerierung</a:t>
+            </a:r>
+          </a:p>
+        </p:txBody>
+      </p:sp>
+      <p:pic>
+        <p:nvPicPr>
+          <p:cNvPr id="5" name="Grafik 4">
+            <a:extLst>
+              <a:ext uri="{FF2B5EF4-FFF2-40B4-BE49-F238E27FC236}">
+                <a16:creationId xmlns:a16="http://schemas.microsoft.com/office/drawing/2014/main" id="{1B0565AC-AF87-4830-9510-6D933B6BDDDD}"/>
+              </a:ext>
+            </a:extLst>
+          </p:cNvPr>
+          <p:cNvPicPr>
+            <a:picLocks noChangeAspect="1"/>
+          </p:cNvPicPr>
+          <p:nvPr/>
+        </p:nvPicPr>
+        <p:blipFill rotWithShape="1">
+          <a:blip r:embed="rId2"/>
+          <a:srcRect l="3107" t="12256" r="56136" b="28216"/>
+          <a:stretch/>
+        </p:blipFill>
+        <p:spPr>
+          <a:xfrm>
+            <a:off x="4349930" y="271784"/>
+            <a:ext cx="7842070" cy="6442745"/>
+          </a:xfrm>
+          <a:prstGeom prst="rect">
+            <a:avLst/>
+          </a:prstGeom>
+        </p:spPr>
+      </p:pic>
+    </p:spTree>
+    <p:extLst>
+      <p:ext uri="{BB962C8B-B14F-4D97-AF65-F5344CB8AC3E}">
+        <p14:creationId xmlns:p14="http://schemas.microsoft.com/office/powerpoint/2010/main" val="776229417"/>
+      </p:ext>
+    </p:extLst>
+  </p:cSld>
+  <p:clrMapOvr>
+    <a:masterClrMapping/>
+  </p:clrMapOvr>
+</p:sld>
+</file>
+
+<file path=ppt/slides/slide9.xml><?xml version="1.0" encoding="utf-8"?>
+<p:sld xmlns:a="http://schemas.openxmlformats.org/drawingml/2006/main" xmlns:r="http://schemas.openxmlformats.org/officeDocument/2006/relationships" xmlns:p="http://schemas.openxmlformats.org/presentationml/2006/main">
+  <p:cSld>
+    <p:spTree>
+      <p:nvGrpSpPr>
+        <p:cNvPr id="1" name=""/>
+        <p:cNvGrpSpPr/>
+        <p:nvPr/>
+      </p:nvGrpSpPr>
+      <p:grpSpPr>
+        <a:xfrm>
+          <a:off x="0" y="0"/>
+          <a:ext cx="0" cy="0"/>
+          <a:chOff x="0" y="0"/>
+          <a:chExt cx="0" cy="0"/>
+        </a:xfrm>
+      </p:grpSpPr>
+      <p:sp>
+        <p:nvSpPr>
+          <p:cNvPr id="2" name="Titel 1">
+            <a:extLst>
+              <a:ext uri="{FF2B5EF4-FFF2-40B4-BE49-F238E27FC236}">
+                <a16:creationId xmlns:a16="http://schemas.microsoft.com/office/drawing/2014/main" id="{1B09397A-EE71-4ACA-BA78-02E710E93D7E}"/>
+              </a:ext>
+            </a:extLst>
+          </p:cNvPr>
+          <p:cNvSpPr>
+            <a:spLocks noGrp="1"/>
+          </p:cNvSpPr>
+          <p:nvPr>
+            <p:ph type="title"/>
+          </p:nvPr>
+        </p:nvSpPr>
+        <p:spPr/>
+        <p:txBody>
+          <a:bodyPr/>
+          <a:lstStyle/>
+          <a:p>
+            <a:r>
+              <a:rPr lang="de-DE" dirty="0"/>
+              <a:t>Player </a:t>
+            </a:r>
+            <a:r>
+              <a:rPr lang="de-DE" dirty="0" err="1"/>
+              <a:t>Attack</a:t>
+            </a:r>
+            <a:endParaRPr lang="de-DE" dirty="0"/>
+          </a:p>
+        </p:txBody>
+      </p:sp>
+      <p:pic>
+        <p:nvPicPr>
+          <p:cNvPr id="4" name="Grafik 3">
+            <a:extLst>
+              <a:ext uri="{FF2B5EF4-FFF2-40B4-BE49-F238E27FC236}">
+                <a16:creationId xmlns:a16="http://schemas.microsoft.com/office/drawing/2014/main" id="{F9B755B4-6054-4E44-9D0D-64FD43E77E54}"/>
+              </a:ext>
+            </a:extLst>
+          </p:cNvPr>
+          <p:cNvPicPr>
+            <a:picLocks noChangeAspect="1"/>
+          </p:cNvPicPr>
+          <p:nvPr/>
+        </p:nvPicPr>
+        <p:blipFill rotWithShape="1">
+          <a:blip r:embed="rId2"/>
+          <a:srcRect l="3259" t="36545" r="61363" b="34276"/>
+          <a:stretch/>
+        </p:blipFill>
+        <p:spPr>
+          <a:xfrm>
+            <a:off x="0" y="2340528"/>
+            <a:ext cx="6093906" cy="2827089"/>
+          </a:xfrm>
+          <a:prstGeom prst="rect">
+            <a:avLst/>
+          </a:prstGeom>
+        </p:spPr>
+      </p:pic>
+      <p:pic>
+        <p:nvPicPr>
+          <p:cNvPr id="5" name="Grafik 4">
+            <a:extLst>
+              <a:ext uri="{FF2B5EF4-FFF2-40B4-BE49-F238E27FC236}">
+                <a16:creationId xmlns:a16="http://schemas.microsoft.com/office/drawing/2014/main" id="{BD953A0F-6E4C-4FFC-B346-58AFFF82D9A5}"/>
+              </a:ext>
+            </a:extLst>
+          </p:cNvPr>
+          <p:cNvPicPr>
+            <a:picLocks noChangeAspect="1"/>
+          </p:cNvPicPr>
+          <p:nvPr/>
+        </p:nvPicPr>
+        <p:blipFill rotWithShape="1">
+          <a:blip r:embed="rId3"/>
+          <a:srcRect l="3106" t="24652" r="64242" b="34546"/>
+          <a:stretch/>
+        </p:blipFill>
+        <p:spPr>
+          <a:xfrm>
+            <a:off x="6087397" y="1367405"/>
+            <a:ext cx="6104603" cy="4290969"/>
+          </a:xfrm>
+          <a:prstGeom prst="rect">
+            <a:avLst/>
+          </a:prstGeom>
+        </p:spPr>
+      </p:pic>
+    </p:spTree>
+    <p:extLst>
+      <p:ext uri="{BB962C8B-B14F-4D97-AF65-F5344CB8AC3E}">
+        <p14:creationId xmlns:p14="http://schemas.microsoft.com/office/powerpoint/2010/main" val="567842348"/>
+      </p:ext>
+    </p:extLst>
+  </p:cSld>
+  <p:clrMapOvr>
+    <a:masterClrMapping/>
+  </p:clrMapOvr>
 </p:sld>
 </file>
 

--- a/12-Skymensions-JanzenQuanzJonetzko.pptx
+++ b/12-Skymensions-JanzenQuanzJonetzko.pptx
@@ -15,7 +15,9 @@
     <p:sldId id="269" r:id="rId9"/>
     <p:sldId id="270" r:id="rId10"/>
     <p:sldId id="266" r:id="rId11"/>
-    <p:sldId id="261" r:id="rId12"/>
+    <p:sldId id="271" r:id="rId12"/>
+    <p:sldId id="272" r:id="rId13"/>
+    <p:sldId id="261" r:id="rId14"/>
   </p:sldIdLst>
   <p:sldSz cx="12192000" cy="6858000"/>
   <p:notesSz cx="6858000" cy="9144000"/>
@@ -3095,7 +3097,7 @@
         <p:spPr>
           <a:xfrm>
             <a:off x="838200" y="1825625"/>
-            <a:ext cx="3707674" cy="4351338"/>
+            <a:ext cx="4254500" cy="4351338"/>
           </a:xfrm>
         </p:spPr>
         <p:txBody>
@@ -3110,14 +3112,31 @@
           <a:p>
             <a:r>
               <a:rPr lang="de-DE" dirty="0"/>
-              <a:t>Item Drop</a:t>
+              <a:t>Item Drop /Item Design</a:t>
             </a:r>
           </a:p>
           <a:p>
             <a:r>
               <a:rPr lang="de-DE" dirty="0"/>
-              <a:t>Item Design</a:t>
-            </a:r>
+              <a:t>Neue Level Generierung</a:t>
+            </a:r>
+          </a:p>
+          <a:p>
+            <a:r>
+              <a:rPr lang="de-DE" dirty="0"/>
+              <a:t>Tod/</a:t>
+            </a:r>
+            <a:r>
+              <a:rPr lang="de-DE" dirty="0" err="1"/>
+              <a:t>Reset</a:t>
+            </a:r>
+            <a:r>
+              <a:rPr lang="de-DE" dirty="0"/>
+              <a:t> </a:t>
+            </a:r>
+          </a:p>
+          <a:p>
+            <a:endParaRPr lang="de-DE" dirty="0"/>
           </a:p>
           <a:p>
             <a:endParaRPr lang="de-DE" dirty="0"/>
@@ -3144,6 +3163,487 @@
 </file>
 
 <file path=ppt/slides/slide11.xml><?xml version="1.0" encoding="utf-8"?>
+<p:sld xmlns:a="http://schemas.openxmlformats.org/drawingml/2006/main" xmlns:r="http://schemas.openxmlformats.org/officeDocument/2006/relationships" xmlns:p="http://schemas.openxmlformats.org/presentationml/2006/main">
+  <p:cSld>
+    <p:bg>
+      <p:bgPr>
+        <a:solidFill>
+          <a:schemeClr val="bg2">
+            <a:lumMod val="10000"/>
+          </a:schemeClr>
+        </a:solidFill>
+        <a:effectLst/>
+      </p:bgPr>
+    </p:bg>
+    <p:spTree>
+      <p:nvGrpSpPr>
+        <p:cNvPr id="1" name=""/>
+        <p:cNvGrpSpPr/>
+        <p:nvPr/>
+      </p:nvGrpSpPr>
+      <p:grpSpPr>
+        <a:xfrm>
+          <a:off x="0" y="0"/>
+          <a:ext cx="0" cy="0"/>
+          <a:chOff x="0" y="0"/>
+          <a:chExt cx="0" cy="0"/>
+        </a:xfrm>
+      </p:grpSpPr>
+      <p:pic>
+        <p:nvPicPr>
+          <p:cNvPr id="1026" name="Picture 2" descr=" Grabilla screen capture: ">
+            <a:extLst>
+              <a:ext uri="{FF2B5EF4-FFF2-40B4-BE49-F238E27FC236}">
+                <a16:creationId xmlns:a16="http://schemas.microsoft.com/office/drawing/2014/main" id="{058574A1-48D0-4AB1-AD50-A2AF317F1F2D}"/>
+              </a:ext>
+            </a:extLst>
+          </p:cNvPr>
+          <p:cNvPicPr>
+            <a:picLocks noChangeAspect="1" noChangeArrowheads="1"/>
+          </p:cNvPicPr>
+          <p:nvPr/>
+        </p:nvPicPr>
+        <p:blipFill>
+          <a:blip r:embed="rId2">
+            <a:extLst>
+              <a:ext uri="{28A0092B-C50C-407E-A947-70E740481C1C}">
+                <a14:useLocalDpi xmlns:a14="http://schemas.microsoft.com/office/drawing/2010/main" val="0"/>
+              </a:ext>
+            </a:extLst>
+          </a:blip>
+          <a:srcRect/>
+          <a:stretch>
+            <a:fillRect/>
+          </a:stretch>
+        </p:blipFill>
+        <p:spPr bwMode="auto">
+          <a:xfrm>
+            <a:off x="7121525" y="0"/>
+            <a:ext cx="5070475" cy="6858000"/>
+          </a:xfrm>
+          <a:prstGeom prst="rect">
+            <a:avLst/>
+          </a:prstGeom>
+          <a:noFill/>
+          <a:extLst>
+            <a:ext uri="{909E8E84-426E-40DD-AFC4-6F175D3DCCD1}">
+              <a14:hiddenFill xmlns:a14="http://schemas.microsoft.com/office/drawing/2010/main">
+                <a:solidFill>
+                  <a:srgbClr val="FFFFFF"/>
+                </a:solidFill>
+              </a14:hiddenFill>
+            </a:ext>
+          </a:extLst>
+        </p:spPr>
+      </p:pic>
+      <p:sp>
+        <p:nvSpPr>
+          <p:cNvPr id="4" name="Textfeld 3">
+            <a:extLst>
+              <a:ext uri="{FF2B5EF4-FFF2-40B4-BE49-F238E27FC236}">
+                <a16:creationId xmlns:a16="http://schemas.microsoft.com/office/drawing/2014/main" id="{599D63F9-13C9-48E9-A1D9-A5440BFC839E}"/>
+              </a:ext>
+            </a:extLst>
+          </p:cNvPr>
+          <p:cNvSpPr txBox="1"/>
+          <p:nvPr/>
+        </p:nvSpPr>
+        <p:spPr>
+          <a:xfrm>
+            <a:off x="10380663" y="165100"/>
+            <a:ext cx="3365500" cy="769441"/>
+          </a:xfrm>
+          <a:prstGeom prst="rect">
+            <a:avLst/>
+          </a:prstGeom>
+          <a:noFill/>
+        </p:spPr>
+        <p:txBody>
+          <a:bodyPr wrap="square" rtlCol="0">
+            <a:spAutoFit/>
+          </a:bodyPr>
+          <a:lstStyle/>
+          <a:p>
+            <a:r>
+              <a:rPr lang="de-DE" sz="4400" dirty="0">
+                <a:solidFill>
+                  <a:schemeClr val="bg1"/>
+                </a:solidFill>
+              </a:rPr>
+              <a:t>Menü</a:t>
+            </a:r>
+            <a:endParaRPr lang="de-DE" dirty="0">
+              <a:solidFill>
+                <a:schemeClr val="bg1"/>
+              </a:solidFill>
+            </a:endParaRPr>
+          </a:p>
+        </p:txBody>
+      </p:sp>
+      <p:pic>
+        <p:nvPicPr>
+          <p:cNvPr id="6" name="Picture 2" descr=" Grabilla screen capture: ">
+            <a:extLst>
+              <a:ext uri="{FF2B5EF4-FFF2-40B4-BE49-F238E27FC236}">
+                <a16:creationId xmlns:a16="http://schemas.microsoft.com/office/drawing/2014/main" id="{402164D4-0929-4264-94AC-1FFF497FD619}"/>
+              </a:ext>
+            </a:extLst>
+          </p:cNvPr>
+          <p:cNvPicPr>
+            <a:picLocks noChangeAspect="1" noChangeArrowheads="1"/>
+          </p:cNvPicPr>
+          <p:nvPr/>
+        </p:nvPicPr>
+        <p:blipFill>
+          <a:blip r:embed="rId3">
+            <a:extLst>
+              <a:ext uri="{28A0092B-C50C-407E-A947-70E740481C1C}">
+                <a14:useLocalDpi xmlns:a14="http://schemas.microsoft.com/office/drawing/2010/main" val="0"/>
+              </a:ext>
+            </a:extLst>
+          </a:blip>
+          <a:srcRect/>
+          <a:stretch>
+            <a:fillRect/>
+          </a:stretch>
+        </p:blipFill>
+        <p:spPr bwMode="auto">
+          <a:xfrm>
+            <a:off x="508000" y="1590675"/>
+            <a:ext cx="6286500" cy="3676650"/>
+          </a:xfrm>
+          <a:prstGeom prst="rect">
+            <a:avLst/>
+          </a:prstGeom>
+          <a:noFill/>
+          <a:extLst>
+            <a:ext uri="{909E8E84-426E-40DD-AFC4-6F175D3DCCD1}">
+              <a14:hiddenFill xmlns:a14="http://schemas.microsoft.com/office/drawing/2010/main">
+                <a:solidFill>
+                  <a:srgbClr val="FFFFFF"/>
+                </a:solidFill>
+              </a14:hiddenFill>
+            </a:ext>
+          </a:extLst>
+        </p:spPr>
+      </p:pic>
+      <p:sp>
+        <p:nvSpPr>
+          <p:cNvPr id="5" name="Textfeld 4">
+            <a:extLst>
+              <a:ext uri="{FF2B5EF4-FFF2-40B4-BE49-F238E27FC236}">
+                <a16:creationId xmlns:a16="http://schemas.microsoft.com/office/drawing/2014/main" id="{B4EB1B58-4BA3-44C2-8F9B-A8B5232A20AE}"/>
+              </a:ext>
+            </a:extLst>
+          </p:cNvPr>
+          <p:cNvSpPr txBox="1"/>
+          <p:nvPr/>
+        </p:nvSpPr>
+        <p:spPr>
+          <a:xfrm>
+            <a:off x="3429000" y="1841500"/>
+            <a:ext cx="2667000" cy="769441"/>
+          </a:xfrm>
+          <a:prstGeom prst="rect">
+            <a:avLst/>
+          </a:prstGeom>
+          <a:noFill/>
+        </p:spPr>
+        <p:txBody>
+          <a:bodyPr wrap="square" rtlCol="0">
+            <a:spAutoFit/>
+          </a:bodyPr>
+          <a:lstStyle/>
+          <a:p>
+            <a:r>
+              <a:rPr lang="de-DE" sz="4400" dirty="0">
+                <a:solidFill>
+                  <a:schemeClr val="bg1"/>
+                </a:solidFill>
+              </a:rPr>
+              <a:t>Item</a:t>
+            </a:r>
+          </a:p>
+        </p:txBody>
+      </p:sp>
+    </p:spTree>
+    <p:extLst>
+      <p:ext uri="{BB962C8B-B14F-4D97-AF65-F5344CB8AC3E}">
+        <p14:creationId xmlns:p14="http://schemas.microsoft.com/office/powerpoint/2010/main" val="3196619686"/>
+      </p:ext>
+    </p:extLst>
+  </p:cSld>
+  <p:clrMapOvr>
+    <a:masterClrMapping/>
+  </p:clrMapOvr>
+</p:sld>
+</file>
+
+<file path=ppt/slides/slide12.xml><?xml version="1.0" encoding="utf-8"?>
+<p:sld xmlns:a="http://schemas.openxmlformats.org/drawingml/2006/main" xmlns:r="http://schemas.openxmlformats.org/officeDocument/2006/relationships" xmlns:p="http://schemas.openxmlformats.org/presentationml/2006/main">
+  <p:cSld>
+    <p:bg>
+      <p:bgPr>
+        <a:solidFill>
+          <a:schemeClr val="bg2">
+            <a:lumMod val="10000"/>
+          </a:schemeClr>
+        </a:solidFill>
+        <a:effectLst/>
+      </p:bgPr>
+    </p:bg>
+    <p:spTree>
+      <p:nvGrpSpPr>
+        <p:cNvPr id="1" name=""/>
+        <p:cNvGrpSpPr/>
+        <p:nvPr/>
+      </p:nvGrpSpPr>
+      <p:grpSpPr>
+        <a:xfrm>
+          <a:off x="0" y="0"/>
+          <a:ext cx="0" cy="0"/>
+          <a:chOff x="0" y="0"/>
+          <a:chExt cx="0" cy="0"/>
+        </a:xfrm>
+      </p:grpSpPr>
+      <p:pic>
+        <p:nvPicPr>
+          <p:cNvPr id="2052" name="Picture 4" descr=" Grabilla screen capture: ">
+            <a:extLst>
+              <a:ext uri="{FF2B5EF4-FFF2-40B4-BE49-F238E27FC236}">
+                <a16:creationId xmlns:a16="http://schemas.microsoft.com/office/drawing/2014/main" id="{D13DE5D2-7186-46A6-B50A-537C8EE770F5}"/>
+              </a:ext>
+            </a:extLst>
+          </p:cNvPr>
+          <p:cNvPicPr>
+            <a:picLocks noChangeAspect="1" noChangeArrowheads="1"/>
+          </p:cNvPicPr>
+          <p:nvPr/>
+        </p:nvPicPr>
+        <p:blipFill>
+          <a:blip r:embed="rId2">
+            <a:extLst>
+              <a:ext uri="{28A0092B-C50C-407E-A947-70E740481C1C}">
+                <a14:useLocalDpi xmlns:a14="http://schemas.microsoft.com/office/drawing/2010/main" val="0"/>
+              </a:ext>
+            </a:extLst>
+          </a:blip>
+          <a:srcRect/>
+          <a:stretch>
+            <a:fillRect/>
+          </a:stretch>
+        </p:blipFill>
+        <p:spPr bwMode="auto">
+          <a:xfrm>
+            <a:off x="381000" y="1579088"/>
+            <a:ext cx="5715000" cy="3699823"/>
+          </a:xfrm>
+          <a:prstGeom prst="rect">
+            <a:avLst/>
+          </a:prstGeom>
+          <a:noFill/>
+          <a:extLst>
+            <a:ext uri="{909E8E84-426E-40DD-AFC4-6F175D3DCCD1}">
+              <a14:hiddenFill xmlns:a14="http://schemas.microsoft.com/office/drawing/2010/main">
+                <a:solidFill>
+                  <a:srgbClr val="FFFFFF"/>
+                </a:solidFill>
+              </a14:hiddenFill>
+            </a:ext>
+          </a:extLst>
+        </p:spPr>
+      </p:pic>
+      <p:pic>
+        <p:nvPicPr>
+          <p:cNvPr id="2054" name="Picture 6" descr=" Grabilla screen capture: ">
+            <a:extLst>
+              <a:ext uri="{FF2B5EF4-FFF2-40B4-BE49-F238E27FC236}">
+                <a16:creationId xmlns:a16="http://schemas.microsoft.com/office/drawing/2014/main" id="{75565E06-7C9A-481F-BC2A-03DF27EEE91D}"/>
+              </a:ext>
+            </a:extLst>
+          </p:cNvPr>
+          <p:cNvPicPr>
+            <a:picLocks noChangeAspect="1" noChangeArrowheads="1"/>
+          </p:cNvPicPr>
+          <p:nvPr/>
+        </p:nvPicPr>
+        <p:blipFill>
+          <a:blip r:embed="rId3">
+            <a:extLst>
+              <a:ext uri="{28A0092B-C50C-407E-A947-70E740481C1C}">
+                <a14:useLocalDpi xmlns:a14="http://schemas.microsoft.com/office/drawing/2010/main" val="0"/>
+              </a:ext>
+            </a:extLst>
+          </a:blip>
+          <a:srcRect/>
+          <a:stretch>
+            <a:fillRect/>
+          </a:stretch>
+        </p:blipFill>
+        <p:spPr bwMode="auto">
+          <a:xfrm>
+            <a:off x="7515225" y="1487013"/>
+            <a:ext cx="3162300" cy="752475"/>
+          </a:xfrm>
+          <a:prstGeom prst="rect">
+            <a:avLst/>
+          </a:prstGeom>
+          <a:noFill/>
+          <a:extLst>
+            <a:ext uri="{909E8E84-426E-40DD-AFC4-6F175D3DCCD1}">
+              <a14:hiddenFill xmlns:a14="http://schemas.microsoft.com/office/drawing/2010/main">
+                <a:solidFill>
+                  <a:srgbClr val="FFFFFF"/>
+                </a:solidFill>
+              </a14:hiddenFill>
+            </a:ext>
+          </a:extLst>
+        </p:spPr>
+      </p:pic>
+      <p:pic>
+        <p:nvPicPr>
+          <p:cNvPr id="2056" name="Picture 8" descr=" Grabilla screen capture: ">
+            <a:extLst>
+              <a:ext uri="{FF2B5EF4-FFF2-40B4-BE49-F238E27FC236}">
+                <a16:creationId xmlns:a16="http://schemas.microsoft.com/office/drawing/2014/main" id="{E6464033-4DCB-41E5-9D5C-FD5DCABB9C4D}"/>
+              </a:ext>
+            </a:extLst>
+          </p:cNvPr>
+          <p:cNvPicPr>
+            <a:picLocks noChangeAspect="1" noChangeArrowheads="1"/>
+          </p:cNvPicPr>
+          <p:nvPr/>
+        </p:nvPicPr>
+        <p:blipFill>
+          <a:blip r:embed="rId4">
+            <a:extLst>
+              <a:ext uri="{28A0092B-C50C-407E-A947-70E740481C1C}">
+                <a14:useLocalDpi xmlns:a14="http://schemas.microsoft.com/office/drawing/2010/main" val="0"/>
+              </a:ext>
+            </a:extLst>
+          </a:blip>
+          <a:srcRect/>
+          <a:stretch>
+            <a:fillRect/>
+          </a:stretch>
+        </p:blipFill>
+        <p:spPr bwMode="auto">
+          <a:xfrm>
+            <a:off x="6381750" y="2738436"/>
+            <a:ext cx="5429250" cy="1381125"/>
+          </a:xfrm>
+          <a:prstGeom prst="rect">
+            <a:avLst/>
+          </a:prstGeom>
+          <a:noFill/>
+          <a:extLst>
+            <a:ext uri="{909E8E84-426E-40DD-AFC4-6F175D3DCCD1}">
+              <a14:hiddenFill xmlns:a14="http://schemas.microsoft.com/office/drawing/2010/main">
+                <a:solidFill>
+                  <a:srgbClr val="FFFFFF"/>
+                </a:solidFill>
+              </a14:hiddenFill>
+            </a:ext>
+          </a:extLst>
+        </p:spPr>
+      </p:pic>
+      <p:sp>
+        <p:nvSpPr>
+          <p:cNvPr id="5" name="Textfeld 4">
+            <a:extLst>
+              <a:ext uri="{FF2B5EF4-FFF2-40B4-BE49-F238E27FC236}">
+                <a16:creationId xmlns:a16="http://schemas.microsoft.com/office/drawing/2014/main" id="{2C6B6840-7DF3-4703-8637-86388320880A}"/>
+              </a:ext>
+            </a:extLst>
+          </p:cNvPr>
+          <p:cNvSpPr txBox="1"/>
+          <p:nvPr/>
+        </p:nvSpPr>
+        <p:spPr>
+          <a:xfrm>
+            <a:off x="3429000" y="1593157"/>
+            <a:ext cx="2514600" cy="646331"/>
+          </a:xfrm>
+          <a:prstGeom prst="rect">
+            <a:avLst/>
+          </a:prstGeom>
+          <a:noFill/>
+        </p:spPr>
+        <p:txBody>
+          <a:bodyPr wrap="square" rtlCol="0">
+            <a:spAutoFit/>
+          </a:bodyPr>
+          <a:lstStyle/>
+          <a:p>
+            <a:r>
+              <a:rPr lang="de-DE" sz="3600" dirty="0">
+                <a:solidFill>
+                  <a:schemeClr val="bg1"/>
+                </a:solidFill>
+              </a:rPr>
+              <a:t>Neues Level</a:t>
+            </a:r>
+          </a:p>
+        </p:txBody>
+      </p:sp>
+      <p:sp>
+        <p:nvSpPr>
+          <p:cNvPr id="6" name="Textfeld 5">
+            <a:extLst>
+              <a:ext uri="{FF2B5EF4-FFF2-40B4-BE49-F238E27FC236}">
+                <a16:creationId xmlns:a16="http://schemas.microsoft.com/office/drawing/2014/main" id="{7042C137-5BB7-41A1-BBA0-E58BFE90A63E}"/>
+              </a:ext>
+            </a:extLst>
+          </p:cNvPr>
+          <p:cNvSpPr txBox="1"/>
+          <p:nvPr/>
+        </p:nvSpPr>
+        <p:spPr>
+          <a:xfrm>
+            <a:off x="10337800" y="2738436"/>
+            <a:ext cx="1308100" cy="646331"/>
+          </a:xfrm>
+          <a:prstGeom prst="rect">
+            <a:avLst/>
+          </a:prstGeom>
+          <a:noFill/>
+        </p:spPr>
+        <p:txBody>
+          <a:bodyPr wrap="square" rtlCol="0">
+            <a:spAutoFit/>
+          </a:bodyPr>
+          <a:lstStyle/>
+          <a:p>
+            <a:r>
+              <a:rPr lang="de-DE" sz="3600" dirty="0" err="1">
+                <a:solidFill>
+                  <a:schemeClr val="bg1"/>
+                </a:solidFill>
+              </a:rPr>
+              <a:t>Reset</a:t>
+            </a:r>
+            <a:endParaRPr lang="de-DE" sz="3600" dirty="0">
+              <a:solidFill>
+                <a:schemeClr val="bg1"/>
+              </a:solidFill>
+            </a:endParaRPr>
+          </a:p>
+        </p:txBody>
+      </p:sp>
+    </p:spTree>
+    <p:extLst>
+      <p:ext uri="{BB962C8B-B14F-4D97-AF65-F5344CB8AC3E}">
+        <p14:creationId xmlns:p14="http://schemas.microsoft.com/office/powerpoint/2010/main" val="3854050808"/>
+      </p:ext>
+    </p:extLst>
+  </p:cSld>
+  <p:clrMapOvr>
+    <a:masterClrMapping/>
+  </p:clrMapOvr>
+</p:sld>
+</file>
+
+<file path=ppt/slides/slide13.xml><?xml version="1.0" encoding="utf-8"?>
 <p:sld xmlns:a="http://schemas.openxmlformats.org/drawingml/2006/main" xmlns:r="http://schemas.openxmlformats.org/officeDocument/2006/relationships" xmlns:p="http://schemas.openxmlformats.org/presentationml/2006/main">
   <p:cSld>
     <p:spTree>
